--- a/DIGICHEES PPTX.pptx
+++ b/DIGICHEES PPTX.pptx
@@ -35,23 +35,24 @@
     <p:sldId id="280" r:id="rId31"/>
     <p:sldId id="281" r:id="rId32"/>
     <p:sldId id="282" r:id="rId33"/>
+    <p:sldId id="283" r:id="rId34"/>
   </p:sldIdLst>
   <p:sldSz cy="5143500" cx="9144000"/>
   <p:notesSz cx="6858000" cy="9144000"/>
   <p:embeddedFontLst>
     <p:embeddedFont>
       <p:font typeface="Nunito"/>
-      <p:regular r:id="rId34"/>
-      <p:bold r:id="rId35"/>
-      <p:italic r:id="rId36"/>
-      <p:boldItalic r:id="rId37"/>
+      <p:regular r:id="rId35"/>
+      <p:bold r:id="rId36"/>
+      <p:italic r:id="rId37"/>
+      <p:boldItalic r:id="rId38"/>
     </p:embeddedFont>
     <p:embeddedFont>
       <p:font typeface="Poppins"/>
-      <p:regular r:id="rId38"/>
-      <p:bold r:id="rId39"/>
-      <p:italic r:id="rId40"/>
-      <p:boldItalic r:id="rId41"/>
+      <p:regular r:id="rId39"/>
+      <p:bold r:id="rId40"/>
+      <p:italic r:id="rId41"/>
+      <p:boldItalic r:id="rId42"/>
     </p:embeddedFont>
   </p:embeddedFontLst>
   <p:defaultTextStyle>
@@ -832,7 +833,7 @@
   <p:cSld>
     <p:spTree>
       <p:nvGrpSpPr>
-        <p:cNvPr id="190" name="Shape 190"/>
+        <p:cNvPr id="186" name="Shape 186"/>
         <p:cNvGrpSpPr/>
         <p:nvPr/>
       </p:nvGrpSpPr>
@@ -846,7 +847,7 @@
       </p:grpSpPr>
       <p:sp>
         <p:nvSpPr>
-          <p:cNvPr id="191" name="Google Shape;191;g25371208c3b_0_72:notes"/>
+          <p:cNvPr id="187" name="Google Shape;187;g25371208c3b_0_60:notes"/>
           <p:cNvSpPr/>
           <p:nvPr>
             <p:ph idx="2" type="sldImg"/>
@@ -881,7 +882,7 @@
       </p:sp>
       <p:sp>
         <p:nvSpPr>
-          <p:cNvPr id="192" name="Google Shape;192;g25371208c3b_0_72:notes"/>
+          <p:cNvPr id="188" name="Google Shape;188;g25371208c3b_0_60:notes"/>
           <p:cNvSpPr txBox="1"/>
           <p:nvPr>
             <p:ph idx="1" type="body"/>
@@ -931,7 +932,7 @@
   <p:cSld>
     <p:spTree>
       <p:nvGrpSpPr>
-        <p:cNvPr id="198" name="Shape 198"/>
+        <p:cNvPr id="195" name="Shape 195"/>
         <p:cNvGrpSpPr/>
         <p:nvPr/>
       </p:nvGrpSpPr>
@@ -945,7 +946,7 @@
       </p:grpSpPr>
       <p:sp>
         <p:nvSpPr>
-          <p:cNvPr id="199" name="Google Shape;199;g25371208c3b_0_18:notes"/>
+          <p:cNvPr id="196" name="Google Shape;196;g25371208c3b_0_66:notes"/>
           <p:cNvSpPr/>
           <p:nvPr>
             <p:ph idx="2" type="sldImg"/>
@@ -980,7 +981,7 @@
       </p:sp>
       <p:sp>
         <p:nvSpPr>
-          <p:cNvPr id="200" name="Google Shape;200;g25371208c3b_0_18:notes"/>
+          <p:cNvPr id="197" name="Google Shape;197;g25371208c3b_0_66:notes"/>
           <p:cNvSpPr txBox="1"/>
           <p:nvPr>
             <p:ph idx="1" type="body"/>
@@ -1030,7 +1031,7 @@
   <p:cSld>
     <p:spTree>
       <p:nvGrpSpPr>
-        <p:cNvPr id="206" name="Shape 206"/>
+        <p:cNvPr id="202" name="Shape 202"/>
         <p:cNvGrpSpPr/>
         <p:nvPr/>
       </p:nvGrpSpPr>
@@ -1044,7 +1045,7 @@
       </p:grpSpPr>
       <p:sp>
         <p:nvSpPr>
-          <p:cNvPr id="207" name="Google Shape;207;g25371208c3b_0_78:notes"/>
+          <p:cNvPr id="203" name="Google Shape;203;g2540e9565b7_0_0:notes"/>
           <p:cNvSpPr/>
           <p:nvPr>
             <p:ph idx="2" type="sldImg"/>
@@ -1079,7 +1080,7 @@
       </p:sp>
       <p:sp>
         <p:nvSpPr>
-          <p:cNvPr id="208" name="Google Shape;208;g25371208c3b_0_78:notes"/>
+          <p:cNvPr id="204" name="Google Shape;204;g2540e9565b7_0_0:notes"/>
           <p:cNvSpPr txBox="1"/>
           <p:nvPr>
             <p:ph idx="1" type="body"/>
@@ -1129,7 +1130,7 @@
   <p:cSld>
     <p:spTree>
       <p:nvGrpSpPr>
-        <p:cNvPr id="213" name="Shape 213"/>
+        <p:cNvPr id="208" name="Shape 208"/>
         <p:cNvGrpSpPr/>
         <p:nvPr/>
       </p:nvGrpSpPr>
@@ -1143,7 +1144,7 @@
       </p:grpSpPr>
       <p:sp>
         <p:nvSpPr>
-          <p:cNvPr id="214" name="Google Shape;214;g25371208c3b_0_155:notes"/>
+          <p:cNvPr id="209" name="Google Shape;209;g25371208c3b_0_72:notes"/>
           <p:cNvSpPr/>
           <p:nvPr>
             <p:ph idx="2" type="sldImg"/>
@@ -1178,7 +1179,7 @@
       </p:sp>
       <p:sp>
         <p:nvSpPr>
-          <p:cNvPr id="215" name="Google Shape;215;g25371208c3b_0_155:notes"/>
+          <p:cNvPr id="210" name="Google Shape;210;g25371208c3b_0_72:notes"/>
           <p:cNvSpPr txBox="1"/>
           <p:nvPr>
             <p:ph idx="1" type="body"/>
@@ -1228,7 +1229,7 @@
   <p:cSld>
     <p:spTree>
       <p:nvGrpSpPr>
-        <p:cNvPr id="218" name="Shape 218"/>
+        <p:cNvPr id="216" name="Shape 216"/>
         <p:cNvGrpSpPr/>
         <p:nvPr/>
       </p:nvGrpSpPr>
@@ -1242,7 +1243,7 @@
       </p:grpSpPr>
       <p:sp>
         <p:nvSpPr>
-          <p:cNvPr id="219" name="Google Shape;219;g25371208c3b_0_84:notes"/>
+          <p:cNvPr id="217" name="Google Shape;217;g25371208c3b_0_18:notes"/>
           <p:cNvSpPr/>
           <p:nvPr>
             <p:ph idx="2" type="sldImg"/>
@@ -1277,7 +1278,7 @@
       </p:sp>
       <p:sp>
         <p:nvSpPr>
-          <p:cNvPr id="220" name="Google Shape;220;g25371208c3b_0_84:notes"/>
+          <p:cNvPr id="218" name="Google Shape;218;g25371208c3b_0_18:notes"/>
           <p:cNvSpPr txBox="1"/>
           <p:nvPr>
             <p:ph idx="1" type="body"/>
@@ -1327,7 +1328,7 @@
   <p:cSld>
     <p:spTree>
       <p:nvGrpSpPr>
-        <p:cNvPr id="225" name="Shape 225"/>
+        <p:cNvPr id="224" name="Shape 224"/>
         <p:cNvGrpSpPr/>
         <p:nvPr/>
       </p:nvGrpSpPr>
@@ -1341,7 +1342,7 @@
       </p:grpSpPr>
       <p:sp>
         <p:nvSpPr>
-          <p:cNvPr id="226" name="Google Shape;226;g25371208c3b_0_162:notes"/>
+          <p:cNvPr id="225" name="Google Shape;225;g25371208c3b_0_78:notes"/>
           <p:cNvSpPr/>
           <p:nvPr>
             <p:ph idx="2" type="sldImg"/>
@@ -1376,7 +1377,7 @@
       </p:sp>
       <p:sp>
         <p:nvSpPr>
-          <p:cNvPr id="227" name="Google Shape;227;g25371208c3b_0_162:notes"/>
+          <p:cNvPr id="226" name="Google Shape;226;g25371208c3b_0_78:notes"/>
           <p:cNvSpPr txBox="1"/>
           <p:nvPr>
             <p:ph idx="1" type="body"/>
@@ -1440,7 +1441,7 @@
       </p:grpSpPr>
       <p:sp>
         <p:nvSpPr>
-          <p:cNvPr id="232" name="Google Shape;232;g25371208c3b_0_22:notes"/>
+          <p:cNvPr id="232" name="Google Shape;232;g25371208c3b_0_155:notes"/>
           <p:cNvSpPr/>
           <p:nvPr>
             <p:ph idx="2" type="sldImg"/>
@@ -1475,7 +1476,7 @@
       </p:sp>
       <p:sp>
         <p:nvSpPr>
-          <p:cNvPr id="233" name="Google Shape;233;g25371208c3b_0_22:notes"/>
+          <p:cNvPr id="233" name="Google Shape;233;g25371208c3b_0_155:notes"/>
           <p:cNvSpPr txBox="1"/>
           <p:nvPr>
             <p:ph idx="1" type="body"/>
@@ -1525,7 +1526,7 @@
   <p:cSld>
     <p:spTree>
       <p:nvGrpSpPr>
-        <p:cNvPr id="238" name="Shape 238"/>
+        <p:cNvPr id="236" name="Shape 236"/>
         <p:cNvGrpSpPr/>
         <p:nvPr/>
       </p:nvGrpSpPr>
@@ -1539,7 +1540,7 @@
       </p:grpSpPr>
       <p:sp>
         <p:nvSpPr>
-          <p:cNvPr id="239" name="Google Shape;239;g25371208c3b_0_199:notes"/>
+          <p:cNvPr id="237" name="Google Shape;237;g25371208c3b_0_84:notes"/>
           <p:cNvSpPr/>
           <p:nvPr>
             <p:ph idx="2" type="sldImg"/>
@@ -1574,7 +1575,7 @@
       </p:sp>
       <p:sp>
         <p:nvSpPr>
-          <p:cNvPr id="240" name="Google Shape;240;g25371208c3b_0_199:notes"/>
+          <p:cNvPr id="238" name="Google Shape;238;g25371208c3b_0_84:notes"/>
           <p:cNvSpPr txBox="1"/>
           <p:nvPr>
             <p:ph idx="1" type="body"/>
@@ -1624,7 +1625,7 @@
   <p:cSld>
     <p:spTree>
       <p:nvGrpSpPr>
-        <p:cNvPr id="244" name="Shape 244"/>
+        <p:cNvPr id="243" name="Shape 243"/>
         <p:cNvGrpSpPr/>
         <p:nvPr/>
       </p:nvGrpSpPr>
@@ -1638,7 +1639,7 @@
       </p:grpSpPr>
       <p:sp>
         <p:nvSpPr>
-          <p:cNvPr id="245" name="Google Shape;245;g25371208c3b_0_206:notes"/>
+          <p:cNvPr id="244" name="Google Shape;244;g25371208c3b_0_162:notes"/>
           <p:cNvSpPr/>
           <p:nvPr>
             <p:ph idx="2" type="sldImg"/>
@@ -1673,7 +1674,7 @@
       </p:sp>
       <p:sp>
         <p:nvSpPr>
-          <p:cNvPr id="246" name="Google Shape;246;g25371208c3b_0_206:notes"/>
+          <p:cNvPr id="245" name="Google Shape;245;g25371208c3b_0_162:notes"/>
           <p:cNvSpPr txBox="1"/>
           <p:nvPr>
             <p:ph idx="1" type="body"/>
@@ -1737,7 +1738,7 @@
       </p:grpSpPr>
       <p:sp>
         <p:nvSpPr>
-          <p:cNvPr id="250" name="Google Shape;250;g25371208c3b_0_96:notes"/>
+          <p:cNvPr id="250" name="Google Shape;250;g25371208c3b_0_22:notes"/>
           <p:cNvSpPr/>
           <p:nvPr>
             <p:ph idx="2" type="sldImg"/>
@@ -1772,7 +1773,7 @@
       </p:sp>
       <p:sp>
         <p:nvSpPr>
-          <p:cNvPr id="251" name="Google Shape;251;g25371208c3b_0_96:notes"/>
+          <p:cNvPr id="251" name="Google Shape;251;g25371208c3b_0_22:notes"/>
           <p:cNvSpPr txBox="1"/>
           <p:nvPr>
             <p:ph idx="1" type="body"/>
@@ -1921,7 +1922,7 @@
   <p:cSld>
     <p:spTree>
       <p:nvGrpSpPr>
-        <p:cNvPr id="258" name="Shape 258"/>
+        <p:cNvPr id="256" name="Shape 256"/>
         <p:cNvGrpSpPr/>
         <p:nvPr/>
       </p:nvGrpSpPr>
@@ -1935,7 +1936,7 @@
       </p:grpSpPr>
       <p:sp>
         <p:nvSpPr>
-          <p:cNvPr id="259" name="Google Shape;259;g25371208c3b_0_102:notes"/>
+          <p:cNvPr id="257" name="Google Shape;257;g25371208c3b_0_96:notes"/>
           <p:cNvSpPr/>
           <p:nvPr>
             <p:ph idx="2" type="sldImg"/>
@@ -1970,7 +1971,7 @@
       </p:sp>
       <p:sp>
         <p:nvSpPr>
-          <p:cNvPr id="260" name="Google Shape;260;g25371208c3b_0_102:notes"/>
+          <p:cNvPr id="258" name="Google Shape;258;g25371208c3b_0_96:notes"/>
           <p:cNvSpPr txBox="1"/>
           <p:nvPr>
             <p:ph idx="1" type="body"/>
@@ -2020,7 +2021,7 @@
   <p:cSld>
     <p:spTree>
       <p:nvGrpSpPr>
-        <p:cNvPr id="264" name="Shape 264"/>
+        <p:cNvPr id="265" name="Shape 265"/>
         <p:cNvGrpSpPr/>
         <p:nvPr/>
       </p:nvGrpSpPr>
@@ -2034,7 +2035,7 @@
       </p:grpSpPr>
       <p:sp>
         <p:nvSpPr>
-          <p:cNvPr id="265" name="Google Shape;265;g25371208c3b_0_219:notes"/>
+          <p:cNvPr id="266" name="Google Shape;266;g25371208c3b_0_199:notes"/>
           <p:cNvSpPr/>
           <p:nvPr>
             <p:ph idx="2" type="sldImg"/>
@@ -2069,7 +2070,7 @@
       </p:sp>
       <p:sp>
         <p:nvSpPr>
-          <p:cNvPr id="266" name="Google Shape;266;g25371208c3b_0_219:notes"/>
+          <p:cNvPr id="267" name="Google Shape;267;g25371208c3b_0_199:notes"/>
           <p:cNvSpPr txBox="1"/>
           <p:nvPr>
             <p:ph idx="1" type="body"/>
@@ -2119,7 +2120,7 @@
   <p:cSld>
     <p:spTree>
       <p:nvGrpSpPr>
-        <p:cNvPr id="269" name="Shape 269"/>
+        <p:cNvPr id="271" name="Shape 271"/>
         <p:cNvGrpSpPr/>
         <p:nvPr/>
       </p:nvGrpSpPr>
@@ -2133,7 +2134,7 @@
       </p:grpSpPr>
       <p:sp>
         <p:nvSpPr>
-          <p:cNvPr id="270" name="Google Shape;270;g25371208c3b_0_192:notes"/>
+          <p:cNvPr id="272" name="Google Shape;272;g25371208c3b_0_206:notes"/>
           <p:cNvSpPr/>
           <p:nvPr>
             <p:ph idx="2" type="sldImg"/>
@@ -2168,7 +2169,7 @@
       </p:sp>
       <p:sp>
         <p:nvSpPr>
-          <p:cNvPr id="271" name="Google Shape;271;g25371208c3b_0_192:notes"/>
+          <p:cNvPr id="273" name="Google Shape;273;g25371208c3b_0_206:notes"/>
           <p:cNvSpPr txBox="1"/>
           <p:nvPr>
             <p:ph idx="1" type="body"/>
@@ -2218,7 +2219,7 @@
   <p:cSld>
     <p:spTree>
       <p:nvGrpSpPr>
-        <p:cNvPr id="275" name="Shape 275"/>
+        <p:cNvPr id="276" name="Shape 276"/>
         <p:cNvGrpSpPr/>
         <p:nvPr/>
       </p:nvGrpSpPr>
@@ -2232,7 +2233,7 @@
       </p:grpSpPr>
       <p:sp>
         <p:nvSpPr>
-          <p:cNvPr id="276" name="Google Shape;276;g25371208c3b_0_108:notes"/>
+          <p:cNvPr id="277" name="Google Shape;277;g25371208c3b_0_192:notes"/>
           <p:cNvSpPr/>
           <p:nvPr>
             <p:ph idx="2" type="sldImg"/>
@@ -2267,7 +2268,7 @@
       </p:sp>
       <p:sp>
         <p:nvSpPr>
-          <p:cNvPr id="277" name="Google Shape;277;g25371208c3b_0_108:notes"/>
+          <p:cNvPr id="278" name="Google Shape;278;g25371208c3b_0_192:notes"/>
           <p:cNvSpPr txBox="1"/>
           <p:nvPr>
             <p:ph idx="1" type="body"/>
@@ -2331,7 +2332,7 @@
       </p:grpSpPr>
       <p:sp>
         <p:nvSpPr>
-          <p:cNvPr id="283" name="Google Shape;283;g25371208c3b_0_184:notes"/>
+          <p:cNvPr id="283" name="Google Shape;283;g25371208c3b_0_108:notes"/>
           <p:cNvSpPr/>
           <p:nvPr>
             <p:ph idx="2" type="sldImg"/>
@@ -2366,7 +2367,7 @@
       </p:sp>
       <p:sp>
         <p:nvSpPr>
-          <p:cNvPr id="284" name="Google Shape;284;g25371208c3b_0_184:notes"/>
+          <p:cNvPr id="284" name="Google Shape;284;g25371208c3b_0_108:notes"/>
           <p:cNvSpPr txBox="1"/>
           <p:nvPr>
             <p:ph idx="1" type="body"/>
@@ -2416,7 +2417,7 @@
   <p:cSld>
     <p:spTree>
       <p:nvGrpSpPr>
-        <p:cNvPr id="287" name="Shape 287"/>
+        <p:cNvPr id="289" name="Shape 289"/>
         <p:cNvGrpSpPr/>
         <p:nvPr/>
       </p:nvGrpSpPr>
@@ -2430,7 +2431,7 @@
       </p:grpSpPr>
       <p:sp>
         <p:nvSpPr>
-          <p:cNvPr id="288" name="Google Shape;288;g25371208c3b_0_169:notes"/>
+          <p:cNvPr id="290" name="Google Shape;290;g25371208c3b_0_184:notes"/>
           <p:cNvSpPr/>
           <p:nvPr>
             <p:ph idx="2" type="sldImg"/>
@@ -2465,7 +2466,7 @@
       </p:sp>
       <p:sp>
         <p:nvSpPr>
-          <p:cNvPr id="289" name="Google Shape;289;g25371208c3b_0_169:notes"/>
+          <p:cNvPr id="291" name="Google Shape;291;g25371208c3b_0_184:notes"/>
           <p:cNvSpPr txBox="1"/>
           <p:nvPr>
             <p:ph idx="1" type="body"/>
@@ -2515,7 +2516,7 @@
   <p:cSld>
     <p:spTree>
       <p:nvGrpSpPr>
-        <p:cNvPr id="292" name="Shape 292"/>
+        <p:cNvPr id="294" name="Shape 294"/>
         <p:cNvGrpSpPr/>
         <p:nvPr/>
       </p:nvGrpSpPr>
@@ -2529,7 +2530,7 @@
       </p:grpSpPr>
       <p:sp>
         <p:nvSpPr>
-          <p:cNvPr id="293" name="Google Shape;293;g25371208c3b_0_177:notes"/>
+          <p:cNvPr id="295" name="Google Shape;295;g25371208c3b_0_169:notes"/>
           <p:cNvSpPr/>
           <p:nvPr>
             <p:ph idx="2" type="sldImg"/>
@@ -2564,7 +2565,7 @@
       </p:sp>
       <p:sp>
         <p:nvSpPr>
-          <p:cNvPr id="294" name="Google Shape;294;g25371208c3b_0_177:notes"/>
+          <p:cNvPr id="296" name="Google Shape;296;g25371208c3b_0_169:notes"/>
           <p:cNvSpPr txBox="1"/>
           <p:nvPr>
             <p:ph idx="1" type="body"/>
@@ -2614,7 +2615,7 @@
   <p:cSld>
     <p:spTree>
       <p:nvGrpSpPr>
-        <p:cNvPr id="298" name="Shape 298"/>
+        <p:cNvPr id="299" name="Shape 299"/>
         <p:cNvGrpSpPr/>
         <p:nvPr/>
       </p:nvGrpSpPr>
@@ -2628,7 +2629,7 @@
       </p:grpSpPr>
       <p:sp>
         <p:nvSpPr>
-          <p:cNvPr id="299" name="Google Shape;299;g25371208c3b_0_136:notes"/>
+          <p:cNvPr id="300" name="Google Shape;300;g25371208c3b_0_177:notes"/>
           <p:cNvSpPr/>
           <p:nvPr>
             <p:ph idx="2" type="sldImg"/>
@@ -2663,7 +2664,106 @@
       </p:sp>
       <p:sp>
         <p:nvSpPr>
-          <p:cNvPr id="300" name="Google Shape;300;g25371208c3b_0_136:notes"/>
+          <p:cNvPr id="301" name="Google Shape;301;g25371208c3b_0_177:notes"/>
+          <p:cNvSpPr txBox="1"/>
+          <p:nvPr>
+            <p:ph idx="1" type="body"/>
+          </p:nvPr>
+        </p:nvSpPr>
+        <p:spPr>
+          <a:xfrm>
+            <a:off x="685800" y="4343400"/>
+            <a:ext cx="5486400" cy="4114800"/>
+          </a:xfrm>
+          <a:prstGeom prst="rect">
+            <a:avLst/>
+          </a:prstGeom>
+        </p:spPr>
+        <p:txBody>
+          <a:bodyPr anchorCtr="0" anchor="t" bIns="91425" lIns="91425" spcFirstLastPara="1" rIns="91425" wrap="square" tIns="91425">
+            <a:noAutofit/>
+          </a:bodyPr>
+          <a:lstStyle/>
+          <a:p>
+            <a:pPr indent="0" lvl="0" marL="0" rtl="0" algn="l">
+              <a:spcBef>
+                <a:spcPts val="0"/>
+              </a:spcBef>
+              <a:spcAft>
+                <a:spcPts val="0"/>
+              </a:spcAft>
+              <a:buNone/>
+            </a:pPr>
+            <a:r>
+              <a:t/>
+            </a:r>
+            <a:endParaRPr/>
+          </a:p>
+        </p:txBody>
+      </p:sp>
+    </p:spTree>
+  </p:cSld>
+  <p:clrMapOvr>
+    <a:masterClrMapping/>
+  </p:clrMapOvr>
+</p:notes>
+</file>
+
+<file path=ppt/notesSlides/notesSlide28.xml><?xml version="1.0" encoding="utf-8"?>
+<p:notes xmlns:a="http://schemas.openxmlformats.org/drawingml/2006/main" xmlns:r="http://schemas.openxmlformats.org/officeDocument/2006/relationships" xmlns:mc="http://schemas.openxmlformats.org/markup-compatibility/2006" xmlns:mv="urn:schemas-microsoft-com:mac:vml" xmlns:p="http://schemas.openxmlformats.org/presentationml/2006/main" xmlns:c="http://schemas.openxmlformats.org/drawingml/2006/chart" xmlns:dgm="http://schemas.openxmlformats.org/drawingml/2006/diagram" xmlns:o="urn:schemas-microsoft-com:office:office" xmlns:v="urn:schemas-microsoft-com:vml" xmlns:pvml="urn:schemas-microsoft-com:office:powerpoint" xmlns:com="http://schemas.openxmlformats.org/drawingml/2006/compatibility" xmlns:p14="http://schemas.microsoft.com/office/powerpoint/2010/main" xmlns:p15="http://schemas.microsoft.com/office/powerpoint/2012/main" xmlns:ahyp="http://schemas.microsoft.com/office/drawing/2018/hyperlinkcolor" showMasterPhAnim="0" showMasterSp="0">
+  <p:cSld>
+    <p:spTree>
+      <p:nvGrpSpPr>
+        <p:cNvPr id="305" name="Shape 305"/>
+        <p:cNvGrpSpPr/>
+        <p:nvPr/>
+      </p:nvGrpSpPr>
+      <p:grpSpPr>
+        <a:xfrm>
+          <a:off x="0" y="0"/>
+          <a:ext cx="0" cy="0"/>
+          <a:chOff x="0" y="0"/>
+          <a:chExt cx="0" cy="0"/>
+        </a:xfrm>
+      </p:grpSpPr>
+      <p:sp>
+        <p:nvSpPr>
+          <p:cNvPr id="306" name="Google Shape;306;g25371208c3b_0_136:notes"/>
+          <p:cNvSpPr/>
+          <p:nvPr>
+            <p:ph idx="2" type="sldImg"/>
+          </p:nvPr>
+        </p:nvSpPr>
+        <p:spPr>
+          <a:xfrm>
+            <a:off x="381300" y="685800"/>
+            <a:ext cx="6096000" cy="3429000"/>
+          </a:xfrm>
+          <a:custGeom>
+            <a:rect b="b" l="l" r="r" t="t"/>
+            <a:pathLst>
+              <a:path extrusionOk="0" h="120000" w="120000">
+                <a:moveTo>
+                  <a:pt x="0" y="0"/>
+                </a:moveTo>
+                <a:lnTo>
+                  <a:pt x="120000" y="0"/>
+                </a:lnTo>
+                <a:lnTo>
+                  <a:pt x="120000" y="120000"/>
+                </a:lnTo>
+                <a:lnTo>
+                  <a:pt x="0" y="120000"/>
+                </a:lnTo>
+                <a:close/>
+              </a:path>
+            </a:pathLst>
+          </a:custGeom>
+        </p:spPr>
+      </p:sp>
+      <p:sp>
+        <p:nvSpPr>
+          <p:cNvPr id="307" name="Google Shape;307;g25371208c3b_0_136:notes"/>
           <p:cNvSpPr txBox="1"/>
           <p:nvPr>
             <p:ph idx="1" type="body"/>
@@ -3024,7 +3124,7 @@
       </p:grpSpPr>
       <p:sp>
         <p:nvSpPr>
-          <p:cNvPr id="160" name="Google Shape;160;g25371208c3b_0_50:notes"/>
+          <p:cNvPr id="160" name="Google Shape;160;g25371208c3b_0_234:notes"/>
           <p:cNvSpPr/>
           <p:nvPr>
             <p:ph idx="2" type="sldImg"/>
@@ -3059,7 +3159,7 @@
       </p:sp>
       <p:sp>
         <p:nvSpPr>
-          <p:cNvPr id="161" name="Google Shape;161;g25371208c3b_0_50:notes"/>
+          <p:cNvPr id="161" name="Google Shape;161;g25371208c3b_0_234:notes"/>
           <p:cNvSpPr txBox="1"/>
           <p:nvPr>
             <p:ph idx="1" type="body"/>
@@ -3109,7 +3209,7 @@
   <p:cSld>
     <p:spTree>
       <p:nvGrpSpPr>
-        <p:cNvPr id="166" name="Shape 166"/>
+        <p:cNvPr id="165" name="Shape 165"/>
         <p:cNvGrpSpPr/>
         <p:nvPr/>
       </p:nvGrpSpPr>
@@ -3123,7 +3223,7 @@
       </p:grpSpPr>
       <p:sp>
         <p:nvSpPr>
-          <p:cNvPr id="167" name="Google Shape;167;g25371208c3b_0_14:notes"/>
+          <p:cNvPr id="166" name="Google Shape;166;g25371208c3b_0_228:notes"/>
           <p:cNvSpPr/>
           <p:nvPr>
             <p:ph idx="2" type="sldImg"/>
@@ -3158,7 +3258,7 @@
       </p:sp>
       <p:sp>
         <p:nvSpPr>
-          <p:cNvPr id="168" name="Google Shape;168;g25371208c3b_0_14:notes"/>
+          <p:cNvPr id="167" name="Google Shape;167;g25371208c3b_0_228:notes"/>
           <p:cNvSpPr txBox="1"/>
           <p:nvPr>
             <p:ph idx="1" type="body"/>
@@ -3208,7 +3308,7 @@
   <p:cSld>
     <p:spTree>
       <p:nvGrpSpPr>
-        <p:cNvPr id="174" name="Shape 174"/>
+        <p:cNvPr id="171" name="Shape 171"/>
         <p:cNvGrpSpPr/>
         <p:nvPr/>
       </p:nvGrpSpPr>
@@ -3222,7 +3322,7 @@
       </p:grpSpPr>
       <p:sp>
         <p:nvSpPr>
-          <p:cNvPr id="175" name="Google Shape;175;g25371208c3b_0_60:notes"/>
+          <p:cNvPr id="172" name="Google Shape;172;g25371208c3b_0_50:notes"/>
           <p:cNvSpPr/>
           <p:nvPr>
             <p:ph idx="2" type="sldImg"/>
@@ -3257,7 +3357,7 @@
       </p:sp>
       <p:sp>
         <p:nvSpPr>
-          <p:cNvPr id="176" name="Google Shape;176;g25371208c3b_0_60:notes"/>
+          <p:cNvPr id="173" name="Google Shape;173;g25371208c3b_0_50:notes"/>
           <p:cNvSpPr txBox="1"/>
           <p:nvPr>
             <p:ph idx="1" type="body"/>
@@ -3307,7 +3407,7 @@
   <p:cSld>
     <p:spTree>
       <p:nvGrpSpPr>
-        <p:cNvPr id="183" name="Shape 183"/>
+        <p:cNvPr id="178" name="Shape 178"/>
         <p:cNvGrpSpPr/>
         <p:nvPr/>
       </p:nvGrpSpPr>
@@ -3321,7 +3421,7 @@
       </p:grpSpPr>
       <p:sp>
         <p:nvSpPr>
-          <p:cNvPr id="184" name="Google Shape;184;g25371208c3b_0_66:notes"/>
+          <p:cNvPr id="179" name="Google Shape;179;g25371208c3b_0_14:notes"/>
           <p:cNvSpPr/>
           <p:nvPr>
             <p:ph idx="2" type="sldImg"/>
@@ -3356,7 +3456,7 @@
       </p:sp>
       <p:sp>
         <p:nvSpPr>
-          <p:cNvPr id="185" name="Google Shape;185;g25371208c3b_0_66:notes"/>
+          <p:cNvPr id="180" name="Google Shape;180;g25371208c3b_0_14:notes"/>
           <p:cNvSpPr txBox="1"/>
           <p:nvPr>
             <p:ph idx="1" type="body"/>
@@ -11606,7 +11706,7 @@
   <p:cSld>
     <p:spTree>
       <p:nvGrpSpPr>
-        <p:cNvPr id="193" name="Shape 193"/>
+        <p:cNvPr id="189" name="Shape 189"/>
         <p:cNvGrpSpPr/>
         <p:nvPr/>
       </p:nvGrpSpPr>
@@ -11620,7 +11720,7 @@
       </p:grpSpPr>
       <p:sp>
         <p:nvSpPr>
-          <p:cNvPr id="194" name="Google Shape;194;p22"/>
+          <p:cNvPr id="190" name="Google Shape;190;p22"/>
           <p:cNvSpPr txBox="1"/>
           <p:nvPr>
             <p:ph type="title"/>
@@ -11652,6 +11752,428 @@
             </a:pPr>
             <a:r>
               <a:rPr lang="fr"/>
+              <a:t>Les architectures</a:t>
+            </a:r>
+            <a:endParaRPr/>
+          </a:p>
+        </p:txBody>
+      </p:sp>
+      <p:pic>
+        <p:nvPicPr>
+          <p:cNvPr id="191" name="Google Shape;191;p22"/>
+          <p:cNvPicPr preferRelativeResize="0"/>
+          <p:nvPr/>
+        </p:nvPicPr>
+        <p:blipFill rotWithShape="1">
+          <a:blip r:embed="rId3">
+            <a:alphaModFix/>
+          </a:blip>
+          <a:srcRect b="1559" l="0" r="0" t="1559"/>
+          <a:stretch/>
+        </p:blipFill>
+        <p:spPr>
+          <a:xfrm>
+            <a:off x="614663" y="2429046"/>
+            <a:ext cx="4095075" cy="1571350"/>
+          </a:xfrm>
+          <a:prstGeom prst="rect">
+            <a:avLst/>
+          </a:prstGeom>
+          <a:noFill/>
+          <a:ln>
+            <a:noFill/>
+          </a:ln>
+        </p:spPr>
+      </p:pic>
+      <p:pic>
+        <p:nvPicPr>
+          <p:cNvPr id="192" name="Google Shape;192;p22"/>
+          <p:cNvPicPr preferRelativeResize="0"/>
+          <p:nvPr/>
+        </p:nvPicPr>
+        <p:blipFill rotWithShape="1">
+          <a:blip r:embed="rId4">
+            <a:alphaModFix/>
+          </a:blip>
+          <a:srcRect b="10506" l="0" r="3938" t="0"/>
+          <a:stretch/>
+        </p:blipFill>
+        <p:spPr>
+          <a:xfrm>
+            <a:off x="5068075" y="1800200"/>
+            <a:ext cx="1119550" cy="1142948"/>
+          </a:xfrm>
+          <a:prstGeom prst="rect">
+            <a:avLst/>
+          </a:prstGeom>
+          <a:noFill/>
+          <a:ln>
+            <a:noFill/>
+          </a:ln>
+        </p:spPr>
+      </p:pic>
+      <p:pic>
+        <p:nvPicPr>
+          <p:cNvPr id="193" name="Google Shape;193;p22"/>
+          <p:cNvPicPr preferRelativeResize="0"/>
+          <p:nvPr/>
+        </p:nvPicPr>
+        <p:blipFill>
+          <a:blip r:embed="rId5">
+            <a:alphaModFix/>
+          </a:blip>
+          <a:stretch>
+            <a:fillRect/>
+          </a:stretch>
+        </p:blipFill>
+        <p:spPr>
+          <a:xfrm>
+            <a:off x="6597666" y="1733112"/>
+            <a:ext cx="2128534" cy="1277125"/>
+          </a:xfrm>
+          <a:prstGeom prst="rect">
+            <a:avLst/>
+          </a:prstGeom>
+          <a:noFill/>
+          <a:ln>
+            <a:noFill/>
+          </a:ln>
+        </p:spPr>
+      </p:pic>
+      <p:pic>
+        <p:nvPicPr>
+          <p:cNvPr id="194" name="Google Shape;194;p22"/>
+          <p:cNvPicPr preferRelativeResize="0"/>
+          <p:nvPr/>
+        </p:nvPicPr>
+        <p:blipFill>
+          <a:blip r:embed="rId6">
+            <a:alphaModFix/>
+          </a:blip>
+          <a:stretch>
+            <a:fillRect/>
+          </a:stretch>
+        </p:blipFill>
+        <p:spPr>
+          <a:xfrm>
+            <a:off x="5738079" y="3342575"/>
+            <a:ext cx="2467950" cy="1277150"/>
+          </a:xfrm>
+          <a:prstGeom prst="rect">
+            <a:avLst/>
+          </a:prstGeom>
+          <a:noFill/>
+          <a:ln>
+            <a:noFill/>
+          </a:ln>
+        </p:spPr>
+      </p:pic>
+    </p:spTree>
+  </p:cSld>
+  <p:clrMapOvr>
+    <a:masterClrMapping/>
+  </p:clrMapOvr>
+</p:sld>
+</file>
+
+<file path=ppt/slides/slide11.xml><?xml version="1.0" encoding="utf-8"?>
+<p:sld xmlns:a="http://schemas.openxmlformats.org/drawingml/2006/main" xmlns:r="http://schemas.openxmlformats.org/officeDocument/2006/relationships" xmlns:mc="http://schemas.openxmlformats.org/markup-compatibility/2006" xmlns:mv="urn:schemas-microsoft-com:mac:vml" xmlns:p="http://schemas.openxmlformats.org/presentationml/2006/main" xmlns:c="http://schemas.openxmlformats.org/drawingml/2006/chart" xmlns:dgm="http://schemas.openxmlformats.org/drawingml/2006/diagram" xmlns:o="urn:schemas-microsoft-com:office:office" xmlns:v="urn:schemas-microsoft-com:vml" xmlns:pvml="urn:schemas-microsoft-com:office:powerpoint" xmlns:com="http://schemas.openxmlformats.org/drawingml/2006/compatibility" xmlns:p14="http://schemas.microsoft.com/office/powerpoint/2010/main" xmlns:p15="http://schemas.microsoft.com/office/powerpoint/2012/main" xmlns:ahyp="http://schemas.microsoft.com/office/drawing/2018/hyperlinkcolor">
+  <p:cSld>
+    <p:spTree>
+      <p:nvGrpSpPr>
+        <p:cNvPr id="198" name="Shape 198"/>
+        <p:cNvGrpSpPr/>
+        <p:nvPr/>
+      </p:nvGrpSpPr>
+      <p:grpSpPr>
+        <a:xfrm>
+          <a:off x="0" y="0"/>
+          <a:ext cx="0" cy="0"/>
+          <a:chOff x="0" y="0"/>
+          <a:chExt cx="0" cy="0"/>
+        </a:xfrm>
+      </p:grpSpPr>
+      <p:sp>
+        <p:nvSpPr>
+          <p:cNvPr id="199" name="Google Shape;199;p23"/>
+          <p:cNvSpPr txBox="1"/>
+          <p:nvPr>
+            <p:ph type="title"/>
+          </p:nvPr>
+        </p:nvSpPr>
+        <p:spPr>
+          <a:xfrm>
+            <a:off x="819150" y="845600"/>
+            <a:ext cx="7505700" cy="954600"/>
+          </a:xfrm>
+          <a:prstGeom prst="rect">
+            <a:avLst/>
+          </a:prstGeom>
+        </p:spPr>
+        <p:txBody>
+          <a:bodyPr anchorCtr="0" anchor="t" bIns="91425" lIns="91425" spcFirstLastPara="1" rIns="91425" wrap="square" tIns="91425">
+            <a:normAutofit/>
+          </a:bodyPr>
+          <a:lstStyle/>
+          <a:p>
+            <a:pPr indent="0" lvl="0" marL="0" rtl="0" algn="ctr">
+              <a:spcBef>
+                <a:spcPts val="0"/>
+              </a:spcBef>
+              <a:spcAft>
+                <a:spcPts val="0"/>
+              </a:spcAft>
+              <a:buNone/>
+            </a:pPr>
+            <a:r>
+              <a:rPr lang="fr"/>
+              <a:t>Les diagrammes</a:t>
+            </a:r>
+            <a:endParaRPr/>
+          </a:p>
+        </p:txBody>
+      </p:sp>
+      <p:sp>
+        <p:nvSpPr>
+          <p:cNvPr id="200" name="Google Shape;200;p23"/>
+          <p:cNvSpPr txBox="1"/>
+          <p:nvPr>
+            <p:ph idx="1" type="body"/>
+          </p:nvPr>
+        </p:nvSpPr>
+        <p:spPr>
+          <a:xfrm>
+            <a:off x="1184300" y="2288100"/>
+            <a:ext cx="2521500" cy="1623300"/>
+          </a:xfrm>
+          <a:prstGeom prst="rect">
+            <a:avLst/>
+          </a:prstGeom>
+        </p:spPr>
+        <p:txBody>
+          <a:bodyPr anchorCtr="0" anchor="t" bIns="91425" lIns="91425" spcFirstLastPara="1" rIns="91425" wrap="square" tIns="91425">
+            <a:normAutofit/>
+          </a:bodyPr>
+          <a:lstStyle/>
+          <a:p>
+            <a:pPr indent="-336550" lvl="0" marL="457200" rtl="0" algn="l">
+              <a:spcBef>
+                <a:spcPts val="0"/>
+              </a:spcBef>
+              <a:spcAft>
+                <a:spcPts val="0"/>
+              </a:spcAft>
+              <a:buSzPts val="1700"/>
+              <a:buChar char="●"/>
+            </a:pPr>
+            <a:r>
+              <a:rPr lang="fr" sz="1700"/>
+              <a:t>Use Case Diagram</a:t>
+            </a:r>
+            <a:endParaRPr sz="1700"/>
+          </a:p>
+          <a:p>
+            <a:pPr indent="0" lvl="0" marL="0" rtl="0" algn="l">
+              <a:spcBef>
+                <a:spcPts val="1200"/>
+              </a:spcBef>
+              <a:spcAft>
+                <a:spcPts val="0"/>
+              </a:spcAft>
+              <a:buNone/>
+            </a:pPr>
+            <a:r>
+              <a:t/>
+            </a:r>
+            <a:endParaRPr sz="1700"/>
+          </a:p>
+          <a:p>
+            <a:pPr indent="-336550" lvl="0" marL="457200" rtl="0" algn="l">
+              <a:spcBef>
+                <a:spcPts val="1200"/>
+              </a:spcBef>
+              <a:spcAft>
+                <a:spcPts val="0"/>
+              </a:spcAft>
+              <a:buSzPts val="1700"/>
+              <a:buChar char="●"/>
+            </a:pPr>
+            <a:r>
+              <a:rPr lang="fr" sz="1700"/>
+              <a:t>Class Diagram</a:t>
+            </a:r>
+            <a:endParaRPr sz="1700"/>
+          </a:p>
+        </p:txBody>
+      </p:sp>
+      <p:pic>
+        <p:nvPicPr>
+          <p:cNvPr id="201" name="Google Shape;201;p23"/>
+          <p:cNvPicPr preferRelativeResize="0"/>
+          <p:nvPr/>
+        </p:nvPicPr>
+        <p:blipFill>
+          <a:blip r:embed="rId3">
+            <a:alphaModFix/>
+          </a:blip>
+          <a:stretch>
+            <a:fillRect/>
+          </a:stretch>
+        </p:blipFill>
+        <p:spPr>
+          <a:xfrm>
+            <a:off x="4143450" y="1511725"/>
+            <a:ext cx="4015388" cy="3038501"/>
+          </a:xfrm>
+          <a:prstGeom prst="rect">
+            <a:avLst/>
+          </a:prstGeom>
+          <a:noFill/>
+          <a:ln>
+            <a:noFill/>
+          </a:ln>
+        </p:spPr>
+      </p:pic>
+    </p:spTree>
+  </p:cSld>
+  <p:clrMapOvr>
+    <a:masterClrMapping/>
+  </p:clrMapOvr>
+</p:sld>
+</file>
+
+<file path=ppt/slides/slide12.xml><?xml version="1.0" encoding="utf-8"?>
+<p:sld xmlns:a="http://schemas.openxmlformats.org/drawingml/2006/main" xmlns:r="http://schemas.openxmlformats.org/officeDocument/2006/relationships" xmlns:mc="http://schemas.openxmlformats.org/markup-compatibility/2006" xmlns:mv="urn:schemas-microsoft-com:mac:vml" xmlns:p="http://schemas.openxmlformats.org/presentationml/2006/main" xmlns:c="http://schemas.openxmlformats.org/drawingml/2006/chart" xmlns:dgm="http://schemas.openxmlformats.org/drawingml/2006/diagram" xmlns:o="urn:schemas-microsoft-com:office:office" xmlns:v="urn:schemas-microsoft-com:vml" xmlns:pvml="urn:schemas-microsoft-com:office:powerpoint" xmlns:com="http://schemas.openxmlformats.org/drawingml/2006/compatibility" xmlns:p14="http://schemas.microsoft.com/office/powerpoint/2010/main" xmlns:p15="http://schemas.microsoft.com/office/powerpoint/2012/main" xmlns:ahyp="http://schemas.microsoft.com/office/drawing/2018/hyperlinkcolor">
+  <p:cSld>
+    <p:spTree>
+      <p:nvGrpSpPr>
+        <p:cNvPr id="205" name="Shape 205"/>
+        <p:cNvGrpSpPr/>
+        <p:nvPr/>
+      </p:nvGrpSpPr>
+      <p:grpSpPr>
+        <a:xfrm>
+          <a:off x="0" y="0"/>
+          <a:ext cx="0" cy="0"/>
+          <a:chOff x="0" y="0"/>
+          <a:chExt cx="0" cy="0"/>
+        </a:xfrm>
+      </p:grpSpPr>
+      <p:pic>
+        <p:nvPicPr>
+          <p:cNvPr id="206" name="Google Shape;206;p24"/>
+          <p:cNvPicPr preferRelativeResize="0"/>
+          <p:nvPr/>
+        </p:nvPicPr>
+        <p:blipFill>
+          <a:blip r:embed="rId3">
+            <a:alphaModFix/>
+          </a:blip>
+          <a:stretch>
+            <a:fillRect/>
+          </a:stretch>
+        </p:blipFill>
+        <p:spPr>
+          <a:xfrm>
+            <a:off x="4512626" y="1170488"/>
+            <a:ext cx="4267200" cy="2802530"/>
+          </a:xfrm>
+          <a:prstGeom prst="rect">
+            <a:avLst/>
+          </a:prstGeom>
+          <a:noFill/>
+          <a:ln>
+            <a:noFill/>
+          </a:ln>
+        </p:spPr>
+      </p:pic>
+      <p:pic>
+        <p:nvPicPr>
+          <p:cNvPr id="207" name="Google Shape;207;p24"/>
+          <p:cNvPicPr preferRelativeResize="0"/>
+          <p:nvPr/>
+        </p:nvPicPr>
+        <p:blipFill>
+          <a:blip r:embed="rId4">
+            <a:alphaModFix/>
+          </a:blip>
+          <a:stretch>
+            <a:fillRect/>
+          </a:stretch>
+        </p:blipFill>
+        <p:spPr>
+          <a:xfrm>
+            <a:off x="446325" y="1059150"/>
+            <a:ext cx="4207826" cy="3025234"/>
+          </a:xfrm>
+          <a:prstGeom prst="rect">
+            <a:avLst/>
+          </a:prstGeom>
+          <a:noFill/>
+          <a:ln>
+            <a:noFill/>
+          </a:ln>
+        </p:spPr>
+      </p:pic>
+    </p:spTree>
+  </p:cSld>
+  <p:clrMapOvr>
+    <a:masterClrMapping/>
+  </p:clrMapOvr>
+</p:sld>
+</file>
+
+<file path=ppt/slides/slide13.xml><?xml version="1.0" encoding="utf-8"?>
+<p:sld xmlns:a="http://schemas.openxmlformats.org/drawingml/2006/main" xmlns:r="http://schemas.openxmlformats.org/officeDocument/2006/relationships" xmlns:mc="http://schemas.openxmlformats.org/markup-compatibility/2006" xmlns:mv="urn:schemas-microsoft-com:mac:vml" xmlns:p="http://schemas.openxmlformats.org/presentationml/2006/main" xmlns:c="http://schemas.openxmlformats.org/drawingml/2006/chart" xmlns:dgm="http://schemas.openxmlformats.org/drawingml/2006/diagram" xmlns:o="urn:schemas-microsoft-com:office:office" xmlns:v="urn:schemas-microsoft-com:vml" xmlns:pvml="urn:schemas-microsoft-com:office:powerpoint" xmlns:com="http://schemas.openxmlformats.org/drawingml/2006/compatibility" xmlns:p14="http://schemas.microsoft.com/office/powerpoint/2010/main" xmlns:p15="http://schemas.microsoft.com/office/powerpoint/2012/main" xmlns:ahyp="http://schemas.microsoft.com/office/drawing/2018/hyperlinkcolor">
+  <p:cSld>
+    <p:spTree>
+      <p:nvGrpSpPr>
+        <p:cNvPr id="211" name="Shape 211"/>
+        <p:cNvGrpSpPr/>
+        <p:nvPr/>
+      </p:nvGrpSpPr>
+      <p:grpSpPr>
+        <a:xfrm>
+          <a:off x="0" y="0"/>
+          <a:ext cx="0" cy="0"/>
+          <a:chOff x="0" y="0"/>
+          <a:chExt cx="0" cy="0"/>
+        </a:xfrm>
+      </p:grpSpPr>
+      <p:sp>
+        <p:nvSpPr>
+          <p:cNvPr id="212" name="Google Shape;212;p25"/>
+          <p:cNvSpPr txBox="1"/>
+          <p:nvPr>
+            <p:ph type="title"/>
+          </p:nvPr>
+        </p:nvSpPr>
+        <p:spPr>
+          <a:xfrm>
+            <a:off x="819150" y="845600"/>
+            <a:ext cx="7505700" cy="954600"/>
+          </a:xfrm>
+          <a:prstGeom prst="rect">
+            <a:avLst/>
+          </a:prstGeom>
+        </p:spPr>
+        <p:txBody>
+          <a:bodyPr anchorCtr="0" anchor="t" bIns="91425" lIns="91425" spcFirstLastPara="1" rIns="91425" wrap="square" tIns="91425">
+            <a:normAutofit/>
+          </a:bodyPr>
+          <a:lstStyle/>
+          <a:p>
+            <a:pPr indent="0" lvl="0" marL="0" rtl="0" algn="ctr">
+              <a:spcBef>
+                <a:spcPts val="0"/>
+              </a:spcBef>
+              <a:spcAft>
+                <a:spcPts val="0"/>
+              </a:spcAft>
+              <a:buNone/>
+            </a:pPr>
+            <a:r>
+              <a:rPr lang="fr"/>
               <a:t>Les fonctionnalités</a:t>
             </a:r>
             <a:endParaRPr/>
@@ -11660,7 +12182,7 @@
       </p:sp>
       <p:sp>
         <p:nvSpPr>
-          <p:cNvPr id="195" name="Google Shape;195;p22"/>
+          <p:cNvPr id="213" name="Google Shape;213;p25"/>
           <p:cNvSpPr txBox="1"/>
           <p:nvPr>
             <p:ph idx="1" type="body"/>
@@ -12028,7 +12550,7 @@
       </p:sp>
       <p:pic>
         <p:nvPicPr>
-          <p:cNvPr id="196" name="Google Shape;196;p22">
+          <p:cNvPr id="214" name="Google Shape;214;p25">
             <a:hlinkClick action="ppaction://hlinksldjump" r:id="rId3"/>
           </p:cNvPr>
           <p:cNvPicPr preferRelativeResize="0"/>
@@ -12058,7 +12580,7 @@
       </p:pic>
       <p:sp>
         <p:nvSpPr>
-          <p:cNvPr id="197" name="Google Shape;197;p22"/>
+          <p:cNvPr id="215" name="Google Shape;215;p25"/>
           <p:cNvSpPr txBox="1"/>
           <p:nvPr>
             <p:ph idx="1" type="body"/>
@@ -12482,12 +13004,12 @@
 </p:sld>
 </file>
 
-<file path=ppt/slides/slide11.xml><?xml version="1.0" encoding="utf-8"?>
+<file path=ppt/slides/slide14.xml><?xml version="1.0" encoding="utf-8"?>
 <p:sld xmlns:a="http://schemas.openxmlformats.org/drawingml/2006/main" xmlns:r="http://schemas.openxmlformats.org/officeDocument/2006/relationships" xmlns:mc="http://schemas.openxmlformats.org/markup-compatibility/2006" xmlns:mv="urn:schemas-microsoft-com:mac:vml" xmlns:p="http://schemas.openxmlformats.org/presentationml/2006/main" xmlns:c="http://schemas.openxmlformats.org/drawingml/2006/chart" xmlns:dgm="http://schemas.openxmlformats.org/drawingml/2006/diagram" xmlns:o="urn:schemas-microsoft-com:office:office" xmlns:v="urn:schemas-microsoft-com:vml" xmlns:pvml="urn:schemas-microsoft-com:office:powerpoint" xmlns:com="http://schemas.openxmlformats.org/drawingml/2006/compatibility" xmlns:p14="http://schemas.microsoft.com/office/powerpoint/2010/main" xmlns:p15="http://schemas.microsoft.com/office/powerpoint/2012/main" xmlns:ahyp="http://schemas.microsoft.com/office/drawing/2018/hyperlinkcolor">
   <p:cSld>
     <p:spTree>
       <p:nvGrpSpPr>
-        <p:cNvPr id="201" name="Shape 201"/>
+        <p:cNvPr id="219" name="Shape 219"/>
         <p:cNvGrpSpPr/>
         <p:nvPr/>
       </p:nvGrpSpPr>
@@ -12501,7 +13023,7 @@
       </p:grpSpPr>
       <p:sp>
         <p:nvSpPr>
-          <p:cNvPr id="202" name="Google Shape;202;p23"/>
+          <p:cNvPr id="220" name="Google Shape;220;p26"/>
           <p:cNvSpPr txBox="1"/>
           <p:nvPr>
             <p:ph type="title"/>
@@ -12533,7 +13055,7 @@
             </a:pPr>
             <a:r>
               <a:rPr lang="fr"/>
-              <a:t>Les documents de développements</a:t>
+              <a:t>Les documents de développement</a:t>
             </a:r>
             <a:endParaRPr/>
           </a:p>
@@ -12541,7 +13063,7 @@
       </p:sp>
       <p:pic>
         <p:nvPicPr>
-          <p:cNvPr id="203" name="Google Shape;203;p23">
+          <p:cNvPr id="221" name="Google Shape;221;p26">
             <a:hlinkClick action="ppaction://hlinksldjump" r:id="rId3"/>
           </p:cNvPr>
           <p:cNvPicPr preferRelativeResize="0"/>
@@ -12571,7 +13093,7 @@
       </p:pic>
       <p:pic>
         <p:nvPicPr>
-          <p:cNvPr id="204" name="Google Shape;204;p23">
+          <p:cNvPr id="222" name="Google Shape;222;p26">
             <a:hlinkClick r:id="rId5"/>
           </p:cNvPr>
           <p:cNvPicPr preferRelativeResize="0"/>
@@ -12601,7 +13123,7 @@
       </p:pic>
       <p:pic>
         <p:nvPicPr>
-          <p:cNvPr id="205" name="Google Shape;205;p23">
+          <p:cNvPr id="223" name="Google Shape;223;p26">
             <a:hlinkClick action="ppaction://hlinksldjump" r:id="rId7"/>
           </p:cNvPr>
           <p:cNvPicPr preferRelativeResize="0"/>
@@ -12637,12 +13159,12 @@
 </p:sld>
 </file>
 
-<file path=ppt/slides/slide12.xml><?xml version="1.0" encoding="utf-8"?>
+<file path=ppt/slides/slide15.xml><?xml version="1.0" encoding="utf-8"?>
 <p:sld xmlns:a="http://schemas.openxmlformats.org/drawingml/2006/main" xmlns:r="http://schemas.openxmlformats.org/officeDocument/2006/relationships" xmlns:mc="http://schemas.openxmlformats.org/markup-compatibility/2006" xmlns:mv="urn:schemas-microsoft-com:mac:vml" xmlns:p="http://schemas.openxmlformats.org/presentationml/2006/main" xmlns:c="http://schemas.openxmlformats.org/drawingml/2006/chart" xmlns:dgm="http://schemas.openxmlformats.org/drawingml/2006/diagram" xmlns:o="urn:schemas-microsoft-com:office:office" xmlns:v="urn:schemas-microsoft-com:vml" xmlns:pvml="urn:schemas-microsoft-com:office:powerpoint" xmlns:com="http://schemas.openxmlformats.org/drawingml/2006/compatibility" xmlns:p14="http://schemas.microsoft.com/office/powerpoint/2010/main" xmlns:p15="http://schemas.microsoft.com/office/powerpoint/2012/main" xmlns:ahyp="http://schemas.microsoft.com/office/drawing/2018/hyperlinkcolor">
   <p:cSld>
     <p:spTree>
       <p:nvGrpSpPr>
-        <p:cNvPr id="209" name="Shape 209"/>
+        <p:cNvPr id="227" name="Shape 227"/>
         <p:cNvGrpSpPr/>
         <p:nvPr/>
       </p:nvGrpSpPr>
@@ -12656,7 +13178,7 @@
       </p:grpSpPr>
       <p:sp>
         <p:nvSpPr>
-          <p:cNvPr id="210" name="Google Shape;210;p24"/>
+          <p:cNvPr id="228" name="Google Shape;228;p27"/>
           <p:cNvSpPr txBox="1"/>
           <p:nvPr>
             <p:ph type="title"/>
@@ -12696,7 +13218,7 @@
       </p:sp>
       <p:sp>
         <p:nvSpPr>
-          <p:cNvPr id="211" name="Google Shape;211;p24"/>
+          <p:cNvPr id="229" name="Google Shape;229;p27"/>
           <p:cNvSpPr txBox="1"/>
           <p:nvPr>
             <p:ph idx="1" type="body"/>
@@ -12784,7 +13306,7 @@
       </p:sp>
       <p:pic>
         <p:nvPicPr>
-          <p:cNvPr id="212" name="Google Shape;212;p24"/>
+          <p:cNvPr id="230" name="Google Shape;230;p27"/>
           <p:cNvPicPr preferRelativeResize="0"/>
           <p:nvPr/>
         </p:nvPicPr>
@@ -12800,359 +13322,6 @@
           <a:xfrm>
             <a:off x="4426400" y="1462075"/>
             <a:ext cx="4253900" cy="3038500"/>
-          </a:xfrm>
-          <a:prstGeom prst="rect">
-            <a:avLst/>
-          </a:prstGeom>
-          <a:noFill/>
-          <a:ln>
-            <a:noFill/>
-          </a:ln>
-        </p:spPr>
-      </p:pic>
-    </p:spTree>
-  </p:cSld>
-  <p:clrMapOvr>
-    <a:masterClrMapping/>
-  </p:clrMapOvr>
-</p:sld>
-</file>
-
-<file path=ppt/slides/slide13.xml><?xml version="1.0" encoding="utf-8"?>
-<p:sld xmlns:a="http://schemas.openxmlformats.org/drawingml/2006/main" xmlns:r="http://schemas.openxmlformats.org/officeDocument/2006/relationships" xmlns:mc="http://schemas.openxmlformats.org/markup-compatibility/2006" xmlns:mv="urn:schemas-microsoft-com:mac:vml" xmlns:p="http://schemas.openxmlformats.org/presentationml/2006/main" xmlns:c="http://schemas.openxmlformats.org/drawingml/2006/chart" xmlns:dgm="http://schemas.openxmlformats.org/drawingml/2006/diagram" xmlns:o="urn:schemas-microsoft-com:office:office" xmlns:v="urn:schemas-microsoft-com:vml" xmlns:pvml="urn:schemas-microsoft-com:office:powerpoint" xmlns:com="http://schemas.openxmlformats.org/drawingml/2006/compatibility" xmlns:p14="http://schemas.microsoft.com/office/powerpoint/2010/main" xmlns:p15="http://schemas.microsoft.com/office/powerpoint/2012/main" xmlns:ahyp="http://schemas.microsoft.com/office/drawing/2018/hyperlinkcolor">
-  <p:cSld>
-    <p:spTree>
-      <p:nvGrpSpPr>
-        <p:cNvPr id="216" name="Shape 216"/>
-        <p:cNvGrpSpPr/>
-        <p:nvPr/>
-      </p:nvGrpSpPr>
-      <p:grpSpPr>
-        <a:xfrm>
-          <a:off x="0" y="0"/>
-          <a:ext cx="0" cy="0"/>
-          <a:chOff x="0" y="0"/>
-          <a:chExt cx="0" cy="0"/>
-        </a:xfrm>
-      </p:grpSpPr>
-      <p:pic>
-        <p:nvPicPr>
-          <p:cNvPr id="217" name="Google Shape;217;p25"/>
-          <p:cNvPicPr preferRelativeResize="0"/>
-          <p:nvPr/>
-        </p:nvPicPr>
-        <p:blipFill>
-          <a:blip r:embed="rId3">
-            <a:alphaModFix/>
-          </a:blip>
-          <a:stretch>
-            <a:fillRect/>
-          </a:stretch>
-        </p:blipFill>
-        <p:spPr>
-          <a:xfrm>
-            <a:off x="3105500" y="374950"/>
-            <a:ext cx="2933001" cy="4393601"/>
-          </a:xfrm>
-          <a:prstGeom prst="rect">
-            <a:avLst/>
-          </a:prstGeom>
-          <a:noFill/>
-          <a:ln>
-            <a:noFill/>
-          </a:ln>
-        </p:spPr>
-      </p:pic>
-    </p:spTree>
-  </p:cSld>
-  <p:clrMapOvr>
-    <a:masterClrMapping/>
-  </p:clrMapOvr>
-</p:sld>
-</file>
-
-<file path=ppt/slides/slide14.xml><?xml version="1.0" encoding="utf-8"?>
-<p:sld xmlns:a="http://schemas.openxmlformats.org/drawingml/2006/main" xmlns:r="http://schemas.openxmlformats.org/officeDocument/2006/relationships" xmlns:mc="http://schemas.openxmlformats.org/markup-compatibility/2006" xmlns:mv="urn:schemas-microsoft-com:mac:vml" xmlns:p="http://schemas.openxmlformats.org/presentationml/2006/main" xmlns:c="http://schemas.openxmlformats.org/drawingml/2006/chart" xmlns:dgm="http://schemas.openxmlformats.org/drawingml/2006/diagram" xmlns:o="urn:schemas-microsoft-com:office:office" xmlns:v="urn:schemas-microsoft-com:vml" xmlns:pvml="urn:schemas-microsoft-com:office:powerpoint" xmlns:com="http://schemas.openxmlformats.org/drawingml/2006/compatibility" xmlns:p14="http://schemas.microsoft.com/office/powerpoint/2010/main" xmlns:p15="http://schemas.microsoft.com/office/powerpoint/2012/main" xmlns:ahyp="http://schemas.microsoft.com/office/drawing/2018/hyperlinkcolor">
-  <p:cSld>
-    <p:spTree>
-      <p:nvGrpSpPr>
-        <p:cNvPr id="221" name="Shape 221"/>
-        <p:cNvGrpSpPr/>
-        <p:nvPr/>
-      </p:nvGrpSpPr>
-      <p:grpSpPr>
-        <a:xfrm>
-          <a:off x="0" y="0"/>
-          <a:ext cx="0" cy="0"/>
-          <a:chOff x="0" y="0"/>
-          <a:chExt cx="0" cy="0"/>
-        </a:xfrm>
-      </p:grpSpPr>
-      <p:sp>
-        <p:nvSpPr>
-          <p:cNvPr id="222" name="Google Shape;222;p26"/>
-          <p:cNvSpPr txBox="1"/>
-          <p:nvPr>
-            <p:ph type="title"/>
-          </p:nvPr>
-        </p:nvSpPr>
-        <p:spPr>
-          <a:xfrm>
-            <a:off x="819150" y="845600"/>
-            <a:ext cx="7505700" cy="954600"/>
-          </a:xfrm>
-          <a:prstGeom prst="rect">
-            <a:avLst/>
-          </a:prstGeom>
-        </p:spPr>
-        <p:txBody>
-          <a:bodyPr anchorCtr="0" anchor="t" bIns="91425" lIns="91425" spcFirstLastPara="1" rIns="91425" wrap="square" tIns="91425">
-            <a:normAutofit/>
-          </a:bodyPr>
-          <a:lstStyle/>
-          <a:p>
-            <a:pPr indent="0" lvl="0" marL="0" rtl="0" algn="ctr">
-              <a:spcBef>
-                <a:spcPts val="0"/>
-              </a:spcBef>
-              <a:spcAft>
-                <a:spcPts val="0"/>
-              </a:spcAft>
-              <a:buNone/>
-            </a:pPr>
-            <a:r>
-              <a:rPr lang="fr"/>
-              <a:t>Definition of Done</a:t>
-            </a:r>
-            <a:endParaRPr/>
-          </a:p>
-        </p:txBody>
-      </p:sp>
-      <p:pic>
-        <p:nvPicPr>
-          <p:cNvPr id="223" name="Google Shape;223;p26"/>
-          <p:cNvPicPr preferRelativeResize="0"/>
-          <p:nvPr/>
-        </p:nvPicPr>
-        <p:blipFill>
-          <a:blip r:embed="rId3">
-            <a:alphaModFix/>
-          </a:blip>
-          <a:stretch>
-            <a:fillRect/>
-          </a:stretch>
-        </p:blipFill>
-        <p:spPr>
-          <a:xfrm>
-            <a:off x="4505250" y="1567200"/>
-            <a:ext cx="4333950" cy="2985119"/>
-          </a:xfrm>
-          <a:prstGeom prst="rect">
-            <a:avLst/>
-          </a:prstGeom>
-          <a:noFill/>
-          <a:ln>
-            <a:noFill/>
-          </a:ln>
-        </p:spPr>
-      </p:pic>
-      <p:sp>
-        <p:nvSpPr>
-          <p:cNvPr id="224" name="Google Shape;224;p26"/>
-          <p:cNvSpPr txBox="1"/>
-          <p:nvPr>
-            <p:ph idx="1" type="body"/>
-          </p:nvPr>
-        </p:nvSpPr>
-        <p:spPr>
-          <a:xfrm>
-            <a:off x="819150" y="1990725"/>
-            <a:ext cx="3686100" cy="2448000"/>
-          </a:xfrm>
-          <a:prstGeom prst="rect">
-            <a:avLst/>
-          </a:prstGeom>
-        </p:spPr>
-        <p:txBody>
-          <a:bodyPr anchorCtr="0" anchor="ctr" bIns="91425" lIns="91425" spcFirstLastPara="1" rIns="91425" wrap="square" tIns="91425">
-            <a:normAutofit lnSpcReduction="10000"/>
-          </a:bodyPr>
-          <a:lstStyle/>
-          <a:p>
-            <a:pPr indent="-336550" lvl="0" marL="457200" rtl="0" algn="l">
-              <a:lnSpc>
-                <a:spcPct val="200000"/>
-              </a:lnSpc>
-              <a:spcBef>
-                <a:spcPts val="0"/>
-              </a:spcBef>
-              <a:spcAft>
-                <a:spcPts val="0"/>
-              </a:spcAft>
-              <a:buSzPts val="1700"/>
-              <a:buChar char="-"/>
-            </a:pPr>
-            <a:r>
-              <a:rPr b="1" lang="fr" sz="1700"/>
-              <a:t>Tests</a:t>
-            </a:r>
-            <a:endParaRPr b="1" sz="1700"/>
-          </a:p>
-          <a:p>
-            <a:pPr indent="-336550" lvl="0" marL="457200" rtl="0" algn="l">
-              <a:lnSpc>
-                <a:spcPct val="200000"/>
-              </a:lnSpc>
-              <a:spcBef>
-                <a:spcPts val="0"/>
-              </a:spcBef>
-              <a:spcAft>
-                <a:spcPts val="0"/>
-              </a:spcAft>
-              <a:buSzPts val="1700"/>
-              <a:buChar char="-"/>
-            </a:pPr>
-            <a:r>
-              <a:rPr b="1" lang="fr" sz="1700"/>
-              <a:t>Validation par les pairs</a:t>
-            </a:r>
-            <a:endParaRPr b="1" sz="1700"/>
-          </a:p>
-          <a:p>
-            <a:pPr indent="-336550" lvl="0" marL="457200" rtl="0" algn="l">
-              <a:lnSpc>
-                <a:spcPct val="200000"/>
-              </a:lnSpc>
-              <a:spcBef>
-                <a:spcPts val="0"/>
-              </a:spcBef>
-              <a:spcAft>
-                <a:spcPts val="0"/>
-              </a:spcAft>
-              <a:buSzPts val="1700"/>
-              <a:buChar char="-"/>
-            </a:pPr>
-            <a:r>
-              <a:rPr b="1" lang="fr" sz="1700"/>
-              <a:t>Intégration</a:t>
-            </a:r>
-            <a:endParaRPr b="1" sz="1700"/>
-          </a:p>
-          <a:p>
-            <a:pPr indent="-336550" lvl="0" marL="457200" rtl="0" algn="l">
-              <a:lnSpc>
-                <a:spcPct val="200000"/>
-              </a:lnSpc>
-              <a:spcBef>
-                <a:spcPts val="0"/>
-              </a:spcBef>
-              <a:spcAft>
-                <a:spcPts val="0"/>
-              </a:spcAft>
-              <a:buSzPts val="1700"/>
-              <a:buChar char="-"/>
-            </a:pPr>
-            <a:r>
-              <a:rPr b="1" lang="fr" sz="1700"/>
-              <a:t>Déploiement</a:t>
-            </a:r>
-            <a:endParaRPr b="1" sz="1700"/>
-          </a:p>
-          <a:p>
-            <a:pPr indent="-336550" lvl="0" marL="457200" rtl="0" algn="l">
-              <a:lnSpc>
-                <a:spcPct val="200000"/>
-              </a:lnSpc>
-              <a:spcBef>
-                <a:spcPts val="0"/>
-              </a:spcBef>
-              <a:spcAft>
-                <a:spcPts val="0"/>
-              </a:spcAft>
-              <a:buSzPts val="1700"/>
-              <a:buChar char="-"/>
-            </a:pPr>
-            <a:r>
-              <a:rPr b="1" lang="fr" sz="1700"/>
-              <a:t>Dev → Terminé</a:t>
-            </a:r>
-            <a:endParaRPr b="1" sz="1700"/>
-          </a:p>
-        </p:txBody>
-      </p:sp>
-    </p:spTree>
-  </p:cSld>
-  <p:clrMapOvr>
-    <a:masterClrMapping/>
-  </p:clrMapOvr>
-</p:sld>
-</file>
-
-<file path=ppt/slides/slide15.xml><?xml version="1.0" encoding="utf-8"?>
-<p:sld xmlns:a="http://schemas.openxmlformats.org/drawingml/2006/main" xmlns:r="http://schemas.openxmlformats.org/officeDocument/2006/relationships" xmlns:mc="http://schemas.openxmlformats.org/markup-compatibility/2006" xmlns:mv="urn:schemas-microsoft-com:mac:vml" xmlns:p="http://schemas.openxmlformats.org/presentationml/2006/main" xmlns:c="http://schemas.openxmlformats.org/drawingml/2006/chart" xmlns:dgm="http://schemas.openxmlformats.org/drawingml/2006/diagram" xmlns:o="urn:schemas-microsoft-com:office:office" xmlns:v="urn:schemas-microsoft-com:vml" xmlns:pvml="urn:schemas-microsoft-com:office:powerpoint" xmlns:com="http://schemas.openxmlformats.org/drawingml/2006/compatibility" xmlns:p14="http://schemas.microsoft.com/office/powerpoint/2010/main" xmlns:p15="http://schemas.microsoft.com/office/powerpoint/2012/main" xmlns:ahyp="http://schemas.microsoft.com/office/drawing/2018/hyperlinkcolor">
-  <p:cSld>
-    <p:spTree>
-      <p:nvGrpSpPr>
-        <p:cNvPr id="228" name="Shape 228"/>
-        <p:cNvGrpSpPr/>
-        <p:nvPr/>
-      </p:nvGrpSpPr>
-      <p:grpSpPr>
-        <a:xfrm>
-          <a:off x="0" y="0"/>
-          <a:ext cx="0" cy="0"/>
-          <a:chOff x="0" y="0"/>
-          <a:chExt cx="0" cy="0"/>
-        </a:xfrm>
-      </p:grpSpPr>
-      <p:pic>
-        <p:nvPicPr>
-          <p:cNvPr id="229" name="Google Shape;229;p27"/>
-          <p:cNvPicPr preferRelativeResize="0"/>
-          <p:nvPr/>
-        </p:nvPicPr>
-        <p:blipFill>
-          <a:blip r:embed="rId3">
-            <a:alphaModFix/>
-          </a:blip>
-          <a:stretch>
-            <a:fillRect/>
-          </a:stretch>
-        </p:blipFill>
-        <p:spPr>
-          <a:xfrm>
-            <a:off x="3143775" y="559713"/>
-            <a:ext cx="2856450" cy="4024074"/>
-          </a:xfrm>
-          <a:prstGeom prst="rect">
-            <a:avLst/>
-          </a:prstGeom>
-          <a:noFill/>
-          <a:ln>
-            <a:noFill/>
-          </a:ln>
-        </p:spPr>
-      </p:pic>
-      <p:pic>
-        <p:nvPicPr>
-          <p:cNvPr id="230" name="Google Shape;230;p27">
-            <a:hlinkClick action="ppaction://hlinksldjump" r:id="rId4"/>
-          </p:cNvPr>
-          <p:cNvPicPr preferRelativeResize="0"/>
-          <p:nvPr/>
-        </p:nvPicPr>
-        <p:blipFill>
-          <a:blip r:embed="rId5">
-            <a:alphaModFix/>
-          </a:blip>
-          <a:stretch>
-            <a:fillRect/>
-          </a:stretch>
-        </p:blipFill>
-        <p:spPr>
-          <a:xfrm>
-            <a:off x="8366700" y="381350"/>
-            <a:ext cx="421050" cy="421050"/>
           </a:xfrm>
           <a:prstGeom prst="rect">
             <a:avLst/>
@@ -13188,56 +13357,14 @@
           <a:chExt cx="0" cy="0"/>
         </a:xfrm>
       </p:grpSpPr>
-      <p:sp>
-        <p:nvSpPr>
-          <p:cNvPr id="235" name="Google Shape;235;p28"/>
-          <p:cNvSpPr txBox="1"/>
-          <p:nvPr>
-            <p:ph type="title"/>
-          </p:nvPr>
-        </p:nvSpPr>
-        <p:spPr>
-          <a:xfrm>
-            <a:off x="1888684" y="1746100"/>
-            <a:ext cx="5377500" cy="1646100"/>
-          </a:xfrm>
-          <a:prstGeom prst="rect">
-            <a:avLst/>
-          </a:prstGeom>
-        </p:spPr>
-        <p:txBody>
-          <a:bodyPr anchorCtr="0" anchor="ctr" bIns="91425" lIns="91425" spcFirstLastPara="1" rIns="91425" wrap="square" tIns="91425">
-            <a:normAutofit/>
-          </a:bodyPr>
-          <a:lstStyle/>
-          <a:p>
-            <a:pPr indent="0" lvl="0" marL="0" rtl="0" algn="ctr">
-              <a:spcBef>
-                <a:spcPts val="0"/>
-              </a:spcBef>
-              <a:spcAft>
-                <a:spcPts val="0"/>
-              </a:spcAft>
-              <a:buNone/>
-            </a:pPr>
-            <a:r>
-              <a:rPr lang="fr"/>
-              <a:t>La planification du projet</a:t>
-            </a:r>
-            <a:endParaRPr/>
-          </a:p>
-        </p:txBody>
-      </p:sp>
       <p:pic>
         <p:nvPicPr>
-          <p:cNvPr id="236" name="Google Shape;236;p28">
-            <a:hlinkClick action="ppaction://hlinksldjump" r:id="rId3"/>
-          </p:cNvPr>
+          <p:cNvPr id="235" name="Google Shape;235;p28"/>
           <p:cNvPicPr preferRelativeResize="0"/>
           <p:nvPr/>
         </p:nvPicPr>
         <p:blipFill>
-          <a:blip r:embed="rId4">
+          <a:blip r:embed="rId3">
             <a:alphaModFix/>
           </a:blip>
           <a:stretch>
@@ -13246,38 +13373,8 @@
         </p:blipFill>
         <p:spPr>
           <a:xfrm>
-            <a:off x="8573950" y="208100"/>
-            <a:ext cx="376725" cy="376725"/>
-          </a:xfrm>
-          <a:prstGeom prst="rect">
-            <a:avLst/>
-          </a:prstGeom>
-          <a:noFill/>
-          <a:ln>
-            <a:noFill/>
-          </a:ln>
-        </p:spPr>
-      </p:pic>
-      <p:pic>
-        <p:nvPicPr>
-          <p:cNvPr id="237" name="Google Shape;237;p28">
-            <a:hlinkClick r:id="rId5"/>
-          </p:cNvPr>
-          <p:cNvPicPr preferRelativeResize="0"/>
-          <p:nvPr/>
-        </p:nvPicPr>
-        <p:blipFill>
-          <a:blip r:embed="rId6">
-            <a:alphaModFix/>
-          </a:blip>
-          <a:stretch>
-            <a:fillRect/>
-          </a:stretch>
-        </p:blipFill>
-        <p:spPr>
-          <a:xfrm>
-            <a:off x="4110350" y="3392200"/>
-            <a:ext cx="923276" cy="923276"/>
+            <a:off x="2914350" y="255700"/>
+            <a:ext cx="3315301" cy="4632099"/>
           </a:xfrm>
           <a:prstGeom prst="rect">
             <a:avLst/>
@@ -13301,7 +13398,7 @@
   <p:cSld>
     <p:spTree>
       <p:nvGrpSpPr>
-        <p:cNvPr id="241" name="Shape 241"/>
+        <p:cNvPr id="239" name="Shape 239"/>
         <p:cNvGrpSpPr/>
         <p:nvPr/>
       </p:nvGrpSpPr>
@@ -13315,7 +13412,7 @@
       </p:grpSpPr>
       <p:sp>
         <p:nvSpPr>
-          <p:cNvPr id="242" name="Google Shape;242;p29"/>
+          <p:cNvPr id="240" name="Google Shape;240;p29"/>
           <p:cNvSpPr txBox="1"/>
           <p:nvPr>
             <p:ph type="title"/>
@@ -13347,7 +13444,7 @@
             </a:pPr>
             <a:r>
               <a:rPr lang="fr"/>
-              <a:t>Backlog</a:t>
+              <a:t>Definition of Done</a:t>
             </a:r>
             <a:endParaRPr/>
           </a:p>
@@ -13355,7 +13452,7 @@
       </p:sp>
       <p:pic>
         <p:nvPicPr>
-          <p:cNvPr id="243" name="Google Shape;243;p29"/>
+          <p:cNvPr id="241" name="Google Shape;241;p29"/>
           <p:cNvPicPr preferRelativeResize="0"/>
           <p:nvPr/>
         </p:nvPicPr>
@@ -13369,8 +13466,8 @@
         </p:blipFill>
         <p:spPr>
           <a:xfrm>
-            <a:off x="648388" y="1623250"/>
-            <a:ext cx="7847224" cy="3038500"/>
+            <a:off x="4505250" y="1567200"/>
+            <a:ext cx="4333950" cy="2985119"/>
           </a:xfrm>
           <a:prstGeom prst="rect">
             <a:avLst/>
@@ -13381,6 +13478,130 @@
           </a:ln>
         </p:spPr>
       </p:pic>
+      <p:sp>
+        <p:nvSpPr>
+          <p:cNvPr id="242" name="Google Shape;242;p29"/>
+          <p:cNvSpPr txBox="1"/>
+          <p:nvPr>
+            <p:ph idx="1" type="body"/>
+          </p:nvPr>
+        </p:nvSpPr>
+        <p:spPr>
+          <a:xfrm>
+            <a:off x="819150" y="1990725"/>
+            <a:ext cx="3686100" cy="2448000"/>
+          </a:xfrm>
+          <a:prstGeom prst="rect">
+            <a:avLst/>
+          </a:prstGeom>
+        </p:spPr>
+        <p:txBody>
+          <a:bodyPr anchorCtr="0" anchor="ctr" bIns="91425" lIns="91425" spcFirstLastPara="1" rIns="91425" wrap="square" tIns="91425">
+            <a:normAutofit lnSpcReduction="10000"/>
+          </a:bodyPr>
+          <a:lstStyle/>
+          <a:p>
+            <a:pPr indent="-336550" lvl="0" marL="457200" rtl="0" algn="l">
+              <a:lnSpc>
+                <a:spcPct val="200000"/>
+              </a:lnSpc>
+              <a:spcBef>
+                <a:spcPts val="0"/>
+              </a:spcBef>
+              <a:spcAft>
+                <a:spcPts val="0"/>
+              </a:spcAft>
+              <a:buSzPts val="1700"/>
+              <a:buChar char="-"/>
+            </a:pPr>
+            <a:r>
+              <a:rPr b="1" lang="fr" sz="1700"/>
+              <a:t>Tests</a:t>
+            </a:r>
+            <a:endParaRPr b="1" sz="1700"/>
+          </a:p>
+          <a:p>
+            <a:pPr indent="-336550" lvl="0" marL="457200" rtl="0" algn="l">
+              <a:lnSpc>
+                <a:spcPct val="200000"/>
+              </a:lnSpc>
+              <a:spcBef>
+                <a:spcPts val="0"/>
+              </a:spcBef>
+              <a:spcAft>
+                <a:spcPts val="0"/>
+              </a:spcAft>
+              <a:buSzPts val="1700"/>
+              <a:buChar char="-"/>
+            </a:pPr>
+            <a:r>
+              <a:rPr b="1" lang="fr" sz="1700"/>
+              <a:t>Validation par les pairs</a:t>
+            </a:r>
+            <a:endParaRPr b="1" sz="1700"/>
+          </a:p>
+          <a:p>
+            <a:pPr indent="-336550" lvl="0" marL="457200" rtl="0" algn="l">
+              <a:lnSpc>
+                <a:spcPct val="200000"/>
+              </a:lnSpc>
+              <a:spcBef>
+                <a:spcPts val="0"/>
+              </a:spcBef>
+              <a:spcAft>
+                <a:spcPts val="0"/>
+              </a:spcAft>
+              <a:buSzPts val="1700"/>
+              <a:buChar char="-"/>
+            </a:pPr>
+            <a:r>
+              <a:rPr b="1" lang="fr" sz="1700"/>
+              <a:t>Intégration</a:t>
+            </a:r>
+            <a:endParaRPr b="1" sz="1700"/>
+          </a:p>
+          <a:p>
+            <a:pPr indent="-336550" lvl="0" marL="457200" rtl="0" algn="l">
+              <a:lnSpc>
+                <a:spcPct val="200000"/>
+              </a:lnSpc>
+              <a:spcBef>
+                <a:spcPts val="0"/>
+              </a:spcBef>
+              <a:spcAft>
+                <a:spcPts val="0"/>
+              </a:spcAft>
+              <a:buSzPts val="1700"/>
+              <a:buChar char="-"/>
+            </a:pPr>
+            <a:r>
+              <a:rPr b="1" lang="fr" sz="1700"/>
+              <a:t>Déploiement</a:t>
+            </a:r>
+            <a:endParaRPr b="1" sz="1700"/>
+          </a:p>
+          <a:p>
+            <a:pPr indent="-336550" lvl="0" marL="457200" rtl="0" algn="l">
+              <a:lnSpc>
+                <a:spcPct val="200000"/>
+              </a:lnSpc>
+              <a:spcBef>
+                <a:spcPts val="0"/>
+              </a:spcBef>
+              <a:spcAft>
+                <a:spcPts val="0"/>
+              </a:spcAft>
+              <a:buSzPts val="1700"/>
+              <a:buChar char="-"/>
+            </a:pPr>
+            <a:r>
+              <a:rPr b="1" lang="fr" sz="1700"/>
+              <a:t>Dev → Terminé</a:t>
+            </a:r>
+            <a:endParaRPr b="1" sz="1700"/>
+          </a:p>
+        </p:txBody>
+      </p:sp>
     </p:spTree>
   </p:cSld>
   <p:clrMapOvr>
@@ -13394,7 +13615,7 @@
   <p:cSld>
     <p:spTree>
       <p:nvGrpSpPr>
-        <p:cNvPr id="247" name="Shape 247"/>
+        <p:cNvPr id="246" name="Shape 246"/>
         <p:cNvGrpSpPr/>
         <p:nvPr/>
       </p:nvGrpSpPr>
@@ -13408,7 +13629,7 @@
       </p:grpSpPr>
       <p:pic>
         <p:nvPicPr>
-          <p:cNvPr id="248" name="Google Shape;248;p30"/>
+          <p:cNvPr id="247" name="Google Shape;247;p30"/>
           <p:cNvPicPr preferRelativeResize="0"/>
           <p:nvPr/>
         </p:nvPicPr>
@@ -13422,8 +13643,38 @@
         </p:blipFill>
         <p:spPr>
           <a:xfrm>
-            <a:off x="370625" y="585950"/>
-            <a:ext cx="8402749" cy="3971600"/>
+            <a:off x="3143775" y="559713"/>
+            <a:ext cx="2856450" cy="4024074"/>
+          </a:xfrm>
+          <a:prstGeom prst="rect">
+            <a:avLst/>
+          </a:prstGeom>
+          <a:noFill/>
+          <a:ln>
+            <a:noFill/>
+          </a:ln>
+        </p:spPr>
+      </p:pic>
+      <p:pic>
+        <p:nvPicPr>
+          <p:cNvPr id="248" name="Google Shape;248;p30">
+            <a:hlinkClick action="ppaction://hlinksldjump" r:id="rId4"/>
+          </p:cNvPr>
+          <p:cNvPicPr preferRelativeResize="0"/>
+          <p:nvPr/>
+        </p:nvPicPr>
+        <p:blipFill>
+          <a:blip r:embed="rId5">
+            <a:alphaModFix/>
+          </a:blip>
+          <a:stretch>
+            <a:fillRect/>
+          </a:stretch>
+        </p:blipFill>
+        <p:spPr>
+          <a:xfrm>
+            <a:off x="8366700" y="381350"/>
+            <a:ext cx="421050" cy="421050"/>
           </a:xfrm>
           <a:prstGeom prst="rect">
             <a:avLst/>
@@ -13469,16 +13720,16 @@
         </p:nvSpPr>
         <p:spPr>
           <a:xfrm>
-            <a:off x="819150" y="845600"/>
-            <a:ext cx="7505700" cy="954600"/>
+            <a:off x="1888684" y="1746100"/>
+            <a:ext cx="5377500" cy="1646100"/>
           </a:xfrm>
           <a:prstGeom prst="rect">
             <a:avLst/>
           </a:prstGeom>
         </p:spPr>
         <p:txBody>
-          <a:bodyPr anchorCtr="0" anchor="t" bIns="91425" lIns="91425" spcFirstLastPara="1" rIns="91425" wrap="square" tIns="91425">
-            <a:normAutofit fontScale="90000"/>
+          <a:bodyPr anchorCtr="0" anchor="ctr" bIns="91425" lIns="91425" spcFirstLastPara="1" rIns="91425" wrap="square" tIns="91425">
+            <a:normAutofit/>
           </a:bodyPr>
           <a:lstStyle/>
           <a:p>
@@ -13493,22 +13744,7 @@
             </a:pPr>
             <a:r>
               <a:rPr lang="fr"/>
-              <a:t>User story</a:t>
-            </a:r>
-            <a:endParaRPr/>
-          </a:p>
-          <a:p>
-            <a:pPr indent="0" lvl="0" marL="0" rtl="0" algn="ctr">
-              <a:spcBef>
-                <a:spcPts val="0"/>
-              </a:spcBef>
-              <a:spcAft>
-                <a:spcPts val="0"/>
-              </a:spcAft>
-              <a:buNone/>
-            </a:pPr>
-            <a:r>
-              <a:t/>
+              <a:t>La planification du projet</a:t>
             </a:r>
             <a:endParaRPr/>
           </a:p>
@@ -13516,12 +13752,14 @@
       </p:sp>
       <p:pic>
         <p:nvPicPr>
-          <p:cNvPr id="254" name="Google Shape;254;p31"/>
+          <p:cNvPr id="254" name="Google Shape;254;p31">
+            <a:hlinkClick action="ppaction://hlinksldjump" r:id="rId3"/>
+          </p:cNvPr>
           <p:cNvPicPr preferRelativeResize="0"/>
           <p:nvPr/>
         </p:nvPicPr>
         <p:blipFill>
-          <a:blip r:embed="rId3">
+          <a:blip r:embed="rId4">
             <a:alphaModFix/>
           </a:blip>
           <a:stretch>
@@ -13530,8 +13768,8 @@
         </p:blipFill>
         <p:spPr>
           <a:xfrm>
-            <a:off x="593031" y="2324962"/>
-            <a:ext cx="3054443" cy="2023224"/>
+            <a:off x="8573950" y="208100"/>
+            <a:ext cx="376725" cy="376725"/>
           </a:xfrm>
           <a:prstGeom prst="rect">
             <a:avLst/>
@@ -13544,39 +13782,14 @@
       </p:pic>
       <p:pic>
         <p:nvPicPr>
-          <p:cNvPr id="255" name="Google Shape;255;p31"/>
-          <p:cNvPicPr preferRelativeResize="0"/>
-          <p:nvPr/>
-        </p:nvPicPr>
-        <p:blipFill rotWithShape="1">
-          <a:blip r:embed="rId4">
-            <a:alphaModFix/>
-          </a:blip>
-          <a:srcRect b="15810" l="30428" r="30769" t="14478"/>
-          <a:stretch/>
-        </p:blipFill>
-        <p:spPr>
-          <a:xfrm>
-            <a:off x="3705713" y="2324950"/>
-            <a:ext cx="1732566" cy="2023224"/>
-          </a:xfrm>
-          <a:prstGeom prst="rect">
-            <a:avLst/>
-          </a:prstGeom>
-          <a:noFill/>
-          <a:ln>
-            <a:noFill/>
-          </a:ln>
-        </p:spPr>
-      </p:pic>
-      <p:pic>
-        <p:nvPicPr>
-          <p:cNvPr id="256" name="Google Shape;256;p31"/>
+          <p:cNvPr id="255" name="Google Shape;255;p31">
+            <a:hlinkClick r:id="rId5"/>
+          </p:cNvPr>
           <p:cNvPicPr preferRelativeResize="0"/>
           <p:nvPr/>
         </p:nvPicPr>
         <p:blipFill>
-          <a:blip r:embed="rId5">
+          <a:blip r:embed="rId6">
             <a:alphaModFix/>
           </a:blip>
           <a:stretch>
@@ -13585,8 +13798,8 @@
         </p:blipFill>
         <p:spPr>
           <a:xfrm>
-            <a:off x="5496525" y="2429125"/>
-            <a:ext cx="3252824" cy="1814875"/>
+            <a:off x="4110350" y="3392200"/>
+            <a:ext cx="923276" cy="923276"/>
           </a:xfrm>
           <a:prstGeom prst="rect">
             <a:avLst/>
@@ -13594,39 +13807,6 @@
           <a:noFill/>
           <a:ln>
             <a:noFill/>
-          </a:ln>
-        </p:spPr>
-      </p:pic>
-      <p:pic>
-        <p:nvPicPr>
-          <p:cNvPr id="257" name="Google Shape;257;p31"/>
-          <p:cNvPicPr preferRelativeResize="0"/>
-          <p:nvPr/>
-        </p:nvPicPr>
-        <p:blipFill rotWithShape="1">
-          <a:blip r:embed="rId6">
-            <a:alphaModFix/>
-          </a:blip>
-          <a:srcRect b="6996" l="2767" r="2463" t="18337"/>
-          <a:stretch/>
-        </p:blipFill>
-        <p:spPr>
-          <a:xfrm>
-            <a:off x="2358275" y="1800212"/>
-            <a:ext cx="4427445" cy="216263"/>
-          </a:xfrm>
-          <a:prstGeom prst="rect">
-            <a:avLst/>
-          </a:prstGeom>
-          <a:noFill/>
-          <a:ln cap="flat" cmpd="sng" w="9525">
-            <a:solidFill>
-              <a:srgbClr val="D9D9D9"/>
-            </a:solidFill>
-            <a:prstDash val="solid"/>
-            <a:round/>
-            <a:headEnd len="sm" w="sm" type="none"/>
-            <a:tailEnd len="sm" w="sm" type="none"/>
           </a:ln>
         </p:spPr>
       </p:pic>
@@ -13763,7 +13943,7 @@
                 </a:solidFill>
                 <a:hlinkClick action="ppaction://hlinksldjump" r:id="rId4"/>
               </a:rPr>
-              <a:t>Les détails techniques</a:t>
+              <a:t>Les détails technique</a:t>
             </a:r>
             <a:endParaRPr sz="1400"/>
           </a:p>
@@ -13788,7 +13968,7 @@
                 </a:solidFill>
                 <a:hlinkClick action="ppaction://hlinksldjump" r:id="rId5"/>
               </a:rPr>
-              <a:t>Les documents de développements</a:t>
+              <a:t>Les documents de développement</a:t>
             </a:r>
             <a:endParaRPr sz="1400"/>
           </a:p>
@@ -13832,7 +14012,7 @@
   <p:cSld>
     <p:spTree>
       <p:nvGrpSpPr>
-        <p:cNvPr id="261" name="Shape 261"/>
+        <p:cNvPr id="259" name="Shape 259"/>
         <p:cNvGrpSpPr/>
         <p:nvPr/>
       </p:nvGrpSpPr>
@@ -13846,7 +14026,203 @@
       </p:grpSpPr>
       <p:sp>
         <p:nvSpPr>
+          <p:cNvPr id="260" name="Google Shape;260;p32"/>
+          <p:cNvSpPr txBox="1"/>
+          <p:nvPr>
+            <p:ph type="title"/>
+          </p:nvPr>
+        </p:nvSpPr>
+        <p:spPr>
+          <a:xfrm>
+            <a:off x="819150" y="845600"/>
+            <a:ext cx="7505700" cy="954600"/>
+          </a:xfrm>
+          <a:prstGeom prst="rect">
+            <a:avLst/>
+          </a:prstGeom>
+        </p:spPr>
+        <p:txBody>
+          <a:bodyPr anchorCtr="0" anchor="t" bIns="91425" lIns="91425" spcFirstLastPara="1" rIns="91425" wrap="square" tIns="91425">
+            <a:normAutofit fontScale="90000"/>
+          </a:bodyPr>
+          <a:lstStyle/>
+          <a:p>
+            <a:pPr indent="0" lvl="0" marL="0" rtl="0" algn="ctr">
+              <a:spcBef>
+                <a:spcPts val="0"/>
+              </a:spcBef>
+              <a:spcAft>
+                <a:spcPts val="0"/>
+              </a:spcAft>
+              <a:buNone/>
+            </a:pPr>
+            <a:r>
+              <a:rPr lang="fr"/>
+              <a:t>User story</a:t>
+            </a:r>
+            <a:endParaRPr/>
+          </a:p>
+          <a:p>
+            <a:pPr indent="0" lvl="0" marL="0" rtl="0" algn="ctr">
+              <a:spcBef>
+                <a:spcPts val="0"/>
+              </a:spcBef>
+              <a:spcAft>
+                <a:spcPts val="0"/>
+              </a:spcAft>
+              <a:buNone/>
+            </a:pPr>
+            <a:r>
+              <a:t/>
+            </a:r>
+            <a:endParaRPr/>
+          </a:p>
+        </p:txBody>
+      </p:sp>
+      <p:pic>
+        <p:nvPicPr>
+          <p:cNvPr id="261" name="Google Shape;261;p32"/>
+          <p:cNvPicPr preferRelativeResize="0"/>
+          <p:nvPr/>
+        </p:nvPicPr>
+        <p:blipFill>
+          <a:blip r:embed="rId3">
+            <a:alphaModFix/>
+          </a:blip>
+          <a:stretch>
+            <a:fillRect/>
+          </a:stretch>
+        </p:blipFill>
+        <p:spPr>
+          <a:xfrm>
+            <a:off x="593031" y="2324962"/>
+            <a:ext cx="3054443" cy="2023224"/>
+          </a:xfrm>
+          <a:prstGeom prst="rect">
+            <a:avLst/>
+          </a:prstGeom>
+          <a:noFill/>
+          <a:ln>
+            <a:noFill/>
+          </a:ln>
+        </p:spPr>
+      </p:pic>
+      <p:pic>
+        <p:nvPicPr>
           <p:cNvPr id="262" name="Google Shape;262;p32"/>
+          <p:cNvPicPr preferRelativeResize="0"/>
+          <p:nvPr/>
+        </p:nvPicPr>
+        <p:blipFill rotWithShape="1">
+          <a:blip r:embed="rId4">
+            <a:alphaModFix/>
+          </a:blip>
+          <a:srcRect b="15810" l="30428" r="30769" t="14478"/>
+          <a:stretch/>
+        </p:blipFill>
+        <p:spPr>
+          <a:xfrm>
+            <a:off x="3705713" y="2324950"/>
+            <a:ext cx="1732566" cy="2023224"/>
+          </a:xfrm>
+          <a:prstGeom prst="rect">
+            <a:avLst/>
+          </a:prstGeom>
+          <a:noFill/>
+          <a:ln>
+            <a:noFill/>
+          </a:ln>
+        </p:spPr>
+      </p:pic>
+      <p:pic>
+        <p:nvPicPr>
+          <p:cNvPr id="263" name="Google Shape;263;p32"/>
+          <p:cNvPicPr preferRelativeResize="0"/>
+          <p:nvPr/>
+        </p:nvPicPr>
+        <p:blipFill>
+          <a:blip r:embed="rId5">
+            <a:alphaModFix/>
+          </a:blip>
+          <a:stretch>
+            <a:fillRect/>
+          </a:stretch>
+        </p:blipFill>
+        <p:spPr>
+          <a:xfrm>
+            <a:off x="5496525" y="2429125"/>
+            <a:ext cx="3252824" cy="1814875"/>
+          </a:xfrm>
+          <a:prstGeom prst="rect">
+            <a:avLst/>
+          </a:prstGeom>
+          <a:noFill/>
+          <a:ln>
+            <a:noFill/>
+          </a:ln>
+        </p:spPr>
+      </p:pic>
+      <p:pic>
+        <p:nvPicPr>
+          <p:cNvPr id="264" name="Google Shape;264;p32"/>
+          <p:cNvPicPr preferRelativeResize="0"/>
+          <p:nvPr/>
+        </p:nvPicPr>
+        <p:blipFill rotWithShape="1">
+          <a:blip r:embed="rId6">
+            <a:alphaModFix/>
+          </a:blip>
+          <a:srcRect b="6996" l="2767" r="2463" t="18337"/>
+          <a:stretch/>
+        </p:blipFill>
+        <p:spPr>
+          <a:xfrm>
+            <a:off x="2358275" y="1800212"/>
+            <a:ext cx="4427445" cy="216263"/>
+          </a:xfrm>
+          <a:prstGeom prst="rect">
+            <a:avLst/>
+          </a:prstGeom>
+          <a:noFill/>
+          <a:ln cap="flat" cmpd="sng" w="9525">
+            <a:solidFill>
+              <a:srgbClr val="D9D9D9"/>
+            </a:solidFill>
+            <a:prstDash val="solid"/>
+            <a:round/>
+            <a:headEnd len="sm" w="sm" type="none"/>
+            <a:tailEnd len="sm" w="sm" type="none"/>
+          </a:ln>
+        </p:spPr>
+      </p:pic>
+    </p:spTree>
+  </p:cSld>
+  <p:clrMapOvr>
+    <a:masterClrMapping/>
+  </p:clrMapOvr>
+</p:sld>
+</file>
+
+<file path=ppt/slides/slide21.xml><?xml version="1.0" encoding="utf-8"?>
+<p:sld xmlns:a="http://schemas.openxmlformats.org/drawingml/2006/main" xmlns:r="http://schemas.openxmlformats.org/officeDocument/2006/relationships" xmlns:mc="http://schemas.openxmlformats.org/markup-compatibility/2006" xmlns:mv="urn:schemas-microsoft-com:mac:vml" xmlns:p="http://schemas.openxmlformats.org/presentationml/2006/main" xmlns:c="http://schemas.openxmlformats.org/drawingml/2006/chart" xmlns:dgm="http://schemas.openxmlformats.org/drawingml/2006/diagram" xmlns:o="urn:schemas-microsoft-com:office:office" xmlns:v="urn:schemas-microsoft-com:vml" xmlns:pvml="urn:schemas-microsoft-com:office:powerpoint" xmlns:com="http://schemas.openxmlformats.org/drawingml/2006/compatibility" xmlns:p14="http://schemas.microsoft.com/office/powerpoint/2010/main" xmlns:p15="http://schemas.microsoft.com/office/powerpoint/2012/main" xmlns:ahyp="http://schemas.microsoft.com/office/drawing/2018/hyperlinkcolor">
+  <p:cSld>
+    <p:spTree>
+      <p:nvGrpSpPr>
+        <p:cNvPr id="268" name="Shape 268"/>
+        <p:cNvGrpSpPr/>
+        <p:nvPr/>
+      </p:nvGrpSpPr>
+      <p:grpSpPr>
+        <a:xfrm>
+          <a:off x="0" y="0"/>
+          <a:ext cx="0" cy="0"/>
+          <a:chOff x="0" y="0"/>
+          <a:chExt cx="0" cy="0"/>
+        </a:xfrm>
+      </p:grpSpPr>
+      <p:sp>
+        <p:nvSpPr>
+          <p:cNvPr id="269" name="Google Shape;269;p33"/>
           <p:cNvSpPr txBox="1"/>
           <p:nvPr>
             <p:ph type="title"/>
@@ -13878,7 +14254,7 @@
             </a:pPr>
             <a:r>
               <a:rPr lang="fr"/>
-              <a:t>Sprint</a:t>
+              <a:t>Backlog</a:t>
             </a:r>
             <a:endParaRPr/>
           </a:p>
@@ -13886,7 +14262,7 @@
       </p:sp>
       <p:pic>
         <p:nvPicPr>
-          <p:cNvPr id="263" name="Google Shape;263;p32"/>
+          <p:cNvPr id="270" name="Google Shape;270;p33"/>
           <p:cNvPicPr preferRelativeResize="0"/>
           <p:nvPr/>
         </p:nvPicPr>
@@ -13900,61 +14276,8 @@
         </p:blipFill>
         <p:spPr>
           <a:xfrm>
-            <a:off x="819150" y="2019225"/>
-            <a:ext cx="7617951" cy="2343400"/>
-          </a:xfrm>
-          <a:prstGeom prst="rect">
-            <a:avLst/>
-          </a:prstGeom>
-          <a:noFill/>
-          <a:ln>
-            <a:noFill/>
-          </a:ln>
-        </p:spPr>
-      </p:pic>
-    </p:spTree>
-  </p:cSld>
-  <p:clrMapOvr>
-    <a:masterClrMapping/>
-  </p:clrMapOvr>
-</p:sld>
-</file>
-
-<file path=ppt/slides/slide21.xml><?xml version="1.0" encoding="utf-8"?>
-<p:sld xmlns:a="http://schemas.openxmlformats.org/drawingml/2006/main" xmlns:r="http://schemas.openxmlformats.org/officeDocument/2006/relationships" xmlns:mc="http://schemas.openxmlformats.org/markup-compatibility/2006" xmlns:mv="urn:schemas-microsoft-com:mac:vml" xmlns:p="http://schemas.openxmlformats.org/presentationml/2006/main" xmlns:c="http://schemas.openxmlformats.org/drawingml/2006/chart" xmlns:dgm="http://schemas.openxmlformats.org/drawingml/2006/diagram" xmlns:o="urn:schemas-microsoft-com:office:office" xmlns:v="urn:schemas-microsoft-com:vml" xmlns:pvml="urn:schemas-microsoft-com:office:powerpoint" xmlns:com="http://schemas.openxmlformats.org/drawingml/2006/compatibility" xmlns:p14="http://schemas.microsoft.com/office/powerpoint/2010/main" xmlns:p15="http://schemas.microsoft.com/office/powerpoint/2012/main" xmlns:ahyp="http://schemas.microsoft.com/office/drawing/2018/hyperlinkcolor">
-  <p:cSld>
-    <p:spTree>
-      <p:nvGrpSpPr>
-        <p:cNvPr id="267" name="Shape 267"/>
-        <p:cNvGrpSpPr/>
-        <p:nvPr/>
-      </p:nvGrpSpPr>
-      <p:grpSpPr>
-        <a:xfrm>
-          <a:off x="0" y="0"/>
-          <a:ext cx="0" cy="0"/>
-          <a:chOff x="0" y="0"/>
-          <a:chExt cx="0" cy="0"/>
-        </a:xfrm>
-      </p:grpSpPr>
-      <p:pic>
-        <p:nvPicPr>
-          <p:cNvPr id="268" name="Google Shape;268;p33"/>
-          <p:cNvPicPr preferRelativeResize="0"/>
-          <p:nvPr/>
-        </p:nvPicPr>
-        <p:blipFill>
-          <a:blip r:embed="rId3">
-            <a:alphaModFix/>
-          </a:blip>
-          <a:stretch>
-            <a:fillRect/>
-          </a:stretch>
-        </p:blipFill>
-        <p:spPr>
-          <a:xfrm>
-            <a:off x="2087450" y="400549"/>
-            <a:ext cx="4969101" cy="4342425"/>
+            <a:off x="648388" y="1623250"/>
+            <a:ext cx="7847224" cy="3038500"/>
           </a:xfrm>
           <a:prstGeom prst="rect">
             <a:avLst/>
@@ -13978,7 +14301,7 @@
   <p:cSld>
     <p:spTree>
       <p:nvGrpSpPr>
-        <p:cNvPr id="272" name="Shape 272"/>
+        <p:cNvPr id="274" name="Shape 274"/>
         <p:cNvGrpSpPr/>
         <p:nvPr/>
       </p:nvGrpSpPr>
@@ -13990,49 +14313,9 @@
           <a:chExt cx="0" cy="0"/>
         </a:xfrm>
       </p:grpSpPr>
-      <p:sp>
-        <p:nvSpPr>
-          <p:cNvPr id="273" name="Google Shape;273;p34"/>
-          <p:cNvSpPr txBox="1"/>
-          <p:nvPr>
-            <p:ph type="title"/>
-          </p:nvPr>
-        </p:nvSpPr>
-        <p:spPr>
-          <a:xfrm>
-            <a:off x="819150" y="824225"/>
-            <a:ext cx="7505700" cy="954600"/>
-          </a:xfrm>
-          <a:prstGeom prst="rect">
-            <a:avLst/>
-          </a:prstGeom>
-        </p:spPr>
-        <p:txBody>
-          <a:bodyPr anchorCtr="0" anchor="t" bIns="91425" lIns="91425" spcFirstLastPara="1" rIns="91425" wrap="square" tIns="91425">
-            <a:normAutofit/>
-          </a:bodyPr>
-          <a:lstStyle/>
-          <a:p>
-            <a:pPr indent="0" lvl="0" marL="0" rtl="0" algn="ctr">
-              <a:spcBef>
-                <a:spcPts val="0"/>
-              </a:spcBef>
-              <a:spcAft>
-                <a:spcPts val="0"/>
-              </a:spcAft>
-              <a:buNone/>
-            </a:pPr>
-            <a:r>
-              <a:rPr lang="fr"/>
-              <a:t>Les versions</a:t>
-            </a:r>
-            <a:endParaRPr/>
-          </a:p>
-        </p:txBody>
-      </p:sp>
       <p:pic>
         <p:nvPicPr>
-          <p:cNvPr id="274" name="Google Shape;274;p34"/>
+          <p:cNvPr id="275" name="Google Shape;275;p34"/>
           <p:cNvPicPr preferRelativeResize="0"/>
           <p:nvPr/>
         </p:nvPicPr>
@@ -14046,8 +14329,8 @@
         </p:blipFill>
         <p:spPr>
           <a:xfrm>
-            <a:off x="2171150" y="1610650"/>
-            <a:ext cx="4801698" cy="3038499"/>
+            <a:off x="370625" y="585950"/>
+            <a:ext cx="8402749" cy="3971600"/>
           </a:xfrm>
           <a:prstGeom prst="rect">
             <a:avLst/>
@@ -14071,7 +14354,7 @@
   <p:cSld>
     <p:spTree>
       <p:nvGrpSpPr>
-        <p:cNvPr id="278" name="Shape 278"/>
+        <p:cNvPr id="279" name="Shape 279"/>
         <p:cNvGrpSpPr/>
         <p:nvPr/>
       </p:nvGrpSpPr>
@@ -14085,7 +14368,7 @@
       </p:grpSpPr>
       <p:sp>
         <p:nvSpPr>
-          <p:cNvPr id="279" name="Google Shape;279;p35"/>
+          <p:cNvPr id="280" name="Google Shape;280;p35"/>
           <p:cNvSpPr txBox="1"/>
           <p:nvPr>
             <p:ph type="title"/>
@@ -14093,7 +14376,7 @@
         </p:nvSpPr>
         <p:spPr>
           <a:xfrm>
-            <a:off x="819150" y="845600"/>
+            <a:off x="819150" y="824225"/>
             <a:ext cx="7505700" cy="954600"/>
           </a:xfrm>
           <a:prstGeom prst="rect">
@@ -14117,7 +14400,7 @@
             </a:pPr>
             <a:r>
               <a:rPr lang="fr"/>
-              <a:t>Les tableaux</a:t>
+              <a:t>Les versions</a:t>
             </a:r>
             <a:endParaRPr/>
           </a:p>
@@ -14125,39 +14408,12 @@
       </p:sp>
       <p:pic>
         <p:nvPicPr>
-          <p:cNvPr id="280" name="Google Shape;280;p35"/>
-          <p:cNvPicPr preferRelativeResize="0"/>
-          <p:nvPr/>
-        </p:nvPicPr>
-        <p:blipFill rotWithShape="1">
-          <a:blip r:embed="rId3">
-            <a:alphaModFix/>
-          </a:blip>
-          <a:srcRect b="0" l="4059" r="24096" t="0"/>
-          <a:stretch/>
-        </p:blipFill>
-        <p:spPr>
-          <a:xfrm>
-            <a:off x="626900" y="1584550"/>
-            <a:ext cx="1196825" cy="1374800"/>
-          </a:xfrm>
-          <a:prstGeom prst="rect">
-            <a:avLst/>
-          </a:prstGeom>
-          <a:noFill/>
-          <a:ln>
-            <a:noFill/>
-          </a:ln>
-        </p:spPr>
-      </p:pic>
-      <p:pic>
-        <p:nvPicPr>
           <p:cNvPr id="281" name="Google Shape;281;p35"/>
           <p:cNvPicPr preferRelativeResize="0"/>
           <p:nvPr/>
         </p:nvPicPr>
         <p:blipFill>
-          <a:blip r:embed="rId4">
+          <a:blip r:embed="rId3">
             <a:alphaModFix/>
           </a:blip>
           <a:stretch>
@@ -14166,8 +14422,8 @@
         </p:blipFill>
         <p:spPr>
           <a:xfrm>
-            <a:off x="2168475" y="1584550"/>
-            <a:ext cx="5522876" cy="3038499"/>
+            <a:off x="2171150" y="1610650"/>
+            <a:ext cx="4801698" cy="3038499"/>
           </a:xfrm>
           <a:prstGeom prst="rect">
             <a:avLst/>
@@ -14203,9 +14459,129 @@
           <a:chExt cx="0" cy="0"/>
         </a:xfrm>
       </p:grpSpPr>
+      <p:sp>
+        <p:nvSpPr>
+          <p:cNvPr id="286" name="Google Shape;286;p36"/>
+          <p:cNvSpPr txBox="1"/>
+          <p:nvPr>
+            <p:ph type="title"/>
+          </p:nvPr>
+        </p:nvSpPr>
+        <p:spPr>
+          <a:xfrm>
+            <a:off x="819150" y="845600"/>
+            <a:ext cx="7505700" cy="954600"/>
+          </a:xfrm>
+          <a:prstGeom prst="rect">
+            <a:avLst/>
+          </a:prstGeom>
+        </p:spPr>
+        <p:txBody>
+          <a:bodyPr anchorCtr="0" anchor="t" bIns="91425" lIns="91425" spcFirstLastPara="1" rIns="91425" wrap="square" tIns="91425">
+            <a:normAutofit/>
+          </a:bodyPr>
+          <a:lstStyle/>
+          <a:p>
+            <a:pPr indent="0" lvl="0" marL="0" rtl="0" algn="ctr">
+              <a:spcBef>
+                <a:spcPts val="0"/>
+              </a:spcBef>
+              <a:spcAft>
+                <a:spcPts val="0"/>
+              </a:spcAft>
+              <a:buNone/>
+            </a:pPr>
+            <a:r>
+              <a:rPr lang="fr"/>
+              <a:t>Les tableaux</a:t>
+            </a:r>
+            <a:endParaRPr/>
+          </a:p>
+        </p:txBody>
+      </p:sp>
       <p:pic>
         <p:nvPicPr>
-          <p:cNvPr id="286" name="Google Shape;286;p36"/>
+          <p:cNvPr id="287" name="Google Shape;287;p36"/>
+          <p:cNvPicPr preferRelativeResize="0"/>
+          <p:nvPr/>
+        </p:nvPicPr>
+        <p:blipFill rotWithShape="1">
+          <a:blip r:embed="rId3">
+            <a:alphaModFix/>
+          </a:blip>
+          <a:srcRect b="0" l="4059" r="24096" t="0"/>
+          <a:stretch/>
+        </p:blipFill>
+        <p:spPr>
+          <a:xfrm>
+            <a:off x="626900" y="1584550"/>
+            <a:ext cx="1196825" cy="1374800"/>
+          </a:xfrm>
+          <a:prstGeom prst="rect">
+            <a:avLst/>
+          </a:prstGeom>
+          <a:noFill/>
+          <a:ln>
+            <a:noFill/>
+          </a:ln>
+        </p:spPr>
+      </p:pic>
+      <p:pic>
+        <p:nvPicPr>
+          <p:cNvPr id="288" name="Google Shape;288;p36"/>
+          <p:cNvPicPr preferRelativeResize="0"/>
+          <p:nvPr/>
+        </p:nvPicPr>
+        <p:blipFill>
+          <a:blip r:embed="rId4">
+            <a:alphaModFix/>
+          </a:blip>
+          <a:stretch>
+            <a:fillRect/>
+          </a:stretch>
+        </p:blipFill>
+        <p:spPr>
+          <a:xfrm>
+            <a:off x="2168475" y="1584550"/>
+            <a:ext cx="5522876" cy="3038499"/>
+          </a:xfrm>
+          <a:prstGeom prst="rect">
+            <a:avLst/>
+          </a:prstGeom>
+          <a:noFill/>
+          <a:ln>
+            <a:noFill/>
+          </a:ln>
+        </p:spPr>
+      </p:pic>
+    </p:spTree>
+  </p:cSld>
+  <p:clrMapOvr>
+    <a:masterClrMapping/>
+  </p:clrMapOvr>
+</p:sld>
+</file>
+
+<file path=ppt/slides/slide25.xml><?xml version="1.0" encoding="utf-8"?>
+<p:sld xmlns:a="http://schemas.openxmlformats.org/drawingml/2006/main" xmlns:r="http://schemas.openxmlformats.org/officeDocument/2006/relationships" xmlns:mc="http://schemas.openxmlformats.org/markup-compatibility/2006" xmlns:mv="urn:schemas-microsoft-com:mac:vml" xmlns:p="http://schemas.openxmlformats.org/presentationml/2006/main" xmlns:c="http://schemas.openxmlformats.org/drawingml/2006/chart" xmlns:dgm="http://schemas.openxmlformats.org/drawingml/2006/diagram" xmlns:o="urn:schemas-microsoft-com:office:office" xmlns:v="urn:schemas-microsoft-com:vml" xmlns:pvml="urn:schemas-microsoft-com:office:powerpoint" xmlns:com="http://schemas.openxmlformats.org/drawingml/2006/compatibility" xmlns:p14="http://schemas.microsoft.com/office/powerpoint/2010/main" xmlns:p15="http://schemas.microsoft.com/office/powerpoint/2012/main" xmlns:ahyp="http://schemas.microsoft.com/office/drawing/2018/hyperlinkcolor">
+  <p:cSld>
+    <p:spTree>
+      <p:nvGrpSpPr>
+        <p:cNvPr id="292" name="Shape 292"/>
+        <p:cNvGrpSpPr/>
+        <p:nvPr/>
+      </p:nvGrpSpPr>
+      <p:grpSpPr>
+        <a:xfrm>
+          <a:off x="0" y="0"/>
+          <a:ext cx="0" cy="0"/>
+          <a:chOff x="0" y="0"/>
+          <a:chExt cx="0" cy="0"/>
+        </a:xfrm>
+      </p:grpSpPr>
+      <p:pic>
+        <p:nvPicPr>
+          <p:cNvPr id="293" name="Google Shape;293;p37"/>
           <p:cNvPicPr preferRelativeResize="0"/>
           <p:nvPr/>
         </p:nvPicPr>
@@ -14239,12 +14615,12 @@
 </p:sld>
 </file>
 
-<file path=ppt/slides/slide25.xml><?xml version="1.0" encoding="utf-8"?>
+<file path=ppt/slides/slide26.xml><?xml version="1.0" encoding="utf-8"?>
 <p:sld xmlns:a="http://schemas.openxmlformats.org/drawingml/2006/main" xmlns:r="http://schemas.openxmlformats.org/officeDocument/2006/relationships" xmlns:mc="http://schemas.openxmlformats.org/markup-compatibility/2006" xmlns:mv="urn:schemas-microsoft-com:mac:vml" xmlns:p="http://schemas.openxmlformats.org/presentationml/2006/main" xmlns:c="http://schemas.openxmlformats.org/drawingml/2006/chart" xmlns:dgm="http://schemas.openxmlformats.org/drawingml/2006/diagram" xmlns:o="urn:schemas-microsoft-com:office:office" xmlns:v="urn:schemas-microsoft-com:vml" xmlns:pvml="urn:schemas-microsoft-com:office:powerpoint" xmlns:com="http://schemas.openxmlformats.org/drawingml/2006/compatibility" xmlns:p14="http://schemas.microsoft.com/office/powerpoint/2010/main" xmlns:p15="http://schemas.microsoft.com/office/powerpoint/2012/main" xmlns:ahyp="http://schemas.microsoft.com/office/drawing/2018/hyperlinkcolor">
   <p:cSld>
     <p:spTree>
       <p:nvGrpSpPr>
-        <p:cNvPr id="290" name="Shape 290"/>
+        <p:cNvPr id="297" name="Shape 297"/>
         <p:cNvGrpSpPr/>
         <p:nvPr/>
       </p:nvGrpSpPr>
@@ -14258,7 +14634,7 @@
       </p:grpSpPr>
       <p:pic>
         <p:nvPicPr>
-          <p:cNvPr id="291" name="Google Shape;291;p37"/>
+          <p:cNvPr id="298" name="Google Shape;298;p38"/>
           <p:cNvPicPr preferRelativeResize="0"/>
           <p:nvPr/>
         </p:nvPicPr>
@@ -14292,12 +14668,12 @@
 </p:sld>
 </file>
 
-<file path=ppt/slides/slide26.xml><?xml version="1.0" encoding="utf-8"?>
+<file path=ppt/slides/slide27.xml><?xml version="1.0" encoding="utf-8"?>
 <p:sld xmlns:a="http://schemas.openxmlformats.org/drawingml/2006/main" xmlns:r="http://schemas.openxmlformats.org/officeDocument/2006/relationships" xmlns:mc="http://schemas.openxmlformats.org/markup-compatibility/2006" xmlns:mv="urn:schemas-microsoft-com:mac:vml" xmlns:p="http://schemas.openxmlformats.org/presentationml/2006/main" xmlns:c="http://schemas.openxmlformats.org/drawingml/2006/chart" xmlns:dgm="http://schemas.openxmlformats.org/drawingml/2006/diagram" xmlns:o="urn:schemas-microsoft-com:office:office" xmlns:v="urn:schemas-microsoft-com:vml" xmlns:pvml="urn:schemas-microsoft-com:office:powerpoint" xmlns:com="http://schemas.openxmlformats.org/drawingml/2006/compatibility" xmlns:p14="http://schemas.microsoft.com/office/powerpoint/2010/main" xmlns:p15="http://schemas.microsoft.com/office/powerpoint/2012/main" xmlns:ahyp="http://schemas.microsoft.com/office/drawing/2018/hyperlinkcolor">
   <p:cSld>
     <p:spTree>
       <p:nvGrpSpPr>
-        <p:cNvPr id="295" name="Shape 295"/>
+        <p:cNvPr id="302" name="Shape 302"/>
         <p:cNvGrpSpPr/>
         <p:nvPr/>
       </p:nvGrpSpPr>
@@ -14311,7 +14687,7 @@
       </p:grpSpPr>
       <p:pic>
         <p:nvPicPr>
-          <p:cNvPr id="296" name="Google Shape;296;p38">
+          <p:cNvPr id="303" name="Google Shape;303;p39">
             <a:hlinkClick action="ppaction://hlinksldjump" r:id="rId3"/>
           </p:cNvPr>
           <p:cNvPicPr preferRelativeResize="0"/>
@@ -14341,7 +14717,7 @@
       </p:pic>
       <p:pic>
         <p:nvPicPr>
-          <p:cNvPr id="297" name="Google Shape;297;p38"/>
+          <p:cNvPr id="304" name="Google Shape;304;p39"/>
           <p:cNvPicPr preferRelativeResize="0"/>
           <p:nvPr/>
         </p:nvPicPr>
@@ -14375,12 +14751,12 @@
 </p:sld>
 </file>
 
-<file path=ppt/slides/slide27.xml><?xml version="1.0" encoding="utf-8"?>
+<file path=ppt/slides/slide28.xml><?xml version="1.0" encoding="utf-8"?>
 <p:sld xmlns:a="http://schemas.openxmlformats.org/drawingml/2006/main" xmlns:r="http://schemas.openxmlformats.org/officeDocument/2006/relationships" xmlns:mc="http://schemas.openxmlformats.org/markup-compatibility/2006" xmlns:mv="urn:schemas-microsoft-com:mac:vml" xmlns:p="http://schemas.openxmlformats.org/presentationml/2006/main" xmlns:c="http://schemas.openxmlformats.org/drawingml/2006/chart" xmlns:dgm="http://schemas.openxmlformats.org/drawingml/2006/diagram" xmlns:o="urn:schemas-microsoft-com:office:office" xmlns:v="urn:schemas-microsoft-com:vml" xmlns:pvml="urn:schemas-microsoft-com:office:powerpoint" xmlns:com="http://schemas.openxmlformats.org/drawingml/2006/compatibility" xmlns:p14="http://schemas.microsoft.com/office/powerpoint/2010/main" xmlns:p15="http://schemas.microsoft.com/office/powerpoint/2012/main" xmlns:ahyp="http://schemas.microsoft.com/office/drawing/2018/hyperlinkcolor">
   <p:cSld>
     <p:spTree>
       <p:nvGrpSpPr>
-        <p:cNvPr id="301" name="Shape 301"/>
+        <p:cNvPr id="308" name="Shape 308"/>
         <p:cNvGrpSpPr/>
         <p:nvPr/>
       </p:nvGrpSpPr>
@@ -14394,7 +14770,7 @@
       </p:grpSpPr>
       <p:sp>
         <p:nvSpPr>
-          <p:cNvPr id="302" name="Google Shape;302;p39"/>
+          <p:cNvPr id="309" name="Google Shape;309;p40"/>
           <p:cNvSpPr txBox="1"/>
           <p:nvPr>
             <p:ph type="title"/>
@@ -15183,7 +15559,7 @@
             <a:tbl>
               <a:tblPr bandCol="1" bandRow="1">
                 <a:noFill/>
-                <a:tableStyleId>{3747CB45-AFE7-4943-9FCB-70D6EAB9313F}</a:tableStyleId>
+                <a:tableStyleId>{B87C3086-3DB5-4419-9E48-E26919337531}</a:tableStyleId>
               </a:tblPr>
               <a:tblGrid>
                 <a:gridCol w="1352550"/>
@@ -16122,6 +16498,1853 @@
             </a:pPr>
             <a:r>
               <a:rPr lang="fr"/>
+              <a:t>Planning</a:t>
+            </a:r>
+            <a:endParaRPr/>
+          </a:p>
+        </p:txBody>
+      </p:sp>
+      <p:graphicFrame>
+        <p:nvGraphicFramePr>
+          <p:cNvPr id="164" name="Google Shape;164;p18"/>
+          <p:cNvGraphicFramePr/>
+          <p:nvPr/>
+        </p:nvGraphicFramePr>
+        <p:xfrm>
+          <a:off x="1423988" y="2142525"/>
+          <a:ext cx="3000000" cy="3000000"/>
+        </p:xfrm>
+        <a:graphic>
+          <a:graphicData uri="http://schemas.openxmlformats.org/drawingml/2006/table">
+            <a:tbl>
+              <a:tblPr bandCol="1" bandRow="1">
+                <a:noFill/>
+                <a:tableStyleId>{B87C3086-3DB5-4419-9E48-E26919337531}</a:tableStyleId>
+              </a:tblPr>
+              <a:tblGrid>
+                <a:gridCol w="1134975"/>
+                <a:gridCol w="1411050"/>
+                <a:gridCol w="1296025"/>
+                <a:gridCol w="1227000"/>
+                <a:gridCol w="1227000"/>
+              </a:tblGrid>
+              <a:tr h="409575">
+                <a:tc>
+                  <a:txBody>
+                    <a:bodyPr/>
+                    <a:lstStyle/>
+                    <a:p>
+                      <a:pPr indent="0" lvl="0" marL="0" rtl="0" algn="ctr">
+                        <a:spcBef>
+                          <a:spcPts val="0"/>
+                        </a:spcBef>
+                        <a:spcAft>
+                          <a:spcPts val="0"/>
+                        </a:spcAft>
+                        <a:buNone/>
+                      </a:pPr>
+                      <a:r>
+                        <a:rPr b="1" lang="fr" sz="1000">
+                          <a:solidFill>
+                            <a:srgbClr val="F3F3F3"/>
+                          </a:solidFill>
+                          <a:latin typeface="Poppins"/>
+                          <a:ea typeface="Poppins"/>
+                          <a:cs typeface="Poppins"/>
+                          <a:sym typeface="Poppins"/>
+                        </a:rPr>
+                        <a:t>Pré-requis</a:t>
+                      </a:r>
+                      <a:endParaRPr b="1" sz="1000">
+                        <a:solidFill>
+                          <a:srgbClr val="F3F3F3"/>
+                        </a:solidFill>
+                        <a:latin typeface="Poppins"/>
+                        <a:ea typeface="Poppins"/>
+                        <a:cs typeface="Poppins"/>
+                        <a:sym typeface="Poppins"/>
+                      </a:endParaRPr>
+                    </a:p>
+                  </a:txBody>
+                  <a:tcPr marT="0" marB="0" marR="68575" marL="68575" anchor="ctr">
+                    <a:lnL cap="flat" cmpd="sng" w="6350">
+                      <a:solidFill>
+                        <a:srgbClr val="000000"/>
+                      </a:solidFill>
+                      <a:prstDash val="solid"/>
+                      <a:round/>
+                      <a:headEnd len="sm" w="sm" type="none"/>
+                      <a:tailEnd len="sm" w="sm" type="none"/>
+                    </a:lnL>
+                    <a:lnR cap="flat" cmpd="sng" w="6350">
+                      <a:solidFill>
+                        <a:srgbClr val="000000"/>
+                      </a:solidFill>
+                      <a:prstDash val="solid"/>
+                      <a:round/>
+                      <a:headEnd len="sm" w="sm" type="none"/>
+                      <a:tailEnd len="sm" w="sm" type="none"/>
+                    </a:lnR>
+                    <a:lnT cap="flat" cmpd="sng" w="6350">
+                      <a:solidFill>
+                        <a:srgbClr val="000000"/>
+                      </a:solidFill>
+                      <a:prstDash val="solid"/>
+                      <a:round/>
+                      <a:headEnd len="sm" w="sm" type="none"/>
+                      <a:tailEnd len="sm" w="sm" type="none"/>
+                    </a:lnT>
+                    <a:lnB cap="flat" cmpd="sng" w="6350">
+                      <a:solidFill>
+                        <a:srgbClr val="000000"/>
+                      </a:solidFill>
+                      <a:prstDash val="solid"/>
+                      <a:round/>
+                      <a:headEnd len="sm" w="sm" type="none"/>
+                      <a:tailEnd len="sm" w="sm" type="none"/>
+                    </a:lnB>
+                    <a:solidFill>
+                      <a:srgbClr val="666666"/>
+                    </a:solidFill>
+                  </a:tcPr>
+                </a:tc>
+                <a:tc>
+                  <a:txBody>
+                    <a:bodyPr/>
+                    <a:lstStyle/>
+                    <a:p>
+                      <a:pPr indent="0" lvl="0" marL="0" rtl="0" algn="ctr">
+                        <a:spcBef>
+                          <a:spcPts val="0"/>
+                        </a:spcBef>
+                        <a:spcAft>
+                          <a:spcPts val="0"/>
+                        </a:spcAft>
+                        <a:buNone/>
+                      </a:pPr>
+                      <a:r>
+                        <a:rPr b="1" lang="fr" sz="1000">
+                          <a:solidFill>
+                            <a:srgbClr val="F3F3F3"/>
+                          </a:solidFill>
+                          <a:latin typeface="Poppins"/>
+                          <a:ea typeface="Poppins"/>
+                          <a:cs typeface="Poppins"/>
+                          <a:sym typeface="Poppins"/>
+                        </a:rPr>
+                        <a:t>Sprint 1</a:t>
+                      </a:r>
+                      <a:endParaRPr b="1" sz="1000">
+                        <a:solidFill>
+                          <a:srgbClr val="F3F3F3"/>
+                        </a:solidFill>
+                        <a:latin typeface="Poppins"/>
+                        <a:ea typeface="Poppins"/>
+                        <a:cs typeface="Poppins"/>
+                        <a:sym typeface="Poppins"/>
+                      </a:endParaRPr>
+                    </a:p>
+                  </a:txBody>
+                  <a:tcPr marT="0" marB="0" marR="68575" marL="68575" anchor="ctr">
+                    <a:lnL cap="flat" cmpd="sng" w="6350">
+                      <a:solidFill>
+                        <a:srgbClr val="000000"/>
+                      </a:solidFill>
+                      <a:prstDash val="solid"/>
+                      <a:round/>
+                      <a:headEnd len="sm" w="sm" type="none"/>
+                      <a:tailEnd len="sm" w="sm" type="none"/>
+                    </a:lnL>
+                    <a:lnR cap="flat" cmpd="sng" w="6350">
+                      <a:solidFill>
+                        <a:srgbClr val="000000"/>
+                      </a:solidFill>
+                      <a:prstDash val="solid"/>
+                      <a:round/>
+                      <a:headEnd len="sm" w="sm" type="none"/>
+                      <a:tailEnd len="sm" w="sm" type="none"/>
+                    </a:lnR>
+                    <a:lnT cap="flat" cmpd="sng" w="6350">
+                      <a:solidFill>
+                        <a:srgbClr val="000000"/>
+                      </a:solidFill>
+                      <a:prstDash val="solid"/>
+                      <a:round/>
+                      <a:headEnd len="sm" w="sm" type="none"/>
+                      <a:tailEnd len="sm" w="sm" type="none"/>
+                    </a:lnT>
+                    <a:lnB cap="flat" cmpd="sng" w="6350">
+                      <a:solidFill>
+                        <a:srgbClr val="000000"/>
+                      </a:solidFill>
+                      <a:prstDash val="solid"/>
+                      <a:round/>
+                      <a:headEnd len="sm" w="sm" type="none"/>
+                      <a:tailEnd len="sm" w="sm" type="none"/>
+                    </a:lnB>
+                    <a:solidFill>
+                      <a:srgbClr val="666666"/>
+                    </a:solidFill>
+                  </a:tcPr>
+                </a:tc>
+                <a:tc>
+                  <a:txBody>
+                    <a:bodyPr/>
+                    <a:lstStyle/>
+                    <a:p>
+                      <a:pPr indent="0" lvl="0" marL="0" rtl="0" algn="ctr">
+                        <a:spcBef>
+                          <a:spcPts val="0"/>
+                        </a:spcBef>
+                        <a:spcAft>
+                          <a:spcPts val="0"/>
+                        </a:spcAft>
+                        <a:buNone/>
+                      </a:pPr>
+                      <a:r>
+                        <a:rPr b="1" lang="fr" sz="1000">
+                          <a:solidFill>
+                            <a:srgbClr val="F3F3F3"/>
+                          </a:solidFill>
+                          <a:latin typeface="Poppins"/>
+                          <a:ea typeface="Poppins"/>
+                          <a:cs typeface="Poppins"/>
+                          <a:sym typeface="Poppins"/>
+                        </a:rPr>
+                        <a:t>Sprint 2</a:t>
+                      </a:r>
+                      <a:endParaRPr b="1" sz="1000">
+                        <a:solidFill>
+                          <a:srgbClr val="F3F3F3"/>
+                        </a:solidFill>
+                        <a:latin typeface="Poppins"/>
+                        <a:ea typeface="Poppins"/>
+                        <a:cs typeface="Poppins"/>
+                        <a:sym typeface="Poppins"/>
+                      </a:endParaRPr>
+                    </a:p>
+                  </a:txBody>
+                  <a:tcPr marT="0" marB="0" marR="68575" marL="68575" anchor="ctr">
+                    <a:lnL cap="flat" cmpd="sng" w="6350">
+                      <a:solidFill>
+                        <a:srgbClr val="000000"/>
+                      </a:solidFill>
+                      <a:prstDash val="solid"/>
+                      <a:round/>
+                      <a:headEnd len="sm" w="sm" type="none"/>
+                      <a:tailEnd len="sm" w="sm" type="none"/>
+                    </a:lnL>
+                    <a:lnR cap="flat" cmpd="sng" w="6350">
+                      <a:solidFill>
+                        <a:srgbClr val="000000"/>
+                      </a:solidFill>
+                      <a:prstDash val="solid"/>
+                      <a:round/>
+                      <a:headEnd len="sm" w="sm" type="none"/>
+                      <a:tailEnd len="sm" w="sm" type="none"/>
+                    </a:lnR>
+                    <a:lnT cap="flat" cmpd="sng" w="6350">
+                      <a:solidFill>
+                        <a:srgbClr val="000000"/>
+                      </a:solidFill>
+                      <a:prstDash val="solid"/>
+                      <a:round/>
+                      <a:headEnd len="sm" w="sm" type="none"/>
+                      <a:tailEnd len="sm" w="sm" type="none"/>
+                    </a:lnT>
+                    <a:lnB cap="flat" cmpd="sng" w="6350">
+                      <a:solidFill>
+                        <a:srgbClr val="000000"/>
+                      </a:solidFill>
+                      <a:prstDash val="solid"/>
+                      <a:round/>
+                      <a:headEnd len="sm" w="sm" type="none"/>
+                      <a:tailEnd len="sm" w="sm" type="none"/>
+                    </a:lnB>
+                    <a:solidFill>
+                      <a:srgbClr val="666666"/>
+                    </a:solidFill>
+                  </a:tcPr>
+                </a:tc>
+                <a:tc>
+                  <a:txBody>
+                    <a:bodyPr/>
+                    <a:lstStyle/>
+                    <a:p>
+                      <a:pPr indent="0" lvl="0" marL="0" rtl="0" algn="ctr">
+                        <a:spcBef>
+                          <a:spcPts val="0"/>
+                        </a:spcBef>
+                        <a:spcAft>
+                          <a:spcPts val="0"/>
+                        </a:spcAft>
+                        <a:buNone/>
+                      </a:pPr>
+                      <a:r>
+                        <a:rPr b="1" lang="fr" sz="1000">
+                          <a:solidFill>
+                            <a:srgbClr val="F3F3F3"/>
+                          </a:solidFill>
+                          <a:latin typeface="Poppins"/>
+                          <a:ea typeface="Poppins"/>
+                          <a:cs typeface="Poppins"/>
+                          <a:sym typeface="Poppins"/>
+                        </a:rPr>
+                        <a:t>Sprint 3</a:t>
+                      </a:r>
+                      <a:endParaRPr b="1" sz="1000">
+                        <a:solidFill>
+                          <a:srgbClr val="F3F3F3"/>
+                        </a:solidFill>
+                        <a:latin typeface="Poppins"/>
+                        <a:ea typeface="Poppins"/>
+                        <a:cs typeface="Poppins"/>
+                        <a:sym typeface="Poppins"/>
+                      </a:endParaRPr>
+                    </a:p>
+                  </a:txBody>
+                  <a:tcPr marT="0" marB="0" marR="68575" marL="68575" anchor="ctr">
+                    <a:lnL cap="flat" cmpd="sng" w="6350">
+                      <a:solidFill>
+                        <a:srgbClr val="000000"/>
+                      </a:solidFill>
+                      <a:prstDash val="solid"/>
+                      <a:round/>
+                      <a:headEnd len="sm" w="sm" type="none"/>
+                      <a:tailEnd len="sm" w="sm" type="none"/>
+                    </a:lnL>
+                    <a:lnR cap="flat" cmpd="sng" w="6350">
+                      <a:solidFill>
+                        <a:srgbClr val="000000"/>
+                      </a:solidFill>
+                      <a:prstDash val="solid"/>
+                      <a:round/>
+                      <a:headEnd len="sm" w="sm" type="none"/>
+                      <a:tailEnd len="sm" w="sm" type="none"/>
+                    </a:lnR>
+                    <a:lnT cap="flat" cmpd="sng" w="6350">
+                      <a:solidFill>
+                        <a:srgbClr val="000000"/>
+                      </a:solidFill>
+                      <a:prstDash val="solid"/>
+                      <a:round/>
+                      <a:headEnd len="sm" w="sm" type="none"/>
+                      <a:tailEnd len="sm" w="sm" type="none"/>
+                    </a:lnT>
+                    <a:lnB cap="flat" cmpd="sng" w="6350">
+                      <a:solidFill>
+                        <a:srgbClr val="000000"/>
+                      </a:solidFill>
+                      <a:prstDash val="solid"/>
+                      <a:round/>
+                      <a:headEnd len="sm" w="sm" type="none"/>
+                      <a:tailEnd len="sm" w="sm" type="none"/>
+                    </a:lnB>
+                    <a:solidFill>
+                      <a:srgbClr val="666666"/>
+                    </a:solidFill>
+                  </a:tcPr>
+                </a:tc>
+                <a:tc>
+                  <a:txBody>
+                    <a:bodyPr/>
+                    <a:lstStyle/>
+                    <a:p>
+                      <a:pPr indent="0" lvl="0" marL="0" rtl="0" algn="ctr">
+                        <a:spcBef>
+                          <a:spcPts val="0"/>
+                        </a:spcBef>
+                        <a:spcAft>
+                          <a:spcPts val="0"/>
+                        </a:spcAft>
+                        <a:buNone/>
+                      </a:pPr>
+                      <a:r>
+                        <a:rPr b="1" lang="fr" sz="1000">
+                          <a:solidFill>
+                            <a:srgbClr val="F3F3F3"/>
+                          </a:solidFill>
+                          <a:latin typeface="Poppins"/>
+                          <a:ea typeface="Poppins"/>
+                          <a:cs typeface="Poppins"/>
+                          <a:sym typeface="Poppins"/>
+                        </a:rPr>
+                        <a:t>Sprint 4 et +</a:t>
+                      </a:r>
+                      <a:endParaRPr b="1" sz="1000">
+                        <a:solidFill>
+                          <a:srgbClr val="F3F3F3"/>
+                        </a:solidFill>
+                        <a:latin typeface="Poppins"/>
+                        <a:ea typeface="Poppins"/>
+                        <a:cs typeface="Poppins"/>
+                        <a:sym typeface="Poppins"/>
+                      </a:endParaRPr>
+                    </a:p>
+                  </a:txBody>
+                  <a:tcPr marT="0" marB="0" marR="68575" marL="68575" anchor="ctr">
+                    <a:lnL cap="flat" cmpd="sng" w="6350">
+                      <a:solidFill>
+                        <a:srgbClr val="000000"/>
+                      </a:solidFill>
+                      <a:prstDash val="solid"/>
+                      <a:round/>
+                      <a:headEnd len="sm" w="sm" type="none"/>
+                      <a:tailEnd len="sm" w="sm" type="none"/>
+                    </a:lnL>
+                    <a:lnR cap="flat" cmpd="sng" w="6350">
+                      <a:solidFill>
+                        <a:srgbClr val="000000"/>
+                      </a:solidFill>
+                      <a:prstDash val="solid"/>
+                      <a:round/>
+                      <a:headEnd len="sm" w="sm" type="none"/>
+                      <a:tailEnd len="sm" w="sm" type="none"/>
+                    </a:lnR>
+                    <a:lnT cap="flat" cmpd="sng" w="6350">
+                      <a:solidFill>
+                        <a:srgbClr val="000000"/>
+                      </a:solidFill>
+                      <a:prstDash val="solid"/>
+                      <a:round/>
+                      <a:headEnd len="sm" w="sm" type="none"/>
+                      <a:tailEnd len="sm" w="sm" type="none"/>
+                    </a:lnT>
+                    <a:lnB cap="flat" cmpd="sng" w="6350">
+                      <a:solidFill>
+                        <a:srgbClr val="000000"/>
+                      </a:solidFill>
+                      <a:prstDash val="solid"/>
+                      <a:round/>
+                      <a:headEnd len="sm" w="sm" type="none"/>
+                      <a:tailEnd len="sm" w="sm" type="none"/>
+                    </a:lnB>
+                    <a:solidFill>
+                      <a:srgbClr val="666666"/>
+                    </a:solidFill>
+                  </a:tcPr>
+                </a:tc>
+              </a:tr>
+              <a:tr h="317500">
+                <a:tc>
+                  <a:txBody>
+                    <a:bodyPr/>
+                    <a:lstStyle/>
+                    <a:p>
+                      <a:pPr indent="0" lvl="0" marL="0" rtl="0" algn="l">
+                        <a:spcBef>
+                          <a:spcPts val="0"/>
+                        </a:spcBef>
+                        <a:spcAft>
+                          <a:spcPts val="0"/>
+                        </a:spcAft>
+                        <a:buNone/>
+                      </a:pPr>
+                      <a:r>
+                        <a:rPr b="1" lang="fr" sz="1000">
+                          <a:latin typeface="Poppins"/>
+                          <a:ea typeface="Poppins"/>
+                          <a:cs typeface="Poppins"/>
+                          <a:sym typeface="Poppins"/>
+                        </a:rPr>
+                        <a:t>[v1]</a:t>
+                      </a:r>
+                      <a:endParaRPr b="1" sz="1000">
+                        <a:latin typeface="Poppins"/>
+                        <a:ea typeface="Poppins"/>
+                        <a:cs typeface="Poppins"/>
+                        <a:sym typeface="Poppins"/>
+                      </a:endParaRPr>
+                    </a:p>
+                  </a:txBody>
+                  <a:tcPr marT="0" marB="0" marR="68575" marL="68575" anchor="ctr">
+                    <a:lnL cap="flat" cmpd="sng" w="6350">
+                      <a:solidFill>
+                        <a:srgbClr val="000000"/>
+                      </a:solidFill>
+                      <a:prstDash val="solid"/>
+                      <a:round/>
+                      <a:headEnd len="sm" w="sm" type="none"/>
+                      <a:tailEnd len="sm" w="sm" type="none"/>
+                    </a:lnL>
+                    <a:lnR cap="flat" cmpd="sng" w="6350">
+                      <a:solidFill>
+                        <a:srgbClr val="000000"/>
+                      </a:solidFill>
+                      <a:prstDash val="solid"/>
+                      <a:round/>
+                      <a:headEnd len="sm" w="sm" type="none"/>
+                      <a:tailEnd len="sm" w="sm" type="none"/>
+                    </a:lnR>
+                    <a:lnT cap="flat" cmpd="sng" w="6350">
+                      <a:solidFill>
+                        <a:srgbClr val="000000"/>
+                      </a:solidFill>
+                      <a:prstDash val="solid"/>
+                      <a:round/>
+                      <a:headEnd len="sm" w="sm" type="none"/>
+                      <a:tailEnd len="sm" w="sm" type="none"/>
+                    </a:lnT>
+                    <a:lnB cap="flat" cmpd="sng" w="6350">
+                      <a:solidFill>
+                        <a:srgbClr val="000000"/>
+                      </a:solidFill>
+                      <a:prstDash val="solid"/>
+                      <a:round/>
+                      <a:headEnd len="sm" w="sm" type="none"/>
+                      <a:tailEnd len="sm" w="sm" type="none"/>
+                    </a:lnB>
+                  </a:tcPr>
+                </a:tc>
+                <a:tc>
+                  <a:txBody>
+                    <a:bodyPr/>
+                    <a:lstStyle/>
+                    <a:p>
+                      <a:pPr indent="0" lvl="0" marL="0" rtl="0" algn="l">
+                        <a:spcBef>
+                          <a:spcPts val="0"/>
+                        </a:spcBef>
+                        <a:spcAft>
+                          <a:spcPts val="0"/>
+                        </a:spcAft>
+                        <a:buNone/>
+                      </a:pPr>
+                      <a:r>
+                        <a:rPr b="1" lang="fr" sz="1000">
+                          <a:latin typeface="Poppins"/>
+                          <a:ea typeface="Poppins"/>
+                          <a:cs typeface="Poppins"/>
+                          <a:sym typeface="Poppins"/>
+                        </a:rPr>
+                        <a:t>[v1]</a:t>
+                      </a:r>
+                      <a:endParaRPr b="1" sz="1000">
+                        <a:latin typeface="Poppins"/>
+                        <a:ea typeface="Poppins"/>
+                        <a:cs typeface="Poppins"/>
+                        <a:sym typeface="Poppins"/>
+                      </a:endParaRPr>
+                    </a:p>
+                  </a:txBody>
+                  <a:tcPr marT="0" marB="0" marR="68575" marL="68575" anchor="ctr">
+                    <a:lnL cap="flat" cmpd="sng" w="6350">
+                      <a:solidFill>
+                        <a:srgbClr val="000000"/>
+                      </a:solidFill>
+                      <a:prstDash val="solid"/>
+                      <a:round/>
+                      <a:headEnd len="sm" w="sm" type="none"/>
+                      <a:tailEnd len="sm" w="sm" type="none"/>
+                    </a:lnL>
+                    <a:lnR cap="flat" cmpd="sng" w="6350">
+                      <a:solidFill>
+                        <a:srgbClr val="000000"/>
+                      </a:solidFill>
+                      <a:prstDash val="solid"/>
+                      <a:round/>
+                      <a:headEnd len="sm" w="sm" type="none"/>
+                      <a:tailEnd len="sm" w="sm" type="none"/>
+                    </a:lnR>
+                    <a:lnT cap="flat" cmpd="sng" w="6350">
+                      <a:solidFill>
+                        <a:srgbClr val="000000"/>
+                      </a:solidFill>
+                      <a:prstDash val="solid"/>
+                      <a:round/>
+                      <a:headEnd len="sm" w="sm" type="none"/>
+                      <a:tailEnd len="sm" w="sm" type="none"/>
+                    </a:lnT>
+                    <a:lnB cap="flat" cmpd="sng" w="6350">
+                      <a:solidFill>
+                        <a:srgbClr val="000000"/>
+                      </a:solidFill>
+                      <a:prstDash val="solid"/>
+                      <a:round/>
+                      <a:headEnd len="sm" w="sm" type="none"/>
+                      <a:tailEnd len="sm" w="sm" type="none"/>
+                    </a:lnB>
+                  </a:tcPr>
+                </a:tc>
+                <a:tc>
+                  <a:txBody>
+                    <a:bodyPr/>
+                    <a:lstStyle/>
+                    <a:p>
+                      <a:pPr indent="0" lvl="0" marL="0" rtl="0" algn="l">
+                        <a:spcBef>
+                          <a:spcPts val="0"/>
+                        </a:spcBef>
+                        <a:spcAft>
+                          <a:spcPts val="0"/>
+                        </a:spcAft>
+                        <a:buNone/>
+                      </a:pPr>
+                      <a:r>
+                        <a:rPr b="1" lang="fr" sz="1000">
+                          <a:latin typeface="Poppins"/>
+                          <a:ea typeface="Poppins"/>
+                          <a:cs typeface="Poppins"/>
+                          <a:sym typeface="Poppins"/>
+                        </a:rPr>
+                        <a:t>[v1]</a:t>
+                      </a:r>
+                      <a:endParaRPr b="1" sz="1000">
+                        <a:latin typeface="Poppins"/>
+                        <a:ea typeface="Poppins"/>
+                        <a:cs typeface="Poppins"/>
+                        <a:sym typeface="Poppins"/>
+                      </a:endParaRPr>
+                    </a:p>
+                  </a:txBody>
+                  <a:tcPr marT="0" marB="0" marR="68575" marL="68575" anchor="ctr">
+                    <a:lnL cap="flat" cmpd="sng" w="6350">
+                      <a:solidFill>
+                        <a:srgbClr val="000000"/>
+                      </a:solidFill>
+                      <a:prstDash val="solid"/>
+                      <a:round/>
+                      <a:headEnd len="sm" w="sm" type="none"/>
+                      <a:tailEnd len="sm" w="sm" type="none"/>
+                    </a:lnL>
+                    <a:lnR cap="flat" cmpd="sng" w="6350">
+                      <a:solidFill>
+                        <a:srgbClr val="000000"/>
+                      </a:solidFill>
+                      <a:prstDash val="solid"/>
+                      <a:round/>
+                      <a:headEnd len="sm" w="sm" type="none"/>
+                      <a:tailEnd len="sm" w="sm" type="none"/>
+                    </a:lnR>
+                    <a:lnT cap="flat" cmpd="sng" w="6350">
+                      <a:solidFill>
+                        <a:srgbClr val="000000"/>
+                      </a:solidFill>
+                      <a:prstDash val="solid"/>
+                      <a:round/>
+                      <a:headEnd len="sm" w="sm" type="none"/>
+                      <a:tailEnd len="sm" w="sm" type="none"/>
+                    </a:lnT>
+                    <a:lnB cap="flat" cmpd="sng" w="6350">
+                      <a:solidFill>
+                        <a:srgbClr val="000000"/>
+                      </a:solidFill>
+                      <a:prstDash val="solid"/>
+                      <a:round/>
+                      <a:headEnd len="sm" w="sm" type="none"/>
+                      <a:tailEnd len="sm" w="sm" type="none"/>
+                    </a:lnB>
+                  </a:tcPr>
+                </a:tc>
+                <a:tc>
+                  <a:txBody>
+                    <a:bodyPr/>
+                    <a:lstStyle/>
+                    <a:p>
+                      <a:pPr indent="0" lvl="0" marL="0" rtl="0" algn="l">
+                        <a:spcBef>
+                          <a:spcPts val="0"/>
+                        </a:spcBef>
+                        <a:spcAft>
+                          <a:spcPts val="0"/>
+                        </a:spcAft>
+                        <a:buNone/>
+                      </a:pPr>
+                      <a:r>
+                        <a:rPr b="1" lang="fr" sz="1000">
+                          <a:latin typeface="Poppins"/>
+                          <a:ea typeface="Poppins"/>
+                          <a:cs typeface="Poppins"/>
+                          <a:sym typeface="Poppins"/>
+                        </a:rPr>
+                        <a:t>[v1.1]</a:t>
+                      </a:r>
+                      <a:endParaRPr b="1" sz="1000">
+                        <a:latin typeface="Poppins"/>
+                        <a:ea typeface="Poppins"/>
+                        <a:cs typeface="Poppins"/>
+                        <a:sym typeface="Poppins"/>
+                      </a:endParaRPr>
+                    </a:p>
+                  </a:txBody>
+                  <a:tcPr marT="0" marB="0" marR="68575" marL="68575" anchor="ctr">
+                    <a:lnL cap="flat" cmpd="sng" w="6350">
+                      <a:solidFill>
+                        <a:srgbClr val="000000"/>
+                      </a:solidFill>
+                      <a:prstDash val="solid"/>
+                      <a:round/>
+                      <a:headEnd len="sm" w="sm" type="none"/>
+                      <a:tailEnd len="sm" w="sm" type="none"/>
+                    </a:lnL>
+                    <a:lnR cap="flat" cmpd="sng" w="6350">
+                      <a:solidFill>
+                        <a:srgbClr val="000000"/>
+                      </a:solidFill>
+                      <a:prstDash val="solid"/>
+                      <a:round/>
+                      <a:headEnd len="sm" w="sm" type="none"/>
+                      <a:tailEnd len="sm" w="sm" type="none"/>
+                    </a:lnR>
+                    <a:lnT cap="flat" cmpd="sng" w="6350">
+                      <a:solidFill>
+                        <a:srgbClr val="000000"/>
+                      </a:solidFill>
+                      <a:prstDash val="solid"/>
+                      <a:round/>
+                      <a:headEnd len="sm" w="sm" type="none"/>
+                      <a:tailEnd len="sm" w="sm" type="none"/>
+                    </a:lnT>
+                    <a:lnB cap="flat" cmpd="sng" w="6350">
+                      <a:solidFill>
+                        <a:srgbClr val="000000"/>
+                      </a:solidFill>
+                      <a:prstDash val="solid"/>
+                      <a:round/>
+                      <a:headEnd len="sm" w="sm" type="none"/>
+                      <a:tailEnd len="sm" w="sm" type="none"/>
+                    </a:lnB>
+                  </a:tcPr>
+                </a:tc>
+                <a:tc>
+                  <a:txBody>
+                    <a:bodyPr/>
+                    <a:lstStyle/>
+                    <a:p>
+                      <a:pPr indent="0" lvl="0" marL="0" rtl="0" algn="l">
+                        <a:spcBef>
+                          <a:spcPts val="0"/>
+                        </a:spcBef>
+                        <a:spcAft>
+                          <a:spcPts val="0"/>
+                        </a:spcAft>
+                        <a:buNone/>
+                      </a:pPr>
+                      <a:r>
+                        <a:rPr b="1" lang="fr" sz="1000">
+                          <a:latin typeface="Poppins"/>
+                          <a:ea typeface="Poppins"/>
+                          <a:cs typeface="Poppins"/>
+                          <a:sym typeface="Poppins"/>
+                        </a:rPr>
+                        <a:t>[v2]</a:t>
+                      </a:r>
+                      <a:endParaRPr b="1" sz="1000">
+                        <a:latin typeface="Poppins"/>
+                        <a:ea typeface="Poppins"/>
+                        <a:cs typeface="Poppins"/>
+                        <a:sym typeface="Poppins"/>
+                      </a:endParaRPr>
+                    </a:p>
+                  </a:txBody>
+                  <a:tcPr marT="0" marB="0" marR="68575" marL="68575" anchor="ctr">
+                    <a:lnL cap="flat" cmpd="sng" w="6350">
+                      <a:solidFill>
+                        <a:srgbClr val="000000"/>
+                      </a:solidFill>
+                      <a:prstDash val="solid"/>
+                      <a:round/>
+                      <a:headEnd len="sm" w="sm" type="none"/>
+                      <a:tailEnd len="sm" w="sm" type="none"/>
+                    </a:lnL>
+                    <a:lnR cap="flat" cmpd="sng" w="6350">
+                      <a:solidFill>
+                        <a:srgbClr val="000000"/>
+                      </a:solidFill>
+                      <a:prstDash val="solid"/>
+                      <a:round/>
+                      <a:headEnd len="sm" w="sm" type="none"/>
+                      <a:tailEnd len="sm" w="sm" type="none"/>
+                    </a:lnR>
+                    <a:lnT cap="flat" cmpd="sng" w="6350">
+                      <a:solidFill>
+                        <a:srgbClr val="000000"/>
+                      </a:solidFill>
+                      <a:prstDash val="solid"/>
+                      <a:round/>
+                      <a:headEnd len="sm" w="sm" type="none"/>
+                      <a:tailEnd len="sm" w="sm" type="none"/>
+                    </a:lnT>
+                    <a:lnB cap="flat" cmpd="sng" w="6350">
+                      <a:solidFill>
+                        <a:srgbClr val="000000"/>
+                      </a:solidFill>
+                      <a:prstDash val="solid"/>
+                      <a:round/>
+                      <a:headEnd len="sm" w="sm" type="none"/>
+                      <a:tailEnd len="sm" w="sm" type="none"/>
+                    </a:lnB>
+                  </a:tcPr>
+                </a:tc>
+              </a:tr>
+              <a:tr h="304800">
+                <a:tc>
+                  <a:txBody>
+                    <a:bodyPr/>
+                    <a:lstStyle/>
+                    <a:p>
+                      <a:pPr indent="0" lvl="0" marL="0" rtl="0" algn="l">
+                        <a:spcBef>
+                          <a:spcPts val="0"/>
+                        </a:spcBef>
+                        <a:spcAft>
+                          <a:spcPts val="0"/>
+                        </a:spcAft>
+                        <a:buNone/>
+                      </a:pPr>
+                      <a:r>
+                        <a:rPr i="1" lang="fr" sz="1000">
+                          <a:latin typeface="Poppins"/>
+                          <a:ea typeface="Poppins"/>
+                          <a:cs typeface="Poppins"/>
+                          <a:sym typeface="Poppins"/>
+                        </a:rPr>
+                        <a:t>Création de la BDD</a:t>
+                      </a:r>
+                      <a:endParaRPr i="1" sz="1000">
+                        <a:latin typeface="Poppins"/>
+                        <a:ea typeface="Poppins"/>
+                        <a:cs typeface="Poppins"/>
+                        <a:sym typeface="Poppins"/>
+                      </a:endParaRPr>
+                    </a:p>
+                  </a:txBody>
+                  <a:tcPr marT="0" marB="0" marR="68575" marL="68575" anchor="ctr">
+                    <a:lnL cap="flat" cmpd="sng" w="6350">
+                      <a:solidFill>
+                        <a:srgbClr val="000000"/>
+                      </a:solidFill>
+                      <a:prstDash val="solid"/>
+                      <a:round/>
+                      <a:headEnd len="sm" w="sm" type="none"/>
+                      <a:tailEnd len="sm" w="sm" type="none"/>
+                    </a:lnL>
+                    <a:lnR cap="flat" cmpd="sng" w="6350">
+                      <a:solidFill>
+                        <a:srgbClr val="000000"/>
+                      </a:solidFill>
+                      <a:prstDash val="solid"/>
+                      <a:round/>
+                      <a:headEnd len="sm" w="sm" type="none"/>
+                      <a:tailEnd len="sm" w="sm" type="none"/>
+                    </a:lnR>
+                    <a:lnT cap="flat" cmpd="sng" w="6350">
+                      <a:solidFill>
+                        <a:srgbClr val="000000"/>
+                      </a:solidFill>
+                      <a:prstDash val="solid"/>
+                      <a:round/>
+                      <a:headEnd len="sm" w="sm" type="none"/>
+                      <a:tailEnd len="sm" w="sm" type="none"/>
+                    </a:lnT>
+                    <a:lnB cap="flat" cmpd="sng" w="6350">
+                      <a:solidFill>
+                        <a:srgbClr val="000000"/>
+                      </a:solidFill>
+                      <a:prstDash val="solid"/>
+                      <a:round/>
+                      <a:headEnd len="sm" w="sm" type="none"/>
+                      <a:tailEnd len="sm" w="sm" type="none"/>
+                    </a:lnB>
+                  </a:tcPr>
+                </a:tc>
+                <a:tc>
+                  <a:txBody>
+                    <a:bodyPr/>
+                    <a:lstStyle/>
+                    <a:p>
+                      <a:pPr indent="0" lvl="0" marL="0" rtl="0" algn="l">
+                        <a:spcBef>
+                          <a:spcPts val="0"/>
+                        </a:spcBef>
+                        <a:spcAft>
+                          <a:spcPts val="0"/>
+                        </a:spcAft>
+                        <a:buNone/>
+                      </a:pPr>
+                      <a:r>
+                        <a:rPr i="1" lang="fr" sz="1000">
+                          <a:latin typeface="Poppins"/>
+                          <a:ea typeface="Poppins"/>
+                          <a:cs typeface="Poppins"/>
+                          <a:sym typeface="Poppins"/>
+                        </a:rPr>
+                        <a:t>Gestion d'objet (CRUD sans le delete)</a:t>
+                      </a:r>
+                      <a:endParaRPr i="1" sz="1000">
+                        <a:latin typeface="Poppins"/>
+                        <a:ea typeface="Poppins"/>
+                        <a:cs typeface="Poppins"/>
+                        <a:sym typeface="Poppins"/>
+                      </a:endParaRPr>
+                    </a:p>
+                  </a:txBody>
+                  <a:tcPr marT="0" marB="0" marR="68575" marL="68575" anchor="ctr">
+                    <a:lnL cap="flat" cmpd="sng" w="6350">
+                      <a:solidFill>
+                        <a:srgbClr val="000000"/>
+                      </a:solidFill>
+                      <a:prstDash val="solid"/>
+                      <a:round/>
+                      <a:headEnd len="sm" w="sm" type="none"/>
+                      <a:tailEnd len="sm" w="sm" type="none"/>
+                    </a:lnL>
+                    <a:lnR cap="flat" cmpd="sng" w="6350">
+                      <a:solidFill>
+                        <a:srgbClr val="000000"/>
+                      </a:solidFill>
+                      <a:prstDash val="solid"/>
+                      <a:round/>
+                      <a:headEnd len="sm" w="sm" type="none"/>
+                      <a:tailEnd len="sm" w="sm" type="none"/>
+                    </a:lnR>
+                    <a:lnT cap="flat" cmpd="sng" w="6350">
+                      <a:solidFill>
+                        <a:srgbClr val="000000"/>
+                      </a:solidFill>
+                      <a:prstDash val="solid"/>
+                      <a:round/>
+                      <a:headEnd len="sm" w="sm" type="none"/>
+                      <a:tailEnd len="sm" w="sm" type="none"/>
+                    </a:lnT>
+                    <a:lnB cap="flat" cmpd="sng" w="6350">
+                      <a:solidFill>
+                        <a:srgbClr val="000000"/>
+                      </a:solidFill>
+                      <a:prstDash val="solid"/>
+                      <a:round/>
+                      <a:headEnd len="sm" w="sm" type="none"/>
+                      <a:tailEnd len="sm" w="sm" type="none"/>
+                    </a:lnB>
+                  </a:tcPr>
+                </a:tc>
+                <a:tc>
+                  <a:txBody>
+                    <a:bodyPr/>
+                    <a:lstStyle/>
+                    <a:p>
+                      <a:pPr indent="0" lvl="0" marL="0" rtl="0" algn="l">
+                        <a:spcBef>
+                          <a:spcPts val="0"/>
+                        </a:spcBef>
+                        <a:spcAft>
+                          <a:spcPts val="0"/>
+                        </a:spcAft>
+                        <a:buNone/>
+                      </a:pPr>
+                      <a:r>
+                        <a:rPr i="1" lang="fr" sz="1000">
+                          <a:latin typeface="Poppins"/>
+                          <a:ea typeface="Poppins"/>
+                          <a:cs typeface="Poppins"/>
+                          <a:sym typeface="Poppins"/>
+                        </a:rPr>
+                        <a:t>Connection</a:t>
+                      </a:r>
+                      <a:endParaRPr i="1" sz="1000">
+                        <a:latin typeface="Poppins"/>
+                        <a:ea typeface="Poppins"/>
+                        <a:cs typeface="Poppins"/>
+                        <a:sym typeface="Poppins"/>
+                      </a:endParaRPr>
+                    </a:p>
+                  </a:txBody>
+                  <a:tcPr marT="0" marB="0" marR="68575" marL="68575" anchor="ctr">
+                    <a:lnL cap="flat" cmpd="sng" w="6350">
+                      <a:solidFill>
+                        <a:srgbClr val="000000"/>
+                      </a:solidFill>
+                      <a:prstDash val="solid"/>
+                      <a:round/>
+                      <a:headEnd len="sm" w="sm" type="none"/>
+                      <a:tailEnd len="sm" w="sm" type="none"/>
+                    </a:lnL>
+                    <a:lnR cap="flat" cmpd="sng" w="6350">
+                      <a:solidFill>
+                        <a:srgbClr val="000000"/>
+                      </a:solidFill>
+                      <a:prstDash val="solid"/>
+                      <a:round/>
+                      <a:headEnd len="sm" w="sm" type="none"/>
+                      <a:tailEnd len="sm" w="sm" type="none"/>
+                    </a:lnR>
+                    <a:lnT cap="flat" cmpd="sng" w="6350">
+                      <a:solidFill>
+                        <a:srgbClr val="000000"/>
+                      </a:solidFill>
+                      <a:prstDash val="solid"/>
+                      <a:round/>
+                      <a:headEnd len="sm" w="sm" type="none"/>
+                      <a:tailEnd len="sm" w="sm" type="none"/>
+                    </a:lnT>
+                    <a:lnB cap="flat" cmpd="sng" w="6350">
+                      <a:solidFill>
+                        <a:srgbClr val="000000"/>
+                      </a:solidFill>
+                      <a:prstDash val="solid"/>
+                      <a:round/>
+                      <a:headEnd len="sm" w="sm" type="none"/>
+                      <a:tailEnd len="sm" w="sm" type="none"/>
+                    </a:lnB>
+                  </a:tcPr>
+                </a:tc>
+                <a:tc>
+                  <a:txBody>
+                    <a:bodyPr/>
+                    <a:lstStyle/>
+                    <a:p>
+                      <a:pPr indent="0" lvl="0" marL="0" rtl="0" algn="l">
+                        <a:spcBef>
+                          <a:spcPts val="0"/>
+                        </a:spcBef>
+                        <a:spcAft>
+                          <a:spcPts val="0"/>
+                        </a:spcAft>
+                        <a:buNone/>
+                      </a:pPr>
+                      <a:r>
+                        <a:rPr i="1" lang="fr" sz="1000">
+                          <a:latin typeface="Poppins"/>
+                          <a:ea typeface="Poppins"/>
+                          <a:cs typeface="Poppins"/>
+                          <a:sym typeface="Poppins"/>
+                        </a:rPr>
+                        <a:t>Créer une commande Boutique</a:t>
+                      </a:r>
+                      <a:endParaRPr i="1" sz="1000">
+                        <a:latin typeface="Poppins"/>
+                        <a:ea typeface="Poppins"/>
+                        <a:cs typeface="Poppins"/>
+                        <a:sym typeface="Poppins"/>
+                      </a:endParaRPr>
+                    </a:p>
+                  </a:txBody>
+                  <a:tcPr marT="0" marB="0" marR="68575" marL="68575" anchor="ctr">
+                    <a:lnL cap="flat" cmpd="sng" w="6350">
+                      <a:solidFill>
+                        <a:srgbClr val="000000"/>
+                      </a:solidFill>
+                      <a:prstDash val="solid"/>
+                      <a:round/>
+                      <a:headEnd len="sm" w="sm" type="none"/>
+                      <a:tailEnd len="sm" w="sm" type="none"/>
+                    </a:lnL>
+                    <a:lnR cap="flat" cmpd="sng" w="6350">
+                      <a:solidFill>
+                        <a:srgbClr val="000000"/>
+                      </a:solidFill>
+                      <a:prstDash val="solid"/>
+                      <a:round/>
+                      <a:headEnd len="sm" w="sm" type="none"/>
+                      <a:tailEnd len="sm" w="sm" type="none"/>
+                    </a:lnR>
+                    <a:lnT cap="flat" cmpd="sng" w="6350">
+                      <a:solidFill>
+                        <a:srgbClr val="000000"/>
+                      </a:solidFill>
+                      <a:prstDash val="solid"/>
+                      <a:round/>
+                      <a:headEnd len="sm" w="sm" type="none"/>
+                      <a:tailEnd len="sm" w="sm" type="none"/>
+                    </a:lnT>
+                    <a:lnB cap="flat" cmpd="sng" w="6350">
+                      <a:solidFill>
+                        <a:srgbClr val="000000"/>
+                      </a:solidFill>
+                      <a:prstDash val="solid"/>
+                      <a:round/>
+                      <a:headEnd len="sm" w="sm" type="none"/>
+                      <a:tailEnd len="sm" w="sm" type="none"/>
+                    </a:lnB>
+                  </a:tcPr>
+                </a:tc>
+                <a:tc rowSpan="3">
+                  <a:txBody>
+                    <a:bodyPr/>
+                    <a:lstStyle/>
+                    <a:p>
+                      <a:pPr indent="0" lvl="0" marL="0" rtl="0" algn="l">
+                        <a:spcBef>
+                          <a:spcPts val="0"/>
+                        </a:spcBef>
+                        <a:spcAft>
+                          <a:spcPts val="0"/>
+                        </a:spcAft>
+                        <a:buNone/>
+                      </a:pPr>
+                      <a:r>
+                        <a:rPr i="1" lang="fr" sz="1000">
+                          <a:latin typeface="Poppins"/>
+                          <a:ea typeface="Poppins"/>
+                          <a:cs typeface="Poppins"/>
+                          <a:sym typeface="Poppins"/>
+                        </a:rPr>
+                        <a:t>Les fonctionnalités OP-Colis</a:t>
+                      </a:r>
+                      <a:endParaRPr i="1" sz="1000">
+                        <a:latin typeface="Poppins"/>
+                        <a:ea typeface="Poppins"/>
+                        <a:cs typeface="Poppins"/>
+                        <a:sym typeface="Poppins"/>
+                      </a:endParaRPr>
+                    </a:p>
+                  </a:txBody>
+                  <a:tcPr marT="0" marB="0" marR="68575" marL="68575" anchor="ctr">
+                    <a:lnL cap="flat" cmpd="sng" w="6350">
+                      <a:solidFill>
+                        <a:srgbClr val="000000"/>
+                      </a:solidFill>
+                      <a:prstDash val="solid"/>
+                      <a:round/>
+                      <a:headEnd len="sm" w="sm" type="none"/>
+                      <a:tailEnd len="sm" w="sm" type="none"/>
+                    </a:lnL>
+                    <a:lnR cap="flat" cmpd="sng" w="6350">
+                      <a:solidFill>
+                        <a:srgbClr val="000000"/>
+                      </a:solidFill>
+                      <a:prstDash val="solid"/>
+                      <a:round/>
+                      <a:headEnd len="sm" w="sm" type="none"/>
+                      <a:tailEnd len="sm" w="sm" type="none"/>
+                    </a:lnR>
+                    <a:lnT cap="flat" cmpd="sng" w="6350">
+                      <a:solidFill>
+                        <a:srgbClr val="000000"/>
+                      </a:solidFill>
+                      <a:prstDash val="solid"/>
+                      <a:round/>
+                      <a:headEnd len="sm" w="sm" type="none"/>
+                      <a:tailEnd len="sm" w="sm" type="none"/>
+                    </a:lnT>
+                    <a:lnB cap="flat" cmpd="sng" w="6350">
+                      <a:solidFill>
+                        <a:srgbClr val="000000"/>
+                      </a:solidFill>
+                      <a:prstDash val="solid"/>
+                      <a:round/>
+                      <a:headEnd len="sm" w="sm" type="none"/>
+                      <a:tailEnd len="sm" w="sm" type="none"/>
+                    </a:lnB>
+                  </a:tcPr>
+                </a:tc>
+              </a:tr>
+              <a:tr h="317500">
+                <a:tc>
+                  <a:txBody>
+                    <a:bodyPr/>
+                    <a:lstStyle/>
+                    <a:p>
+                      <a:pPr indent="0" lvl="0" marL="0" rtl="0" algn="l">
+                        <a:spcBef>
+                          <a:spcPts val="0"/>
+                        </a:spcBef>
+                        <a:spcAft>
+                          <a:spcPts val="0"/>
+                        </a:spcAft>
+                        <a:buNone/>
+                      </a:pPr>
+                      <a:r>
+                        <a:rPr i="1" lang="fr" sz="1000">
+                          <a:latin typeface="Poppins"/>
+                          <a:ea typeface="Poppins"/>
+                          <a:cs typeface="Poppins"/>
+                          <a:sym typeface="Poppins"/>
+                        </a:rPr>
+                        <a:t>Création du projet</a:t>
+                      </a:r>
+                      <a:endParaRPr i="1" sz="1000">
+                        <a:latin typeface="Poppins"/>
+                        <a:ea typeface="Poppins"/>
+                        <a:cs typeface="Poppins"/>
+                        <a:sym typeface="Poppins"/>
+                      </a:endParaRPr>
+                    </a:p>
+                  </a:txBody>
+                  <a:tcPr marT="0" marB="0" marR="68575" marL="68575" anchor="ctr">
+                    <a:lnL cap="flat" cmpd="sng" w="6350">
+                      <a:solidFill>
+                        <a:srgbClr val="000000"/>
+                      </a:solidFill>
+                      <a:prstDash val="solid"/>
+                      <a:round/>
+                      <a:headEnd len="sm" w="sm" type="none"/>
+                      <a:tailEnd len="sm" w="sm" type="none"/>
+                    </a:lnL>
+                    <a:lnR cap="flat" cmpd="sng" w="6350">
+                      <a:solidFill>
+                        <a:srgbClr val="000000"/>
+                      </a:solidFill>
+                      <a:prstDash val="solid"/>
+                      <a:round/>
+                      <a:headEnd len="sm" w="sm" type="none"/>
+                      <a:tailEnd len="sm" w="sm" type="none"/>
+                    </a:lnR>
+                    <a:lnT cap="flat" cmpd="sng" w="6350">
+                      <a:solidFill>
+                        <a:srgbClr val="000000"/>
+                      </a:solidFill>
+                      <a:prstDash val="solid"/>
+                      <a:round/>
+                      <a:headEnd len="sm" w="sm" type="none"/>
+                      <a:tailEnd len="sm" w="sm" type="none"/>
+                    </a:lnT>
+                    <a:lnB cap="flat" cmpd="sng" w="6350">
+                      <a:solidFill>
+                        <a:srgbClr val="000000"/>
+                      </a:solidFill>
+                      <a:prstDash val="solid"/>
+                      <a:round/>
+                      <a:headEnd len="sm" w="sm" type="none"/>
+                      <a:tailEnd len="sm" w="sm" type="none"/>
+                    </a:lnB>
+                  </a:tcPr>
+                </a:tc>
+                <a:tc>
+                  <a:txBody>
+                    <a:bodyPr/>
+                    <a:lstStyle/>
+                    <a:p>
+                      <a:pPr indent="0" lvl="0" marL="0" rtl="0" algn="l">
+                        <a:spcBef>
+                          <a:spcPts val="0"/>
+                        </a:spcBef>
+                        <a:spcAft>
+                          <a:spcPts val="0"/>
+                        </a:spcAft>
+                        <a:buNone/>
+                      </a:pPr>
+                      <a:r>
+                        <a:rPr i="1" lang="fr" sz="1000">
+                          <a:latin typeface="Poppins"/>
+                          <a:ea typeface="Poppins"/>
+                          <a:cs typeface="Poppins"/>
+                          <a:sym typeface="Poppins"/>
+                        </a:rPr>
+                        <a:t>Gestion des stocks (CRUD sans le delete et le create)</a:t>
+                      </a:r>
+                      <a:endParaRPr i="1" sz="1000">
+                        <a:latin typeface="Poppins"/>
+                        <a:ea typeface="Poppins"/>
+                        <a:cs typeface="Poppins"/>
+                        <a:sym typeface="Poppins"/>
+                      </a:endParaRPr>
+                    </a:p>
+                  </a:txBody>
+                  <a:tcPr marT="0" marB="0" marR="68575" marL="68575" anchor="ctr">
+                    <a:lnL cap="flat" cmpd="sng" w="6350">
+                      <a:solidFill>
+                        <a:srgbClr val="000000"/>
+                      </a:solidFill>
+                      <a:prstDash val="solid"/>
+                      <a:round/>
+                      <a:headEnd len="sm" w="sm" type="none"/>
+                      <a:tailEnd len="sm" w="sm" type="none"/>
+                    </a:lnL>
+                    <a:lnR cap="flat" cmpd="sng" w="6350">
+                      <a:solidFill>
+                        <a:srgbClr val="000000"/>
+                      </a:solidFill>
+                      <a:prstDash val="solid"/>
+                      <a:round/>
+                      <a:headEnd len="sm" w="sm" type="none"/>
+                      <a:tailEnd len="sm" w="sm" type="none"/>
+                    </a:lnR>
+                    <a:lnT cap="flat" cmpd="sng" w="6350">
+                      <a:solidFill>
+                        <a:srgbClr val="000000"/>
+                      </a:solidFill>
+                      <a:prstDash val="solid"/>
+                      <a:round/>
+                      <a:headEnd len="sm" w="sm" type="none"/>
+                      <a:tailEnd len="sm" w="sm" type="none"/>
+                    </a:lnT>
+                    <a:lnB cap="flat" cmpd="sng" w="6350">
+                      <a:solidFill>
+                        <a:srgbClr val="000000"/>
+                      </a:solidFill>
+                      <a:prstDash val="solid"/>
+                      <a:round/>
+                      <a:headEnd len="sm" w="sm" type="none"/>
+                      <a:tailEnd len="sm" w="sm" type="none"/>
+                    </a:lnB>
+                  </a:tcPr>
+                </a:tc>
+                <a:tc>
+                  <a:txBody>
+                    <a:bodyPr/>
+                    <a:lstStyle/>
+                    <a:p>
+                      <a:pPr indent="0" lvl="0" marL="0" rtl="0" algn="l">
+                        <a:spcBef>
+                          <a:spcPts val="0"/>
+                        </a:spcBef>
+                        <a:spcAft>
+                          <a:spcPts val="0"/>
+                        </a:spcAft>
+                        <a:buNone/>
+                      </a:pPr>
+                      <a:r>
+                        <a:rPr i="1" lang="fr" sz="1000">
+                          <a:latin typeface="Poppins"/>
+                          <a:ea typeface="Poppins"/>
+                          <a:cs typeface="Poppins"/>
+                          <a:sym typeface="Poppins"/>
+                        </a:rPr>
+                        <a:t>Lancer mise à jour stocks</a:t>
+                      </a:r>
+                      <a:endParaRPr i="1" sz="1000">
+                        <a:latin typeface="Poppins"/>
+                        <a:ea typeface="Poppins"/>
+                        <a:cs typeface="Poppins"/>
+                        <a:sym typeface="Poppins"/>
+                      </a:endParaRPr>
+                    </a:p>
+                  </a:txBody>
+                  <a:tcPr marT="0" marB="0" marR="68575" marL="68575" anchor="ctr">
+                    <a:lnL cap="flat" cmpd="sng" w="6350">
+                      <a:solidFill>
+                        <a:srgbClr val="000000"/>
+                      </a:solidFill>
+                      <a:prstDash val="solid"/>
+                      <a:round/>
+                      <a:headEnd len="sm" w="sm" type="none"/>
+                      <a:tailEnd len="sm" w="sm" type="none"/>
+                    </a:lnL>
+                    <a:lnR cap="flat" cmpd="sng" w="6350">
+                      <a:solidFill>
+                        <a:srgbClr val="000000"/>
+                      </a:solidFill>
+                      <a:prstDash val="solid"/>
+                      <a:round/>
+                      <a:headEnd len="sm" w="sm" type="none"/>
+                      <a:tailEnd len="sm" w="sm" type="none"/>
+                    </a:lnR>
+                    <a:lnT cap="flat" cmpd="sng" w="6350">
+                      <a:solidFill>
+                        <a:srgbClr val="000000"/>
+                      </a:solidFill>
+                      <a:prstDash val="solid"/>
+                      <a:round/>
+                      <a:headEnd len="sm" w="sm" type="none"/>
+                      <a:tailEnd len="sm" w="sm" type="none"/>
+                    </a:lnT>
+                    <a:lnB cap="flat" cmpd="sng" w="6350">
+                      <a:solidFill>
+                        <a:srgbClr val="000000"/>
+                      </a:solidFill>
+                      <a:prstDash val="solid"/>
+                      <a:round/>
+                      <a:headEnd len="sm" w="sm" type="none"/>
+                      <a:tailEnd len="sm" w="sm" type="none"/>
+                    </a:lnB>
+                  </a:tcPr>
+                </a:tc>
+                <a:tc>
+                  <a:txBody>
+                    <a:bodyPr/>
+                    <a:lstStyle/>
+                    <a:p>
+                      <a:pPr indent="0" lvl="0" marL="0" rtl="0" algn="l">
+                        <a:spcBef>
+                          <a:spcPts val="0"/>
+                        </a:spcBef>
+                        <a:spcAft>
+                          <a:spcPts val="0"/>
+                        </a:spcAft>
+                        <a:buNone/>
+                      </a:pPr>
+                      <a:r>
+                        <a:rPr i="1" lang="fr" sz="1000">
+                          <a:latin typeface="Poppins"/>
+                          <a:ea typeface="Poppins"/>
+                          <a:cs typeface="Poppins"/>
+                          <a:sym typeface="Poppins"/>
+                        </a:rPr>
+                        <a:t>Impression OP-Stock</a:t>
+                      </a:r>
+                      <a:endParaRPr i="1" sz="1000">
+                        <a:latin typeface="Poppins"/>
+                        <a:ea typeface="Poppins"/>
+                        <a:cs typeface="Poppins"/>
+                        <a:sym typeface="Poppins"/>
+                      </a:endParaRPr>
+                    </a:p>
+                  </a:txBody>
+                  <a:tcPr marT="0" marB="0" marR="68575" marL="68575" anchor="ctr">
+                    <a:lnL cap="flat" cmpd="sng" w="6350">
+                      <a:solidFill>
+                        <a:srgbClr val="000000"/>
+                      </a:solidFill>
+                      <a:prstDash val="solid"/>
+                      <a:round/>
+                      <a:headEnd len="sm" w="sm" type="none"/>
+                      <a:tailEnd len="sm" w="sm" type="none"/>
+                    </a:lnL>
+                    <a:lnR cap="flat" cmpd="sng" w="6350">
+                      <a:solidFill>
+                        <a:srgbClr val="000000"/>
+                      </a:solidFill>
+                      <a:prstDash val="solid"/>
+                      <a:round/>
+                      <a:headEnd len="sm" w="sm" type="none"/>
+                      <a:tailEnd len="sm" w="sm" type="none"/>
+                    </a:lnR>
+                    <a:lnT cap="flat" cmpd="sng" w="6350">
+                      <a:solidFill>
+                        <a:srgbClr val="000000"/>
+                      </a:solidFill>
+                      <a:prstDash val="solid"/>
+                      <a:round/>
+                      <a:headEnd len="sm" w="sm" type="none"/>
+                      <a:tailEnd len="sm" w="sm" type="none"/>
+                    </a:lnT>
+                    <a:lnB cap="flat" cmpd="sng" w="6350">
+                      <a:solidFill>
+                        <a:srgbClr val="000000"/>
+                      </a:solidFill>
+                      <a:prstDash val="solid"/>
+                      <a:round/>
+                      <a:headEnd len="sm" w="sm" type="none"/>
+                      <a:tailEnd len="sm" w="sm" type="none"/>
+                    </a:lnB>
+                  </a:tcPr>
+                </a:tc>
+                <a:tc vMerge="1"/>
+              </a:tr>
+              <a:tr h="317500">
+                <a:tc>
+                  <a:txBody>
+                    <a:bodyPr/>
+                    <a:lstStyle/>
+                    <a:p>
+                      <a:pPr indent="0" lvl="0" marL="0" rtl="0" algn="l">
+                        <a:spcBef>
+                          <a:spcPts val="0"/>
+                        </a:spcBef>
+                        <a:spcAft>
+                          <a:spcPts val="0"/>
+                        </a:spcAft>
+                        <a:buNone/>
+                      </a:pPr>
+                      <a:r>
+                        <a:rPr i="1" lang="fr" sz="1000">
+                          <a:latin typeface="Poppins"/>
+                          <a:ea typeface="Poppins"/>
+                          <a:cs typeface="Poppins"/>
+                          <a:sym typeface="Poppins"/>
+                        </a:rPr>
+                        <a:t>Installation des dépendances</a:t>
+                      </a:r>
+                      <a:endParaRPr i="1" sz="1000">
+                        <a:latin typeface="Poppins"/>
+                        <a:ea typeface="Poppins"/>
+                        <a:cs typeface="Poppins"/>
+                        <a:sym typeface="Poppins"/>
+                      </a:endParaRPr>
+                    </a:p>
+                  </a:txBody>
+                  <a:tcPr marT="0" marB="0" marR="68575" marL="68575" anchor="ctr">
+                    <a:lnL cap="flat" cmpd="sng" w="6350">
+                      <a:solidFill>
+                        <a:srgbClr val="000000"/>
+                      </a:solidFill>
+                      <a:prstDash val="solid"/>
+                      <a:round/>
+                      <a:headEnd len="sm" w="sm" type="none"/>
+                      <a:tailEnd len="sm" w="sm" type="none"/>
+                    </a:lnL>
+                    <a:lnR cap="flat" cmpd="sng" w="6350">
+                      <a:solidFill>
+                        <a:srgbClr val="000000"/>
+                      </a:solidFill>
+                      <a:prstDash val="solid"/>
+                      <a:round/>
+                      <a:headEnd len="sm" w="sm" type="none"/>
+                      <a:tailEnd len="sm" w="sm" type="none"/>
+                    </a:lnR>
+                    <a:lnT cap="flat" cmpd="sng" w="6350">
+                      <a:solidFill>
+                        <a:srgbClr val="000000"/>
+                      </a:solidFill>
+                      <a:prstDash val="solid"/>
+                      <a:round/>
+                      <a:headEnd len="sm" w="sm" type="none"/>
+                      <a:tailEnd len="sm" w="sm" type="none"/>
+                    </a:lnT>
+                    <a:lnB cap="flat" cmpd="sng" w="6350">
+                      <a:solidFill>
+                        <a:srgbClr val="000000"/>
+                      </a:solidFill>
+                      <a:prstDash val="solid"/>
+                      <a:round/>
+                      <a:headEnd len="sm" w="sm" type="none"/>
+                      <a:tailEnd len="sm" w="sm" type="none"/>
+                    </a:lnB>
+                  </a:tcPr>
+                </a:tc>
+                <a:tc>
+                  <a:txBody>
+                    <a:bodyPr/>
+                    <a:lstStyle/>
+                    <a:p>
+                      <a:pPr indent="0" lvl="0" marL="0" rtl="0" algn="l">
+                        <a:spcBef>
+                          <a:spcPts val="0"/>
+                        </a:spcBef>
+                        <a:spcAft>
+                          <a:spcPts val="0"/>
+                        </a:spcAft>
+                        <a:buNone/>
+                      </a:pPr>
+                      <a:r>
+                        <a:rPr i="1" lang="fr" sz="1000">
+                          <a:latin typeface="Poppins"/>
+                          <a:ea typeface="Poppins"/>
+                          <a:cs typeface="Poppins"/>
+                          <a:sym typeface="Poppins"/>
+                        </a:rPr>
+                        <a:t>Gestion utilisateur (CRUD)</a:t>
+                      </a:r>
+                      <a:endParaRPr i="1" sz="1000">
+                        <a:latin typeface="Poppins"/>
+                        <a:ea typeface="Poppins"/>
+                        <a:cs typeface="Poppins"/>
+                        <a:sym typeface="Poppins"/>
+                      </a:endParaRPr>
+                    </a:p>
+                  </a:txBody>
+                  <a:tcPr marT="0" marB="0" marR="68575" marL="68575" anchor="ctr">
+                    <a:lnL cap="flat" cmpd="sng" w="6350">
+                      <a:solidFill>
+                        <a:srgbClr val="000000"/>
+                      </a:solidFill>
+                      <a:prstDash val="solid"/>
+                      <a:round/>
+                      <a:headEnd len="sm" w="sm" type="none"/>
+                      <a:tailEnd len="sm" w="sm" type="none"/>
+                    </a:lnL>
+                    <a:lnR cap="flat" cmpd="sng" w="6350">
+                      <a:solidFill>
+                        <a:srgbClr val="000000"/>
+                      </a:solidFill>
+                      <a:prstDash val="solid"/>
+                      <a:round/>
+                      <a:headEnd len="sm" w="sm" type="none"/>
+                      <a:tailEnd len="sm" w="sm" type="none"/>
+                    </a:lnR>
+                    <a:lnT cap="flat" cmpd="sng" w="6350">
+                      <a:solidFill>
+                        <a:srgbClr val="000000"/>
+                      </a:solidFill>
+                      <a:prstDash val="solid"/>
+                      <a:round/>
+                      <a:headEnd len="sm" w="sm" type="none"/>
+                      <a:tailEnd len="sm" w="sm" type="none"/>
+                    </a:lnT>
+                    <a:lnB cap="flat" cmpd="sng" w="6350">
+                      <a:solidFill>
+                        <a:srgbClr val="000000"/>
+                      </a:solidFill>
+                      <a:prstDash val="solid"/>
+                      <a:round/>
+                      <a:headEnd len="sm" w="sm" type="none"/>
+                      <a:tailEnd len="sm" w="sm" type="none"/>
+                    </a:lnB>
+                  </a:tcPr>
+                </a:tc>
+                <a:tc>
+                  <a:txBody>
+                    <a:bodyPr/>
+                    <a:lstStyle/>
+                    <a:p>
+                      <a:pPr indent="0" lvl="0" marL="0" rtl="0" algn="l">
+                        <a:spcBef>
+                          <a:spcPts val="0"/>
+                        </a:spcBef>
+                        <a:spcAft>
+                          <a:spcPts val="0"/>
+                        </a:spcAft>
+                        <a:buNone/>
+                      </a:pPr>
+                      <a:r>
+                        <a:t/>
+                      </a:r>
+                      <a:endParaRPr i="1" sz="1000">
+                        <a:latin typeface="Poppins"/>
+                        <a:ea typeface="Poppins"/>
+                        <a:cs typeface="Poppins"/>
+                        <a:sym typeface="Poppins"/>
+                      </a:endParaRPr>
+                    </a:p>
+                  </a:txBody>
+                  <a:tcPr marT="0" marB="0" marR="68575" marL="68575" anchor="ctr">
+                    <a:lnL cap="flat" cmpd="sng" w="6350">
+                      <a:solidFill>
+                        <a:srgbClr val="000000"/>
+                      </a:solidFill>
+                      <a:prstDash val="solid"/>
+                      <a:round/>
+                      <a:headEnd len="sm" w="sm" type="none"/>
+                      <a:tailEnd len="sm" w="sm" type="none"/>
+                    </a:lnL>
+                    <a:lnR cap="flat" cmpd="sng" w="6350">
+                      <a:solidFill>
+                        <a:srgbClr val="000000"/>
+                      </a:solidFill>
+                      <a:prstDash val="solid"/>
+                      <a:round/>
+                      <a:headEnd len="sm" w="sm" type="none"/>
+                      <a:tailEnd len="sm" w="sm" type="none"/>
+                    </a:lnR>
+                    <a:lnT cap="flat" cmpd="sng" w="6350">
+                      <a:solidFill>
+                        <a:srgbClr val="000000"/>
+                      </a:solidFill>
+                      <a:prstDash val="solid"/>
+                      <a:round/>
+                      <a:headEnd len="sm" w="sm" type="none"/>
+                      <a:tailEnd len="sm" w="sm" type="none"/>
+                    </a:lnT>
+                    <a:lnB cap="flat" cmpd="sng" w="6350">
+                      <a:solidFill>
+                        <a:srgbClr val="000000"/>
+                      </a:solidFill>
+                      <a:prstDash val="solid"/>
+                      <a:round/>
+                      <a:headEnd len="sm" w="sm" type="none"/>
+                      <a:tailEnd len="sm" w="sm" type="none"/>
+                    </a:lnB>
+                  </a:tcPr>
+                </a:tc>
+                <a:tc>
+                  <a:txBody>
+                    <a:bodyPr/>
+                    <a:lstStyle/>
+                    <a:p>
+                      <a:pPr indent="0" lvl="0" marL="0" rtl="0" algn="l">
+                        <a:spcBef>
+                          <a:spcPts val="0"/>
+                        </a:spcBef>
+                        <a:spcAft>
+                          <a:spcPts val="0"/>
+                        </a:spcAft>
+                        <a:buNone/>
+                      </a:pPr>
+                      <a:r>
+                        <a:rPr i="1" lang="fr" sz="1000">
+                          <a:latin typeface="Poppins"/>
+                          <a:ea typeface="Poppins"/>
+                          <a:cs typeface="Poppins"/>
+                          <a:sym typeface="Poppins"/>
+                        </a:rPr>
+                        <a:t>Impression Admin</a:t>
+                      </a:r>
+                      <a:endParaRPr i="1" sz="1000">
+                        <a:latin typeface="Poppins"/>
+                        <a:ea typeface="Poppins"/>
+                        <a:cs typeface="Poppins"/>
+                        <a:sym typeface="Poppins"/>
+                      </a:endParaRPr>
+                    </a:p>
+                  </a:txBody>
+                  <a:tcPr marT="0" marB="0" marR="68575" marL="68575" anchor="ctr">
+                    <a:lnL cap="flat" cmpd="sng" w="6350">
+                      <a:solidFill>
+                        <a:srgbClr val="000000"/>
+                      </a:solidFill>
+                      <a:prstDash val="solid"/>
+                      <a:round/>
+                      <a:headEnd len="sm" w="sm" type="none"/>
+                      <a:tailEnd len="sm" w="sm" type="none"/>
+                    </a:lnL>
+                    <a:lnR cap="flat" cmpd="sng" w="6350">
+                      <a:solidFill>
+                        <a:srgbClr val="000000"/>
+                      </a:solidFill>
+                      <a:prstDash val="solid"/>
+                      <a:round/>
+                      <a:headEnd len="sm" w="sm" type="none"/>
+                      <a:tailEnd len="sm" w="sm" type="none"/>
+                    </a:lnR>
+                    <a:lnT cap="flat" cmpd="sng" w="6350">
+                      <a:solidFill>
+                        <a:srgbClr val="000000"/>
+                      </a:solidFill>
+                      <a:prstDash val="solid"/>
+                      <a:round/>
+                      <a:headEnd len="sm" w="sm" type="none"/>
+                      <a:tailEnd len="sm" w="sm" type="none"/>
+                    </a:lnT>
+                    <a:lnB cap="flat" cmpd="sng" w="6350">
+                      <a:solidFill>
+                        <a:srgbClr val="000000"/>
+                      </a:solidFill>
+                      <a:prstDash val="solid"/>
+                      <a:round/>
+                      <a:headEnd len="sm" w="sm" type="none"/>
+                      <a:tailEnd len="sm" w="sm" type="none"/>
+                    </a:lnB>
+                  </a:tcPr>
+                </a:tc>
+                <a:tc vMerge="1"/>
+              </a:tr>
+            </a:tbl>
+          </a:graphicData>
+        </a:graphic>
+      </p:graphicFrame>
+    </p:spTree>
+  </p:cSld>
+  <p:clrMapOvr>
+    <a:masterClrMapping/>
+  </p:clrMapOvr>
+</p:sld>
+</file>
+
+<file path=ppt/slides/slide7.xml><?xml version="1.0" encoding="utf-8"?>
+<p:sld xmlns:a="http://schemas.openxmlformats.org/drawingml/2006/main" xmlns:r="http://schemas.openxmlformats.org/officeDocument/2006/relationships" xmlns:mc="http://schemas.openxmlformats.org/markup-compatibility/2006" xmlns:mv="urn:schemas-microsoft-com:mac:vml" xmlns:p="http://schemas.openxmlformats.org/presentationml/2006/main" xmlns:c="http://schemas.openxmlformats.org/drawingml/2006/chart" xmlns:dgm="http://schemas.openxmlformats.org/drawingml/2006/diagram" xmlns:o="urn:schemas-microsoft-com:office:office" xmlns:v="urn:schemas-microsoft-com:vml" xmlns:pvml="urn:schemas-microsoft-com:office:powerpoint" xmlns:com="http://schemas.openxmlformats.org/drawingml/2006/compatibility" xmlns:p14="http://schemas.microsoft.com/office/powerpoint/2010/main" xmlns:p15="http://schemas.microsoft.com/office/powerpoint/2012/main" xmlns:ahyp="http://schemas.microsoft.com/office/drawing/2018/hyperlinkcolor">
+  <p:cSld>
+    <p:spTree>
+      <p:nvGrpSpPr>
+        <p:cNvPr id="168" name="Shape 168"/>
+        <p:cNvGrpSpPr/>
+        <p:nvPr/>
+      </p:nvGrpSpPr>
+      <p:grpSpPr>
+        <a:xfrm>
+          <a:off x="0" y="0"/>
+          <a:ext cx="0" cy="0"/>
+          <a:chOff x="0" y="0"/>
+          <a:chExt cx="0" cy="0"/>
+        </a:xfrm>
+      </p:grpSpPr>
+      <p:sp>
+        <p:nvSpPr>
+          <p:cNvPr id="169" name="Google Shape;169;p19"/>
+          <p:cNvSpPr txBox="1"/>
+          <p:nvPr>
+            <p:ph type="title"/>
+          </p:nvPr>
+        </p:nvSpPr>
+        <p:spPr>
+          <a:xfrm>
+            <a:off x="819150" y="845600"/>
+            <a:ext cx="7505700" cy="954600"/>
+          </a:xfrm>
+          <a:prstGeom prst="rect">
+            <a:avLst/>
+          </a:prstGeom>
+        </p:spPr>
+        <p:txBody>
+          <a:bodyPr anchorCtr="0" anchor="t" bIns="91425" lIns="91425" spcFirstLastPara="1" rIns="91425" wrap="square" tIns="91425">
+            <a:normAutofit/>
+          </a:bodyPr>
+          <a:lstStyle/>
+          <a:p>
+            <a:pPr indent="0" lvl="0" marL="0" rtl="0" algn="ctr">
+              <a:spcBef>
+                <a:spcPts val="0"/>
+              </a:spcBef>
+              <a:spcAft>
+                <a:spcPts val="0"/>
+              </a:spcAft>
+              <a:buNone/>
+            </a:pPr>
+            <a:r>
+              <a:rPr lang="fr"/>
+              <a:t>Le budget</a:t>
+            </a:r>
+            <a:endParaRPr/>
+          </a:p>
+        </p:txBody>
+      </p:sp>
+      <p:pic>
+        <p:nvPicPr>
+          <p:cNvPr id="170" name="Google Shape;170;p19"/>
+          <p:cNvPicPr preferRelativeResize="0"/>
+          <p:nvPr/>
+        </p:nvPicPr>
+        <p:blipFill>
+          <a:blip r:embed="rId3">
+            <a:alphaModFix/>
+          </a:blip>
+          <a:stretch>
+            <a:fillRect/>
+          </a:stretch>
+        </p:blipFill>
+        <p:spPr>
+          <a:xfrm>
+            <a:off x="476425" y="1588650"/>
+            <a:ext cx="8191150" cy="2863699"/>
+          </a:xfrm>
+          <a:prstGeom prst="rect">
+            <a:avLst/>
+          </a:prstGeom>
+          <a:noFill/>
+          <a:ln>
+            <a:noFill/>
+          </a:ln>
+        </p:spPr>
+      </p:pic>
+    </p:spTree>
+  </p:cSld>
+  <p:clrMapOvr>
+    <a:masterClrMapping/>
+  </p:clrMapOvr>
+</p:sld>
+</file>
+
+<file path=ppt/slides/slide8.xml><?xml version="1.0" encoding="utf-8"?>
+<p:sld xmlns:a="http://schemas.openxmlformats.org/drawingml/2006/main" xmlns:r="http://schemas.openxmlformats.org/officeDocument/2006/relationships" xmlns:mc="http://schemas.openxmlformats.org/markup-compatibility/2006" xmlns:mv="urn:schemas-microsoft-com:mac:vml" xmlns:p="http://schemas.openxmlformats.org/presentationml/2006/main" xmlns:c="http://schemas.openxmlformats.org/drawingml/2006/chart" xmlns:dgm="http://schemas.openxmlformats.org/drawingml/2006/diagram" xmlns:o="urn:schemas-microsoft-com:office:office" xmlns:v="urn:schemas-microsoft-com:vml" xmlns:pvml="urn:schemas-microsoft-com:office:powerpoint" xmlns:com="http://schemas.openxmlformats.org/drawingml/2006/compatibility" xmlns:p14="http://schemas.microsoft.com/office/powerpoint/2010/main" xmlns:p15="http://schemas.microsoft.com/office/powerpoint/2012/main" xmlns:ahyp="http://schemas.microsoft.com/office/drawing/2018/hyperlinkcolor">
+  <p:cSld>
+    <p:spTree>
+      <p:nvGrpSpPr>
+        <p:cNvPr id="174" name="Shape 174"/>
+        <p:cNvGrpSpPr/>
+        <p:nvPr/>
+      </p:nvGrpSpPr>
+      <p:grpSpPr>
+        <a:xfrm>
+          <a:off x="0" y="0"/>
+          <a:ext cx="0" cy="0"/>
+          <a:chOff x="0" y="0"/>
+          <a:chExt cx="0" cy="0"/>
+        </a:xfrm>
+      </p:grpSpPr>
+      <p:sp>
+        <p:nvSpPr>
+          <p:cNvPr id="175" name="Google Shape;175;p20"/>
+          <p:cNvSpPr txBox="1"/>
+          <p:nvPr>
+            <p:ph type="title"/>
+          </p:nvPr>
+        </p:nvSpPr>
+        <p:spPr>
+          <a:xfrm>
+            <a:off x="819150" y="845600"/>
+            <a:ext cx="7505700" cy="954600"/>
+          </a:xfrm>
+          <a:prstGeom prst="rect">
+            <a:avLst/>
+          </a:prstGeom>
+        </p:spPr>
+        <p:txBody>
+          <a:bodyPr anchorCtr="0" anchor="t" bIns="91425" lIns="91425" spcFirstLastPara="1" rIns="91425" wrap="square" tIns="91425">
+            <a:normAutofit/>
+          </a:bodyPr>
+          <a:lstStyle/>
+          <a:p>
+            <a:pPr indent="0" lvl="0" marL="0" rtl="0" algn="ctr">
+              <a:spcBef>
+                <a:spcPts val="0"/>
+              </a:spcBef>
+              <a:spcAft>
+                <a:spcPts val="0"/>
+              </a:spcAft>
+              <a:buNone/>
+            </a:pPr>
+            <a:r>
+              <a:rPr lang="fr"/>
               <a:t>Les risques</a:t>
             </a:r>
             <a:endParaRPr/>
@@ -16130,7 +18353,7 @@
       </p:sp>
       <p:pic>
         <p:nvPicPr>
-          <p:cNvPr id="164" name="Google Shape;164;p18">
+          <p:cNvPr id="176" name="Google Shape;176;p20">
             <a:hlinkClick action="ppaction://hlinksldjump" r:id="rId3"/>
           </p:cNvPr>
           <p:cNvPicPr preferRelativeResize="0"/>
@@ -16160,7 +18383,7 @@
       </p:pic>
       <p:graphicFrame>
         <p:nvGraphicFramePr>
-          <p:cNvPr id="165" name="Google Shape;165;p18"/>
+          <p:cNvPr id="177" name="Google Shape;177;p20"/>
           <p:cNvGraphicFramePr/>
           <p:nvPr/>
         </p:nvGraphicFramePr>
@@ -16173,7 +18396,7 @@
             <a:tbl>
               <a:tblPr>
                 <a:noFill/>
-                <a:tableStyleId>{79517198-DD70-45EE-AA33-7F18A9290EB5}</a:tableStyleId>
+                <a:tableStyleId>{C747C958-D166-42DE-B78B-103D2A1FD8C1}</a:tableStyleId>
               </a:tblPr>
               <a:tblGrid>
                 <a:gridCol w="257175"/>
@@ -17733,7 +19956,7 @@
                           <a:cs typeface="Poppins"/>
                           <a:sym typeface="Poppins"/>
                         </a:rPr>
-                        <a:t>Manque d'une partie des fonctionnalité lors de la livraison final</a:t>
+                        <a:t>Manque d'une partie des fonctionnalité lors de la livraison finale</a:t>
                       </a:r>
                       <a:endParaRPr sz="700">
                         <a:latin typeface="Poppins"/>
@@ -18150,12 +20373,12 @@
 </p:sld>
 </file>
 
-<file path=ppt/slides/slide7.xml><?xml version="1.0" encoding="utf-8"?>
+<file path=ppt/slides/slide9.xml><?xml version="1.0" encoding="utf-8"?>
 <p:sld xmlns:a="http://schemas.openxmlformats.org/drawingml/2006/main" xmlns:r="http://schemas.openxmlformats.org/officeDocument/2006/relationships" xmlns:mc="http://schemas.openxmlformats.org/markup-compatibility/2006" xmlns:mv="urn:schemas-microsoft-com:mac:vml" xmlns:p="http://schemas.openxmlformats.org/presentationml/2006/main" xmlns:c="http://schemas.openxmlformats.org/drawingml/2006/chart" xmlns:dgm="http://schemas.openxmlformats.org/drawingml/2006/diagram" xmlns:o="urn:schemas-microsoft-com:office:office" xmlns:v="urn:schemas-microsoft-com:vml" xmlns:pvml="urn:schemas-microsoft-com:office:powerpoint" xmlns:com="http://schemas.openxmlformats.org/drawingml/2006/compatibility" xmlns:p14="http://schemas.microsoft.com/office/powerpoint/2010/main" xmlns:p15="http://schemas.microsoft.com/office/powerpoint/2012/main" xmlns:ahyp="http://schemas.microsoft.com/office/drawing/2018/hyperlinkcolor">
   <p:cSld>
     <p:spTree>
       <p:nvGrpSpPr>
-        <p:cNvPr id="169" name="Shape 169"/>
+        <p:cNvPr id="181" name="Shape 181"/>
         <p:cNvGrpSpPr/>
         <p:nvPr/>
       </p:nvGrpSpPr>
@@ -18169,7 +20392,7 @@
       </p:grpSpPr>
       <p:sp>
         <p:nvSpPr>
-          <p:cNvPr id="170" name="Google Shape;170;p19"/>
+          <p:cNvPr id="182" name="Google Shape;182;p21"/>
           <p:cNvSpPr txBox="1"/>
           <p:nvPr>
             <p:ph type="title"/>
@@ -18201,7 +20424,7 @@
             </a:pPr>
             <a:r>
               <a:rPr lang="fr"/>
-              <a:t>Les détails techniques</a:t>
+              <a:t>Les détails technique</a:t>
             </a:r>
             <a:endParaRPr/>
           </a:p>
@@ -18209,7 +20432,7 @@
       </p:sp>
       <p:pic>
         <p:nvPicPr>
-          <p:cNvPr id="171" name="Google Shape;171;p19">
+          <p:cNvPr id="183" name="Google Shape;183;p21">
             <a:hlinkClick action="ppaction://hlinksldjump" r:id="rId3"/>
           </p:cNvPr>
           <p:cNvPicPr preferRelativeResize="0"/>
@@ -18239,7 +20462,7 @@
       </p:pic>
       <p:pic>
         <p:nvPicPr>
-          <p:cNvPr id="172" name="Google Shape;172;p19">
+          <p:cNvPr id="184" name="Google Shape;184;p21">
             <a:hlinkClick r:id="rId5"/>
           </p:cNvPr>
           <p:cNvPicPr preferRelativeResize="0"/>
@@ -18269,7 +20492,7 @@
       </p:pic>
       <p:pic>
         <p:nvPicPr>
-          <p:cNvPr id="173" name="Google Shape;173;p19">
+          <p:cNvPr id="185" name="Google Shape;185;p21">
             <a:hlinkClick action="ppaction://hlinksldjump" r:id="rId7"/>
           </p:cNvPr>
           <p:cNvPicPr preferRelativeResize="0"/>
@@ -18287,347 +20510,6 @@
           <a:xfrm>
             <a:off x="8051925" y="208100"/>
             <a:ext cx="376725" cy="376725"/>
-          </a:xfrm>
-          <a:prstGeom prst="rect">
-            <a:avLst/>
-          </a:prstGeom>
-          <a:noFill/>
-          <a:ln>
-            <a:noFill/>
-          </a:ln>
-        </p:spPr>
-      </p:pic>
-    </p:spTree>
-  </p:cSld>
-  <p:clrMapOvr>
-    <a:masterClrMapping/>
-  </p:clrMapOvr>
-</p:sld>
-</file>
-
-<file path=ppt/slides/slide8.xml><?xml version="1.0" encoding="utf-8"?>
-<p:sld xmlns:a="http://schemas.openxmlformats.org/drawingml/2006/main" xmlns:r="http://schemas.openxmlformats.org/officeDocument/2006/relationships" xmlns:mc="http://schemas.openxmlformats.org/markup-compatibility/2006" xmlns:mv="urn:schemas-microsoft-com:mac:vml" xmlns:p="http://schemas.openxmlformats.org/presentationml/2006/main" xmlns:c="http://schemas.openxmlformats.org/drawingml/2006/chart" xmlns:dgm="http://schemas.openxmlformats.org/drawingml/2006/diagram" xmlns:o="urn:schemas-microsoft-com:office:office" xmlns:v="urn:schemas-microsoft-com:vml" xmlns:pvml="urn:schemas-microsoft-com:office:powerpoint" xmlns:com="http://schemas.openxmlformats.org/drawingml/2006/compatibility" xmlns:p14="http://schemas.microsoft.com/office/powerpoint/2010/main" xmlns:p15="http://schemas.microsoft.com/office/powerpoint/2012/main" xmlns:ahyp="http://schemas.microsoft.com/office/drawing/2018/hyperlinkcolor">
-  <p:cSld>
-    <p:spTree>
-      <p:nvGrpSpPr>
-        <p:cNvPr id="177" name="Shape 177"/>
-        <p:cNvGrpSpPr/>
-        <p:nvPr/>
-      </p:nvGrpSpPr>
-      <p:grpSpPr>
-        <a:xfrm>
-          <a:off x="0" y="0"/>
-          <a:ext cx="0" cy="0"/>
-          <a:chOff x="0" y="0"/>
-          <a:chExt cx="0" cy="0"/>
-        </a:xfrm>
-      </p:grpSpPr>
-      <p:sp>
-        <p:nvSpPr>
-          <p:cNvPr id="178" name="Google Shape;178;p20"/>
-          <p:cNvSpPr txBox="1"/>
-          <p:nvPr>
-            <p:ph type="title"/>
-          </p:nvPr>
-        </p:nvSpPr>
-        <p:spPr>
-          <a:xfrm>
-            <a:off x="819150" y="845600"/>
-            <a:ext cx="7505700" cy="954600"/>
-          </a:xfrm>
-          <a:prstGeom prst="rect">
-            <a:avLst/>
-          </a:prstGeom>
-        </p:spPr>
-        <p:txBody>
-          <a:bodyPr anchorCtr="0" anchor="t" bIns="91425" lIns="91425" spcFirstLastPara="1" rIns="91425" wrap="square" tIns="91425">
-            <a:normAutofit/>
-          </a:bodyPr>
-          <a:lstStyle/>
-          <a:p>
-            <a:pPr indent="0" lvl="0" marL="0" rtl="0" algn="ctr">
-              <a:spcBef>
-                <a:spcPts val="0"/>
-              </a:spcBef>
-              <a:spcAft>
-                <a:spcPts val="0"/>
-              </a:spcAft>
-              <a:buNone/>
-            </a:pPr>
-            <a:r>
-              <a:rPr lang="fr"/>
-              <a:t>Les architectures</a:t>
-            </a:r>
-            <a:endParaRPr/>
-          </a:p>
-        </p:txBody>
-      </p:sp>
-      <p:pic>
-        <p:nvPicPr>
-          <p:cNvPr id="179" name="Google Shape;179;p20"/>
-          <p:cNvPicPr preferRelativeResize="0"/>
-          <p:nvPr/>
-        </p:nvPicPr>
-        <p:blipFill rotWithShape="1">
-          <a:blip r:embed="rId3">
-            <a:alphaModFix/>
-          </a:blip>
-          <a:srcRect b="1559" l="0" r="0" t="1559"/>
-          <a:stretch/>
-        </p:blipFill>
-        <p:spPr>
-          <a:xfrm>
-            <a:off x="614663" y="2429046"/>
-            <a:ext cx="4095075" cy="1571350"/>
-          </a:xfrm>
-          <a:prstGeom prst="rect">
-            <a:avLst/>
-          </a:prstGeom>
-          <a:noFill/>
-          <a:ln>
-            <a:noFill/>
-          </a:ln>
-        </p:spPr>
-      </p:pic>
-      <p:pic>
-        <p:nvPicPr>
-          <p:cNvPr id="180" name="Google Shape;180;p20"/>
-          <p:cNvPicPr preferRelativeResize="0"/>
-          <p:nvPr/>
-        </p:nvPicPr>
-        <p:blipFill rotWithShape="1">
-          <a:blip r:embed="rId4">
-            <a:alphaModFix/>
-          </a:blip>
-          <a:srcRect b="10506" l="0" r="3938" t="0"/>
-          <a:stretch/>
-        </p:blipFill>
-        <p:spPr>
-          <a:xfrm>
-            <a:off x="5068075" y="1800200"/>
-            <a:ext cx="1119550" cy="1142948"/>
-          </a:xfrm>
-          <a:prstGeom prst="rect">
-            <a:avLst/>
-          </a:prstGeom>
-          <a:noFill/>
-          <a:ln>
-            <a:noFill/>
-          </a:ln>
-        </p:spPr>
-      </p:pic>
-      <p:pic>
-        <p:nvPicPr>
-          <p:cNvPr id="181" name="Google Shape;181;p20"/>
-          <p:cNvPicPr preferRelativeResize="0"/>
-          <p:nvPr/>
-        </p:nvPicPr>
-        <p:blipFill>
-          <a:blip r:embed="rId5">
-            <a:alphaModFix/>
-          </a:blip>
-          <a:stretch>
-            <a:fillRect/>
-          </a:stretch>
-        </p:blipFill>
-        <p:spPr>
-          <a:xfrm>
-            <a:off x="6597666" y="1733112"/>
-            <a:ext cx="2128534" cy="1277125"/>
-          </a:xfrm>
-          <a:prstGeom prst="rect">
-            <a:avLst/>
-          </a:prstGeom>
-          <a:noFill/>
-          <a:ln>
-            <a:noFill/>
-          </a:ln>
-        </p:spPr>
-      </p:pic>
-      <p:pic>
-        <p:nvPicPr>
-          <p:cNvPr id="182" name="Google Shape;182;p20"/>
-          <p:cNvPicPr preferRelativeResize="0"/>
-          <p:nvPr/>
-        </p:nvPicPr>
-        <p:blipFill>
-          <a:blip r:embed="rId6">
-            <a:alphaModFix/>
-          </a:blip>
-          <a:stretch>
-            <a:fillRect/>
-          </a:stretch>
-        </p:blipFill>
-        <p:spPr>
-          <a:xfrm>
-            <a:off x="5738079" y="3342575"/>
-            <a:ext cx="2467950" cy="1277150"/>
-          </a:xfrm>
-          <a:prstGeom prst="rect">
-            <a:avLst/>
-          </a:prstGeom>
-          <a:noFill/>
-          <a:ln>
-            <a:noFill/>
-          </a:ln>
-        </p:spPr>
-      </p:pic>
-    </p:spTree>
-  </p:cSld>
-  <p:clrMapOvr>
-    <a:masterClrMapping/>
-  </p:clrMapOvr>
-</p:sld>
-</file>
-
-<file path=ppt/slides/slide9.xml><?xml version="1.0" encoding="utf-8"?>
-<p:sld xmlns:a="http://schemas.openxmlformats.org/drawingml/2006/main" xmlns:r="http://schemas.openxmlformats.org/officeDocument/2006/relationships" xmlns:mc="http://schemas.openxmlformats.org/markup-compatibility/2006" xmlns:mv="urn:schemas-microsoft-com:mac:vml" xmlns:p="http://schemas.openxmlformats.org/presentationml/2006/main" xmlns:c="http://schemas.openxmlformats.org/drawingml/2006/chart" xmlns:dgm="http://schemas.openxmlformats.org/drawingml/2006/diagram" xmlns:o="urn:schemas-microsoft-com:office:office" xmlns:v="urn:schemas-microsoft-com:vml" xmlns:pvml="urn:schemas-microsoft-com:office:powerpoint" xmlns:com="http://schemas.openxmlformats.org/drawingml/2006/compatibility" xmlns:p14="http://schemas.microsoft.com/office/powerpoint/2010/main" xmlns:p15="http://schemas.microsoft.com/office/powerpoint/2012/main" xmlns:ahyp="http://schemas.microsoft.com/office/drawing/2018/hyperlinkcolor">
-  <p:cSld>
-    <p:spTree>
-      <p:nvGrpSpPr>
-        <p:cNvPr id="186" name="Shape 186"/>
-        <p:cNvGrpSpPr/>
-        <p:nvPr/>
-      </p:nvGrpSpPr>
-      <p:grpSpPr>
-        <a:xfrm>
-          <a:off x="0" y="0"/>
-          <a:ext cx="0" cy="0"/>
-          <a:chOff x="0" y="0"/>
-          <a:chExt cx="0" cy="0"/>
-        </a:xfrm>
-      </p:grpSpPr>
-      <p:sp>
-        <p:nvSpPr>
-          <p:cNvPr id="187" name="Google Shape;187;p21"/>
-          <p:cNvSpPr txBox="1"/>
-          <p:nvPr>
-            <p:ph type="title"/>
-          </p:nvPr>
-        </p:nvSpPr>
-        <p:spPr>
-          <a:xfrm>
-            <a:off x="819150" y="845600"/>
-            <a:ext cx="7505700" cy="954600"/>
-          </a:xfrm>
-          <a:prstGeom prst="rect">
-            <a:avLst/>
-          </a:prstGeom>
-        </p:spPr>
-        <p:txBody>
-          <a:bodyPr anchorCtr="0" anchor="t" bIns="91425" lIns="91425" spcFirstLastPara="1" rIns="91425" wrap="square" tIns="91425">
-            <a:normAutofit/>
-          </a:bodyPr>
-          <a:lstStyle/>
-          <a:p>
-            <a:pPr indent="0" lvl="0" marL="0" rtl="0" algn="ctr">
-              <a:spcBef>
-                <a:spcPts val="0"/>
-              </a:spcBef>
-              <a:spcAft>
-                <a:spcPts val="0"/>
-              </a:spcAft>
-              <a:buNone/>
-            </a:pPr>
-            <a:r>
-              <a:rPr lang="fr"/>
-              <a:t>Les diagrammes</a:t>
-            </a:r>
-            <a:endParaRPr/>
-          </a:p>
-        </p:txBody>
-      </p:sp>
-      <p:sp>
-        <p:nvSpPr>
-          <p:cNvPr id="188" name="Google Shape;188;p21"/>
-          <p:cNvSpPr txBox="1"/>
-          <p:nvPr>
-            <p:ph idx="1" type="body"/>
-          </p:nvPr>
-        </p:nvSpPr>
-        <p:spPr>
-          <a:xfrm>
-            <a:off x="1184300" y="2288100"/>
-            <a:ext cx="2521500" cy="1623300"/>
-          </a:xfrm>
-          <a:prstGeom prst="rect">
-            <a:avLst/>
-          </a:prstGeom>
-        </p:spPr>
-        <p:txBody>
-          <a:bodyPr anchorCtr="0" anchor="t" bIns="91425" lIns="91425" spcFirstLastPara="1" rIns="91425" wrap="square" tIns="91425">
-            <a:normAutofit/>
-          </a:bodyPr>
-          <a:lstStyle/>
-          <a:p>
-            <a:pPr indent="-336550" lvl="0" marL="457200" rtl="0" algn="l">
-              <a:spcBef>
-                <a:spcPts val="0"/>
-              </a:spcBef>
-              <a:spcAft>
-                <a:spcPts val="0"/>
-              </a:spcAft>
-              <a:buSzPts val="1700"/>
-              <a:buChar char="●"/>
-            </a:pPr>
-            <a:r>
-              <a:rPr lang="fr" sz="1700"/>
-              <a:t>Use Case Diagram</a:t>
-            </a:r>
-            <a:endParaRPr sz="1700"/>
-          </a:p>
-          <a:p>
-            <a:pPr indent="0" lvl="0" marL="0" rtl="0" algn="l">
-              <a:spcBef>
-                <a:spcPts val="1200"/>
-              </a:spcBef>
-              <a:spcAft>
-                <a:spcPts val="0"/>
-              </a:spcAft>
-              <a:buNone/>
-            </a:pPr>
-            <a:r>
-              <a:t/>
-            </a:r>
-            <a:endParaRPr sz="1700"/>
-          </a:p>
-          <a:p>
-            <a:pPr indent="-336550" lvl="0" marL="457200" rtl="0" algn="l">
-              <a:spcBef>
-                <a:spcPts val="1200"/>
-              </a:spcBef>
-              <a:spcAft>
-                <a:spcPts val="0"/>
-              </a:spcAft>
-              <a:buSzPts val="1700"/>
-              <a:buChar char="●"/>
-            </a:pPr>
-            <a:r>
-              <a:rPr lang="fr" sz="1700"/>
-              <a:t>Class Diagram</a:t>
-            </a:r>
-            <a:endParaRPr sz="1700"/>
-          </a:p>
-        </p:txBody>
-      </p:sp>
-      <p:pic>
-        <p:nvPicPr>
-          <p:cNvPr id="189" name="Google Shape;189;p21"/>
-          <p:cNvPicPr preferRelativeResize="0"/>
-          <p:nvPr/>
-        </p:nvPicPr>
-        <p:blipFill>
-          <a:blip r:embed="rId3">
-            <a:alphaModFix/>
-          </a:blip>
-          <a:stretch>
-            <a:fillRect/>
-          </a:stretch>
-        </p:blipFill>
-        <p:spPr>
-          <a:xfrm>
-            <a:off x="4223550" y="1635550"/>
-            <a:ext cx="4352850" cy="2928412"/>
           </a:xfrm>
           <a:prstGeom prst="rect">
             <a:avLst/>
